--- a/docs/expo_poster/ResearchShowcasePoster_EECS_2017.pptx
+++ b/docs/expo_poster/ResearchShowcasePoster_EECS_2017.pptx
@@ -34,7 +34,7 @@
       </p:grpSpPr>
       <p:sp>
         <p:nvSpPr>
-          <p:cNvPr id="40" name="PlaceHolder 1"/>
+          <p:cNvPr id="38" name="PlaceHolder 1"/>
           <p:cNvSpPr>
             <a:spLocks noGrp="1"/>
           </p:cNvSpPr>
@@ -64,7 +64,7 @@
                     <a:srgbClr val="ffffff"/>
                   </a:solidFill>
                 </a:uFill>
-                <a:latin typeface="Arial"/>
+                <a:latin typeface="Nimbus Sans"/>
               </a:rPr>
               <a:t>Click to edit the notes format</a:t>
             </a:r>
@@ -77,14 +77,14 @@
                   <a:srgbClr val="ffffff"/>
                 </a:solidFill>
               </a:uFill>
-              <a:latin typeface="Arial"/>
-            </a:endParaRPr>
-          </a:p>
-        </p:txBody>
-      </p:sp>
-      <p:sp>
-        <p:nvSpPr>
-          <p:cNvPr id="41" name="PlaceHolder 2"/>
+              <a:latin typeface="Nimbus Sans"/>
+            </a:endParaRPr>
+          </a:p>
+        </p:txBody>
+      </p:sp>
+      <p:sp>
+        <p:nvSpPr>
+          <p:cNvPr id="39" name="PlaceHolder 2"/>
           <p:cNvSpPr>
             <a:spLocks noGrp="1"/>
           </p:cNvSpPr>
@@ -114,9 +114,9 @@
                     <a:srgbClr val="ffffff"/>
                   </a:solidFill>
                 </a:uFill>
-                <a:latin typeface="Times New Roman"/>
-              </a:rPr>
-              <a:t> </a:t>
+                <a:latin typeface="Nimbus Roman"/>
+              </a:rPr>
+              <a:t>&lt;header&gt;</a:t>
             </a:r>
             <a:endParaRPr b="0" lang="en-US" sz="1400" spc="-1" strike="noStrike">
               <a:solidFill>
@@ -127,14 +127,14 @@
                   <a:srgbClr val="ffffff"/>
                 </a:solidFill>
               </a:uFill>
-              <a:latin typeface="Times New Roman"/>
-            </a:endParaRPr>
-          </a:p>
-        </p:txBody>
-      </p:sp>
-      <p:sp>
-        <p:nvSpPr>
-          <p:cNvPr id="42" name="PlaceHolder 3"/>
+              <a:latin typeface="Nimbus Roman"/>
+            </a:endParaRPr>
+          </a:p>
+        </p:txBody>
+      </p:sp>
+      <p:sp>
+        <p:nvSpPr>
+          <p:cNvPr id="40" name="PlaceHolder 3"/>
           <p:cNvSpPr>
             <a:spLocks noGrp="1"/>
           </p:cNvSpPr>
@@ -165,9 +165,9 @@
                     <a:srgbClr val="ffffff"/>
                   </a:solidFill>
                 </a:uFill>
-                <a:latin typeface="Times New Roman"/>
-              </a:rPr>
-              <a:t> </a:t>
+                <a:latin typeface="Nimbus Roman"/>
+              </a:rPr>
+              <a:t>&lt;date/time&gt;</a:t>
             </a:r>
             <a:endParaRPr b="0" lang="en-US" sz="1400" spc="-1" strike="noStrike">
               <a:solidFill>
@@ -178,14 +178,14 @@
                   <a:srgbClr val="ffffff"/>
                 </a:solidFill>
               </a:uFill>
-              <a:latin typeface="Times New Roman"/>
-            </a:endParaRPr>
-          </a:p>
-        </p:txBody>
-      </p:sp>
-      <p:sp>
-        <p:nvSpPr>
-          <p:cNvPr id="43" name="PlaceHolder 4"/>
+              <a:latin typeface="Nimbus Roman"/>
+            </a:endParaRPr>
+          </a:p>
+        </p:txBody>
+      </p:sp>
+      <p:sp>
+        <p:nvSpPr>
+          <p:cNvPr id="41" name="PlaceHolder 4"/>
           <p:cNvSpPr>
             <a:spLocks noGrp="1"/>
           </p:cNvSpPr>
@@ -215,9 +215,9 @@
                     <a:srgbClr val="ffffff"/>
                   </a:solidFill>
                 </a:uFill>
-                <a:latin typeface="Times New Roman"/>
-              </a:rPr>
-              <a:t> </a:t>
+                <a:latin typeface="Nimbus Roman"/>
+              </a:rPr>
+              <a:t>&lt;footer&gt;</a:t>
             </a:r>
             <a:endParaRPr b="0" lang="en-US" sz="1400" spc="-1" strike="noStrike">
               <a:solidFill>
@@ -228,14 +228,14 @@
                   <a:srgbClr val="ffffff"/>
                 </a:solidFill>
               </a:uFill>
-              <a:latin typeface="Times New Roman"/>
-            </a:endParaRPr>
-          </a:p>
-        </p:txBody>
-      </p:sp>
-      <p:sp>
-        <p:nvSpPr>
-          <p:cNvPr id="44" name="PlaceHolder 5"/>
+              <a:latin typeface="Nimbus Roman"/>
+            </a:endParaRPr>
+          </a:p>
+        </p:txBody>
+      </p:sp>
+      <p:sp>
+        <p:nvSpPr>
+          <p:cNvPr id="42" name="PlaceHolder 5"/>
           <p:cNvSpPr>
             <a:spLocks noGrp="1"/>
           </p:cNvSpPr>
@@ -256,7 +256,7 @@
           <a:bodyPr lIns="0" rIns="0" tIns="0" bIns="0" anchor="b"/>
           <a:p>
             <a:pPr algn="r"/>
-            <a:fld id="{A2050C78-2413-42FE-AF72-5F439516D4A8}" type="slidenum">
+            <a:fld id="{758C14A8-8F4A-4385-B1EC-E26469D99C1B}" type="slidenum">
               <a:rPr b="0" lang="en-US" sz="1400" spc="-1" strike="noStrike">
                 <a:solidFill>
                   <a:srgbClr val="000000"/>
@@ -266,9 +266,9 @@
                     <a:srgbClr val="ffffff"/>
                   </a:solidFill>
                 </a:uFill>
-                <a:latin typeface="Times New Roman"/>
-              </a:rPr>
-              <a:t>1</a:t>
+                <a:latin typeface="Nimbus Roman"/>
+              </a:rPr>
+              <a:t>&lt;number&gt;</a:t>
             </a:fld>
             <a:endParaRPr b="0" lang="en-US" sz="1400" spc="-1" strike="noStrike">
               <a:solidFill>
@@ -279,7 +279,7 @@
                   <a:srgbClr val="ffffff"/>
                 </a:solidFill>
               </a:uFill>
-              <a:latin typeface="Times New Roman"/>
+              <a:latin typeface="Nimbus Roman"/>
             </a:endParaRPr>
           </a:p>
         </p:txBody>
@@ -309,7 +309,7 @@
       </p:grpSpPr>
       <p:sp>
         <p:nvSpPr>
-          <p:cNvPr id="59" name="PlaceHolder 1"/>
+          <p:cNvPr id="58" name="PlaceHolder 1"/>
           <p:cNvSpPr>
             <a:spLocks noGrp="1"/>
           </p:cNvSpPr>
@@ -320,14 +320,14 @@
         <p:spPr>
           <a:xfrm>
             <a:off x="685800" y="4343400"/>
-            <a:ext cx="5486040" cy="4114440"/>
-          </a:xfrm>
-          <a:prstGeom prst="rect">
-            <a:avLst/>
-          </a:prstGeom>
-        </p:spPr>
-        <p:txBody>
-          <a:bodyPr/>
+            <a:ext cx="5485680" cy="4114080"/>
+          </a:xfrm>
+          <a:prstGeom prst="rect">
+            <a:avLst/>
+          </a:prstGeom>
+        </p:spPr>
+        <p:txBody>
+          <a:bodyPr lIns="0" rIns="0" tIns="0" bIns="0"/>
           <a:p>
             <a:endParaRPr b="0" lang="en-US" sz="2000" spc="-1" strike="noStrike">
               <a:solidFill>
@@ -338,21 +338,21 @@
                   <a:srgbClr val="ffffff"/>
                 </a:solidFill>
               </a:uFill>
-              <a:latin typeface="Arial"/>
-            </a:endParaRPr>
-          </a:p>
-        </p:txBody>
-      </p:sp>
-      <p:sp>
-        <p:nvSpPr>
-          <p:cNvPr id="60" name="TextShape 2"/>
-          <p:cNvSpPr txBox="1"/>
+              <a:latin typeface="Nimbus Sans"/>
+            </a:endParaRPr>
+          </a:p>
+        </p:txBody>
+      </p:sp>
+      <p:sp>
+        <p:nvSpPr>
+          <p:cNvPr id="59" name="CustomShape 2"/>
+          <p:cNvSpPr/>
           <p:nvPr/>
         </p:nvSpPr>
         <p:spPr>
           <a:xfrm>
             <a:off x="3884760" y="8685360"/>
-            <a:ext cx="2971440" cy="456840"/>
+            <a:ext cx="2971080" cy="456480"/>
           </a:xfrm>
           <a:prstGeom prst="rect">
             <a:avLst/>
@@ -362,15 +362,21 @@
             <a:noFill/>
           </a:ln>
         </p:spPr>
-        <p:txBody>
-          <a:bodyPr anchor="b"/>
+        <p:style>
+          <a:lnRef idx="0"/>
+          <a:fillRef idx="0"/>
+          <a:effectRef idx="0"/>
+          <a:fontRef idx="minor"/>
+        </p:style>
+        <p:txBody>
+          <a:bodyPr lIns="90000" rIns="90000" tIns="45000" bIns="45000" anchor="b"/>
           <a:p>
             <a:pPr algn="r">
               <a:lnSpc>
                 <a:spcPct val="100000"/>
               </a:lnSpc>
             </a:pPr>
-            <a:fld id="{5CB4BDB8-BC1C-4E53-BAC4-AE86E6DF0BB6}" type="slidenum">
+            <a:fld id="{2D08EB97-37A3-4B93-821F-5B51EC61B512}" type="slidenum">
               <a:rPr b="0" lang="en-US" sz="1200" spc="-1" strike="noStrike">
                 <a:solidFill>
                   <a:srgbClr val="000000"/>
@@ -385,16 +391,16 @@
               </a:rPr>
               <a:t>&lt;number&gt;</a:t>
             </a:fld>
-            <a:endParaRPr b="0" lang="en-US" sz="1400" spc="-1" strike="noStrike">
-              <a:solidFill>
-                <a:srgbClr val="000000"/>
-              </a:solidFill>
-              <a:uFill>
-                <a:solidFill>
-                  <a:srgbClr val="ffffff"/>
-                </a:solidFill>
-              </a:uFill>
-              <a:latin typeface="Times New Roman"/>
+            <a:endParaRPr b="0" lang="en-US" sz="1800" spc="-1" strike="noStrike">
+              <a:solidFill>
+                <a:srgbClr val="000000"/>
+              </a:solidFill>
+              <a:uFill>
+                <a:solidFill>
+                  <a:srgbClr val="ffffff"/>
+                </a:solidFill>
+              </a:uFill>
+              <a:latin typeface="Nimbus Sans"/>
             </a:endParaRPr>
           </a:p>
         </p:txBody>
@@ -445,7 +451,7 @@
       </p:grpSpPr>
       <p:sp>
         <p:nvSpPr>
-          <p:cNvPr id="27" name="PlaceHolder 1"/>
+          <p:cNvPr id="23" name="PlaceHolder 1"/>
           <p:cNvSpPr>
             <a:spLocks noGrp="1"/>
           </p:cNvSpPr>
@@ -456,7 +462,7 @@
         <p:spPr>
           <a:xfrm>
             <a:off x="3154680" y="10083960"/>
-            <a:ext cx="35752680" cy="6957720"/>
+            <a:ext cx="35752320" cy="6957360"/>
           </a:xfrm>
           <a:prstGeom prst="rect">
             <a:avLst/>
@@ -465,23 +471,24 @@
         <p:txBody>
           <a:bodyPr lIns="0" rIns="0" tIns="0" bIns="0" anchor="ctr"/>
           <a:p>
-            <a:endParaRPr b="0" lang="en-US" sz="8400" spc="-1" strike="noStrike">
-              <a:solidFill>
-                <a:srgbClr val="000000"/>
-              </a:solidFill>
-              <a:uFill>
-                <a:solidFill>
-                  <a:srgbClr val="ffffff"/>
-                </a:solidFill>
-              </a:uFill>
-              <a:latin typeface="Calibri"/>
-            </a:endParaRPr>
-          </a:p>
-        </p:txBody>
-      </p:sp>
-      <p:sp>
-        <p:nvSpPr>
-          <p:cNvPr id="28" name="PlaceHolder 2"/>
+            <a:pPr algn="ctr"/>
+            <a:endParaRPr b="0" lang="en-US" sz="4400" spc="-1" strike="noStrike">
+              <a:solidFill>
+                <a:srgbClr val="000000"/>
+              </a:solidFill>
+              <a:uFill>
+                <a:solidFill>
+                  <a:srgbClr val="ffffff"/>
+                </a:solidFill>
+              </a:uFill>
+              <a:latin typeface="Nimbus Sans"/>
+            </a:endParaRPr>
+          </a:p>
+        </p:txBody>
+      </p:sp>
+      <p:sp>
+        <p:nvSpPr>
+          <p:cNvPr id="24" name="PlaceHolder 2"/>
           <p:cNvSpPr>
             <a:spLocks noGrp="1"/>
           </p:cNvSpPr>
@@ -501,23 +508,23 @@
         <p:txBody>
           <a:bodyPr lIns="0" rIns="0" tIns="0" bIns="0"/>
           <a:p>
-            <a:endParaRPr b="0" lang="en-US" sz="14900" spc="-1" strike="noStrike">
-              <a:solidFill>
-                <a:srgbClr val="000000"/>
-              </a:solidFill>
-              <a:uFill>
-                <a:solidFill>
-                  <a:srgbClr val="ffffff"/>
-                </a:solidFill>
-              </a:uFill>
-              <a:latin typeface="Calibri"/>
-            </a:endParaRPr>
-          </a:p>
-        </p:txBody>
-      </p:sp>
-      <p:sp>
-        <p:nvSpPr>
-          <p:cNvPr id="29" name="PlaceHolder 3"/>
+            <a:endParaRPr b="0" lang="en-US" sz="3200" spc="-1" strike="noStrike">
+              <a:solidFill>
+                <a:srgbClr val="000000"/>
+              </a:solidFill>
+              <a:uFill>
+                <a:solidFill>
+                  <a:srgbClr val="ffffff"/>
+                </a:solidFill>
+              </a:uFill>
+              <a:latin typeface="Nimbus Sans"/>
+            </a:endParaRPr>
+          </a:p>
+        </p:txBody>
+      </p:sp>
+      <p:sp>
+        <p:nvSpPr>
+          <p:cNvPr id="25" name="PlaceHolder 3"/>
           <p:cNvSpPr>
             <a:spLocks noGrp="1"/>
           </p:cNvSpPr>
@@ -537,16 +544,16 @@
         <p:txBody>
           <a:bodyPr lIns="0" rIns="0" tIns="0" bIns="0"/>
           <a:p>
-            <a:endParaRPr b="0" lang="en-US" sz="14900" spc="-1" strike="noStrike">
-              <a:solidFill>
-                <a:srgbClr val="000000"/>
-              </a:solidFill>
-              <a:uFill>
-                <a:solidFill>
-                  <a:srgbClr val="ffffff"/>
-                </a:solidFill>
-              </a:uFill>
-              <a:latin typeface="Calibri"/>
+            <a:endParaRPr b="0" lang="en-US" sz="3200" spc="-1" strike="noStrike">
+              <a:solidFill>
+                <a:srgbClr val="000000"/>
+              </a:solidFill>
+              <a:uFill>
+                <a:solidFill>
+                  <a:srgbClr val="ffffff"/>
+                </a:solidFill>
+              </a:uFill>
+              <a:latin typeface="Nimbus Sans"/>
             </a:endParaRPr>
           </a:p>
         </p:txBody>
@@ -575,7 +582,7 @@
       </p:grpSpPr>
       <p:sp>
         <p:nvSpPr>
-          <p:cNvPr id="30" name="PlaceHolder 1"/>
+          <p:cNvPr id="26" name="PlaceHolder 1"/>
           <p:cNvSpPr>
             <a:spLocks noGrp="1"/>
           </p:cNvSpPr>
@@ -586,7 +593,7 @@
         <p:spPr>
           <a:xfrm>
             <a:off x="3154680" y="10083960"/>
-            <a:ext cx="35752680" cy="6957720"/>
+            <a:ext cx="35752320" cy="6957360"/>
           </a:xfrm>
           <a:prstGeom prst="rect">
             <a:avLst/>
@@ -595,23 +602,24 @@
         <p:txBody>
           <a:bodyPr lIns="0" rIns="0" tIns="0" bIns="0" anchor="ctr"/>
           <a:p>
-            <a:endParaRPr b="0" lang="en-US" sz="8400" spc="-1" strike="noStrike">
-              <a:solidFill>
-                <a:srgbClr val="000000"/>
-              </a:solidFill>
-              <a:uFill>
-                <a:solidFill>
-                  <a:srgbClr val="ffffff"/>
-                </a:solidFill>
-              </a:uFill>
-              <a:latin typeface="Calibri"/>
-            </a:endParaRPr>
-          </a:p>
-        </p:txBody>
-      </p:sp>
-      <p:sp>
-        <p:nvSpPr>
-          <p:cNvPr id="31" name="PlaceHolder 2"/>
+            <a:pPr algn="ctr"/>
+            <a:endParaRPr b="0" lang="en-US" sz="4400" spc="-1" strike="noStrike">
+              <a:solidFill>
+                <a:srgbClr val="000000"/>
+              </a:solidFill>
+              <a:uFill>
+                <a:solidFill>
+                  <a:srgbClr val="ffffff"/>
+                </a:solidFill>
+              </a:uFill>
+              <a:latin typeface="Nimbus Sans"/>
+            </a:endParaRPr>
+          </a:p>
+        </p:txBody>
+      </p:sp>
+      <p:sp>
+        <p:nvSpPr>
+          <p:cNvPr id="27" name="PlaceHolder 2"/>
           <p:cNvSpPr>
             <a:spLocks noGrp="1"/>
           </p:cNvSpPr>
@@ -631,23 +639,23 @@
         <p:txBody>
           <a:bodyPr lIns="0" rIns="0" tIns="0" bIns="0"/>
           <a:p>
-            <a:endParaRPr b="0" lang="en-US" sz="14900" spc="-1" strike="noStrike">
-              <a:solidFill>
-                <a:srgbClr val="000000"/>
-              </a:solidFill>
-              <a:uFill>
-                <a:solidFill>
-                  <a:srgbClr val="ffffff"/>
-                </a:solidFill>
-              </a:uFill>
-              <a:latin typeface="Calibri"/>
-            </a:endParaRPr>
-          </a:p>
-        </p:txBody>
-      </p:sp>
-      <p:sp>
-        <p:nvSpPr>
-          <p:cNvPr id="32" name="PlaceHolder 3"/>
+            <a:endParaRPr b="0" lang="en-US" sz="3200" spc="-1" strike="noStrike">
+              <a:solidFill>
+                <a:srgbClr val="000000"/>
+              </a:solidFill>
+              <a:uFill>
+                <a:solidFill>
+                  <a:srgbClr val="ffffff"/>
+                </a:solidFill>
+              </a:uFill>
+              <a:latin typeface="Nimbus Sans"/>
+            </a:endParaRPr>
+          </a:p>
+        </p:txBody>
+      </p:sp>
+      <p:sp>
+        <p:nvSpPr>
+          <p:cNvPr id="28" name="PlaceHolder 3"/>
           <p:cNvSpPr>
             <a:spLocks noGrp="1"/>
           </p:cNvSpPr>
@@ -667,23 +675,23 @@
         <p:txBody>
           <a:bodyPr lIns="0" rIns="0" tIns="0" bIns="0"/>
           <a:p>
-            <a:endParaRPr b="0" lang="en-US" sz="14900" spc="-1" strike="noStrike">
-              <a:solidFill>
-                <a:srgbClr val="000000"/>
-              </a:solidFill>
-              <a:uFill>
-                <a:solidFill>
-                  <a:srgbClr val="ffffff"/>
-                </a:solidFill>
-              </a:uFill>
-              <a:latin typeface="Calibri"/>
-            </a:endParaRPr>
-          </a:p>
-        </p:txBody>
-      </p:sp>
-      <p:sp>
-        <p:nvSpPr>
-          <p:cNvPr id="33" name="PlaceHolder 4"/>
+            <a:endParaRPr b="0" lang="en-US" sz="3200" spc="-1" strike="noStrike">
+              <a:solidFill>
+                <a:srgbClr val="000000"/>
+              </a:solidFill>
+              <a:uFill>
+                <a:solidFill>
+                  <a:srgbClr val="ffffff"/>
+                </a:solidFill>
+              </a:uFill>
+              <a:latin typeface="Nimbus Sans"/>
+            </a:endParaRPr>
+          </a:p>
+        </p:txBody>
+      </p:sp>
+      <p:sp>
+        <p:nvSpPr>
+          <p:cNvPr id="29" name="PlaceHolder 4"/>
           <p:cNvSpPr>
             <a:spLocks noGrp="1"/>
           </p:cNvSpPr>
@@ -703,23 +711,23 @@
         <p:txBody>
           <a:bodyPr lIns="0" rIns="0" tIns="0" bIns="0"/>
           <a:p>
-            <a:endParaRPr b="0" lang="en-US" sz="14900" spc="-1" strike="noStrike">
-              <a:solidFill>
-                <a:srgbClr val="000000"/>
-              </a:solidFill>
-              <a:uFill>
-                <a:solidFill>
-                  <a:srgbClr val="ffffff"/>
-                </a:solidFill>
-              </a:uFill>
-              <a:latin typeface="Calibri"/>
-            </a:endParaRPr>
-          </a:p>
-        </p:txBody>
-      </p:sp>
-      <p:sp>
-        <p:nvSpPr>
-          <p:cNvPr id="34" name="PlaceHolder 5"/>
+            <a:endParaRPr b="0" lang="en-US" sz="3200" spc="-1" strike="noStrike">
+              <a:solidFill>
+                <a:srgbClr val="000000"/>
+              </a:solidFill>
+              <a:uFill>
+                <a:solidFill>
+                  <a:srgbClr val="ffffff"/>
+                </a:solidFill>
+              </a:uFill>
+              <a:latin typeface="Nimbus Sans"/>
+            </a:endParaRPr>
+          </a:p>
+        </p:txBody>
+      </p:sp>
+      <p:sp>
+        <p:nvSpPr>
+          <p:cNvPr id="30" name="PlaceHolder 5"/>
           <p:cNvSpPr>
             <a:spLocks noGrp="1"/>
           </p:cNvSpPr>
@@ -739,16 +747,16 @@
         <p:txBody>
           <a:bodyPr lIns="0" rIns="0" tIns="0" bIns="0"/>
           <a:p>
-            <a:endParaRPr b="0" lang="en-US" sz="14900" spc="-1" strike="noStrike">
-              <a:solidFill>
-                <a:srgbClr val="000000"/>
-              </a:solidFill>
-              <a:uFill>
-                <a:solidFill>
-                  <a:srgbClr val="ffffff"/>
-                </a:solidFill>
-              </a:uFill>
-              <a:latin typeface="Calibri"/>
+            <a:endParaRPr b="0" lang="en-US" sz="3200" spc="-1" strike="noStrike">
+              <a:solidFill>
+                <a:srgbClr val="000000"/>
+              </a:solidFill>
+              <a:uFill>
+                <a:solidFill>
+                  <a:srgbClr val="ffffff"/>
+                </a:solidFill>
+              </a:uFill>
+              <a:latin typeface="Nimbus Sans"/>
             </a:endParaRPr>
           </a:p>
         </p:txBody>
@@ -777,7 +785,7 @@
       </p:grpSpPr>
       <p:sp>
         <p:nvSpPr>
-          <p:cNvPr id="35" name="PlaceHolder 1"/>
+          <p:cNvPr id="31" name="PlaceHolder 1"/>
           <p:cNvSpPr>
             <a:spLocks noGrp="1"/>
           </p:cNvSpPr>
@@ -788,7 +796,7 @@
         <p:spPr>
           <a:xfrm>
             <a:off x="3154680" y="10083960"/>
-            <a:ext cx="35752680" cy="6957720"/>
+            <a:ext cx="35752320" cy="6957360"/>
           </a:xfrm>
           <a:prstGeom prst="rect">
             <a:avLst/>
@@ -797,23 +805,24 @@
         <p:txBody>
           <a:bodyPr lIns="0" rIns="0" tIns="0" bIns="0" anchor="ctr"/>
           <a:p>
-            <a:endParaRPr b="0" lang="en-US" sz="8400" spc="-1" strike="noStrike">
-              <a:solidFill>
-                <a:srgbClr val="000000"/>
-              </a:solidFill>
-              <a:uFill>
-                <a:solidFill>
-                  <a:srgbClr val="ffffff"/>
-                </a:solidFill>
-              </a:uFill>
-              <a:latin typeface="Calibri"/>
-            </a:endParaRPr>
-          </a:p>
-        </p:txBody>
-      </p:sp>
-      <p:sp>
-        <p:nvSpPr>
-          <p:cNvPr id="36" name="PlaceHolder 2"/>
+            <a:pPr algn="ctr"/>
+            <a:endParaRPr b="0" lang="en-US" sz="4400" spc="-1" strike="noStrike">
+              <a:solidFill>
+                <a:srgbClr val="000000"/>
+              </a:solidFill>
+              <a:uFill>
+                <a:solidFill>
+                  <a:srgbClr val="ffffff"/>
+                </a:solidFill>
+              </a:uFill>
+              <a:latin typeface="Nimbus Sans"/>
+            </a:endParaRPr>
+          </a:p>
+        </p:txBody>
+      </p:sp>
+      <p:sp>
+        <p:nvSpPr>
+          <p:cNvPr id="32" name="PlaceHolder 2"/>
           <p:cNvSpPr>
             <a:spLocks noGrp="1"/>
           </p:cNvSpPr>
@@ -824,7 +833,7 @@
         <p:spPr>
           <a:xfrm>
             <a:off x="2103120" y="7595640"/>
-            <a:ext cx="37855800" cy="18826920"/>
+            <a:ext cx="12189240" cy="8980200"/>
           </a:xfrm>
           <a:prstGeom prst="rect">
             <a:avLst/>
@@ -833,23 +842,23 @@
         <p:txBody>
           <a:bodyPr lIns="0" rIns="0" tIns="0" bIns="0"/>
           <a:p>
-            <a:endParaRPr b="0" lang="en-US" sz="14900" spc="-1" strike="noStrike">
-              <a:solidFill>
-                <a:srgbClr val="000000"/>
-              </a:solidFill>
-              <a:uFill>
-                <a:solidFill>
-                  <a:srgbClr val="ffffff"/>
-                </a:solidFill>
-              </a:uFill>
-              <a:latin typeface="Calibri"/>
-            </a:endParaRPr>
-          </a:p>
-        </p:txBody>
-      </p:sp>
-      <p:sp>
-        <p:nvSpPr>
-          <p:cNvPr id="37" name="PlaceHolder 3"/>
+            <a:endParaRPr b="0" lang="en-US" sz="3200" spc="-1" strike="noStrike">
+              <a:solidFill>
+                <a:srgbClr val="000000"/>
+              </a:solidFill>
+              <a:uFill>
+                <a:solidFill>
+                  <a:srgbClr val="ffffff"/>
+                </a:solidFill>
+              </a:uFill>
+              <a:latin typeface="Nimbus Sans"/>
+            </a:endParaRPr>
+          </a:p>
+        </p:txBody>
+      </p:sp>
+      <p:sp>
+        <p:nvSpPr>
+          <p:cNvPr id="33" name="PlaceHolder 3"/>
           <p:cNvSpPr>
             <a:spLocks noGrp="1"/>
           </p:cNvSpPr>
@@ -859,8 +868,8 @@
         </p:nvSpPr>
         <p:spPr>
           <a:xfrm>
-            <a:off x="2103120" y="7595640"/>
-            <a:ext cx="37855800" cy="18826920"/>
+            <a:off x="14902200" y="7595640"/>
+            <a:ext cx="12189240" cy="8980200"/>
           </a:xfrm>
           <a:prstGeom prst="rect">
             <a:avLst/>
@@ -869,66 +878,164 @@
         <p:txBody>
           <a:bodyPr lIns="0" rIns="0" tIns="0" bIns="0"/>
           <a:p>
-            <a:endParaRPr b="0" lang="en-US" sz="14900" spc="-1" strike="noStrike">
-              <a:solidFill>
-                <a:srgbClr val="000000"/>
-              </a:solidFill>
-              <a:uFill>
-                <a:solidFill>
-                  <a:srgbClr val="ffffff"/>
-                </a:solidFill>
-              </a:uFill>
-              <a:latin typeface="Calibri"/>
-            </a:endParaRPr>
-          </a:p>
-        </p:txBody>
-      </p:sp>
-      <p:pic>
-        <p:nvPicPr>
-          <p:cNvPr id="38" name="" descr=""/>
-          <p:cNvPicPr/>
-          <p:nvPr/>
-        </p:nvPicPr>
-        <p:blipFill>
-          <a:blip r:embed="rId2"/>
-          <a:stretch/>
-        </p:blipFill>
-        <p:spPr>
-          <a:xfrm>
-            <a:off x="9232560" y="7595280"/>
-            <a:ext cx="23596200" cy="18826920"/>
-          </a:xfrm>
-          <a:prstGeom prst="rect">
-            <a:avLst/>
-          </a:prstGeom>
-          <a:ln>
-            <a:noFill/>
-          </a:ln>
-        </p:spPr>
-      </p:pic>
-      <p:pic>
-        <p:nvPicPr>
-          <p:cNvPr id="39" name="" descr=""/>
-          <p:cNvPicPr/>
-          <p:nvPr/>
-        </p:nvPicPr>
-        <p:blipFill>
-          <a:blip r:embed="rId3"/>
-          <a:stretch/>
-        </p:blipFill>
-        <p:spPr>
-          <a:xfrm>
-            <a:off x="9232560" y="7595280"/>
-            <a:ext cx="23596200" cy="18826920"/>
-          </a:xfrm>
-          <a:prstGeom prst="rect">
-            <a:avLst/>
-          </a:prstGeom>
-          <a:ln>
-            <a:noFill/>
-          </a:ln>
-        </p:spPr>
-      </p:pic>
+            <a:endParaRPr b="0" lang="en-US" sz="3200" spc="-1" strike="noStrike">
+              <a:solidFill>
+                <a:srgbClr val="000000"/>
+              </a:solidFill>
+              <a:uFill>
+                <a:solidFill>
+                  <a:srgbClr val="ffffff"/>
+                </a:solidFill>
+              </a:uFill>
+              <a:latin typeface="Nimbus Sans"/>
+            </a:endParaRPr>
+          </a:p>
+        </p:txBody>
+      </p:sp>
+      <p:sp>
+        <p:nvSpPr>
+          <p:cNvPr id="34" name="PlaceHolder 4"/>
+          <p:cNvSpPr>
+            <a:spLocks noGrp="1"/>
+          </p:cNvSpPr>
+          <p:nvPr>
+            <p:ph type="body"/>
+          </p:nvPr>
+        </p:nvSpPr>
+        <p:spPr>
+          <a:xfrm>
+            <a:off x="27701280" y="7595640"/>
+            <a:ext cx="12189240" cy="8980200"/>
+          </a:xfrm>
+          <a:prstGeom prst="rect">
+            <a:avLst/>
+          </a:prstGeom>
+        </p:spPr>
+        <p:txBody>
+          <a:bodyPr lIns="0" rIns="0" tIns="0" bIns="0"/>
+          <a:p>
+            <a:endParaRPr b="0" lang="en-US" sz="3200" spc="-1" strike="noStrike">
+              <a:solidFill>
+                <a:srgbClr val="000000"/>
+              </a:solidFill>
+              <a:uFill>
+                <a:solidFill>
+                  <a:srgbClr val="ffffff"/>
+                </a:solidFill>
+              </a:uFill>
+              <a:latin typeface="Nimbus Sans"/>
+            </a:endParaRPr>
+          </a:p>
+        </p:txBody>
+      </p:sp>
+      <p:sp>
+        <p:nvSpPr>
+          <p:cNvPr id="35" name="PlaceHolder 5"/>
+          <p:cNvSpPr>
+            <a:spLocks noGrp="1"/>
+          </p:cNvSpPr>
+          <p:nvPr>
+            <p:ph type="body"/>
+          </p:nvPr>
+        </p:nvSpPr>
+        <p:spPr>
+          <a:xfrm>
+            <a:off x="27701280" y="17429400"/>
+            <a:ext cx="12189240" cy="8980200"/>
+          </a:xfrm>
+          <a:prstGeom prst="rect">
+            <a:avLst/>
+          </a:prstGeom>
+        </p:spPr>
+        <p:txBody>
+          <a:bodyPr lIns="0" rIns="0" tIns="0" bIns="0"/>
+          <a:p>
+            <a:endParaRPr b="0" lang="en-US" sz="3200" spc="-1" strike="noStrike">
+              <a:solidFill>
+                <a:srgbClr val="000000"/>
+              </a:solidFill>
+              <a:uFill>
+                <a:solidFill>
+                  <a:srgbClr val="ffffff"/>
+                </a:solidFill>
+              </a:uFill>
+              <a:latin typeface="Nimbus Sans"/>
+            </a:endParaRPr>
+          </a:p>
+        </p:txBody>
+      </p:sp>
+      <p:sp>
+        <p:nvSpPr>
+          <p:cNvPr id="36" name="PlaceHolder 6"/>
+          <p:cNvSpPr>
+            <a:spLocks noGrp="1"/>
+          </p:cNvSpPr>
+          <p:nvPr>
+            <p:ph type="body"/>
+          </p:nvPr>
+        </p:nvSpPr>
+        <p:spPr>
+          <a:xfrm>
+            <a:off x="14902200" y="17429400"/>
+            <a:ext cx="12189240" cy="8980200"/>
+          </a:xfrm>
+          <a:prstGeom prst="rect">
+            <a:avLst/>
+          </a:prstGeom>
+        </p:spPr>
+        <p:txBody>
+          <a:bodyPr lIns="0" rIns="0" tIns="0" bIns="0"/>
+          <a:p>
+            <a:endParaRPr b="0" lang="en-US" sz="3200" spc="-1" strike="noStrike">
+              <a:solidFill>
+                <a:srgbClr val="000000"/>
+              </a:solidFill>
+              <a:uFill>
+                <a:solidFill>
+                  <a:srgbClr val="ffffff"/>
+                </a:solidFill>
+              </a:uFill>
+              <a:latin typeface="Nimbus Sans"/>
+            </a:endParaRPr>
+          </a:p>
+        </p:txBody>
+      </p:sp>
+      <p:sp>
+        <p:nvSpPr>
+          <p:cNvPr id="37" name="PlaceHolder 7"/>
+          <p:cNvSpPr>
+            <a:spLocks noGrp="1"/>
+          </p:cNvSpPr>
+          <p:nvPr>
+            <p:ph type="body"/>
+          </p:nvPr>
+        </p:nvSpPr>
+        <p:spPr>
+          <a:xfrm>
+            <a:off x="2103120" y="17429400"/>
+            <a:ext cx="12189240" cy="8980200"/>
+          </a:xfrm>
+          <a:prstGeom prst="rect">
+            <a:avLst/>
+          </a:prstGeom>
+        </p:spPr>
+        <p:txBody>
+          <a:bodyPr lIns="0" rIns="0" tIns="0" bIns="0"/>
+          <a:p>
+            <a:endParaRPr b="0" lang="en-US" sz="3200" spc="-1" strike="noStrike">
+              <a:solidFill>
+                <a:srgbClr val="000000"/>
+              </a:solidFill>
+              <a:uFill>
+                <a:solidFill>
+                  <a:srgbClr val="ffffff"/>
+                </a:solidFill>
+              </a:uFill>
+              <a:latin typeface="Nimbus Sans"/>
+            </a:endParaRPr>
+          </a:p>
+        </p:txBody>
+      </p:sp>
     </p:spTree>
   </p:cSld>
 </p:sldLayout>
@@ -953,7 +1060,7 @@
       </p:grpSpPr>
       <p:sp>
         <p:nvSpPr>
-          <p:cNvPr id="6" name="PlaceHolder 1"/>
+          <p:cNvPr id="2" name="PlaceHolder 1"/>
           <p:cNvSpPr>
             <a:spLocks noGrp="1"/>
           </p:cNvSpPr>
@@ -964,7 +1071,7 @@
         <p:spPr>
           <a:xfrm>
             <a:off x="3154680" y="10083960"/>
-            <a:ext cx="35752680" cy="6957720"/>
+            <a:ext cx="35752320" cy="6957360"/>
           </a:xfrm>
           <a:prstGeom prst="rect">
             <a:avLst/>
@@ -973,23 +1080,24 @@
         <p:txBody>
           <a:bodyPr lIns="0" rIns="0" tIns="0" bIns="0" anchor="ctr"/>
           <a:p>
-            <a:endParaRPr b="0" lang="en-US" sz="8400" spc="-1" strike="noStrike">
-              <a:solidFill>
-                <a:srgbClr val="000000"/>
-              </a:solidFill>
-              <a:uFill>
-                <a:solidFill>
-                  <a:srgbClr val="ffffff"/>
-                </a:solidFill>
-              </a:uFill>
-              <a:latin typeface="Calibri"/>
-            </a:endParaRPr>
-          </a:p>
-        </p:txBody>
-      </p:sp>
-      <p:sp>
-        <p:nvSpPr>
-          <p:cNvPr id="7" name="PlaceHolder 2"/>
+            <a:pPr algn="ctr"/>
+            <a:endParaRPr b="0" lang="en-US" sz="4400" spc="-1" strike="noStrike">
+              <a:solidFill>
+                <a:srgbClr val="000000"/>
+              </a:solidFill>
+              <a:uFill>
+                <a:solidFill>
+                  <a:srgbClr val="ffffff"/>
+                </a:solidFill>
+              </a:uFill>
+              <a:latin typeface="Nimbus Sans"/>
+            </a:endParaRPr>
+          </a:p>
+        </p:txBody>
+      </p:sp>
+      <p:sp>
+        <p:nvSpPr>
+          <p:cNvPr id="3" name="PlaceHolder 2"/>
           <p:cNvSpPr>
             <a:spLocks noGrp="1"/>
           </p:cNvSpPr>
@@ -1019,7 +1127,7 @@
                   <a:srgbClr val="ffffff"/>
                 </a:solidFill>
               </a:uFill>
-              <a:latin typeface="Arial"/>
+              <a:latin typeface="Nimbus Sans"/>
             </a:endParaRPr>
           </a:p>
         </p:txBody>
@@ -1048,7 +1156,7 @@
       </p:grpSpPr>
       <p:sp>
         <p:nvSpPr>
-          <p:cNvPr id="8" name="PlaceHolder 1"/>
+          <p:cNvPr id="4" name="PlaceHolder 1"/>
           <p:cNvSpPr>
             <a:spLocks noGrp="1"/>
           </p:cNvSpPr>
@@ -1059,7 +1167,7 @@
         <p:spPr>
           <a:xfrm>
             <a:off x="3154680" y="10083960"/>
-            <a:ext cx="35752680" cy="6957720"/>
+            <a:ext cx="35752320" cy="6957360"/>
           </a:xfrm>
           <a:prstGeom prst="rect">
             <a:avLst/>
@@ -1068,23 +1176,24 @@
         <p:txBody>
           <a:bodyPr lIns="0" rIns="0" tIns="0" bIns="0" anchor="ctr"/>
           <a:p>
-            <a:endParaRPr b="0" lang="en-US" sz="8400" spc="-1" strike="noStrike">
-              <a:solidFill>
-                <a:srgbClr val="000000"/>
-              </a:solidFill>
-              <a:uFill>
-                <a:solidFill>
-                  <a:srgbClr val="ffffff"/>
-                </a:solidFill>
-              </a:uFill>
-              <a:latin typeface="Calibri"/>
-            </a:endParaRPr>
-          </a:p>
-        </p:txBody>
-      </p:sp>
-      <p:sp>
-        <p:nvSpPr>
-          <p:cNvPr id="9" name="PlaceHolder 2"/>
+            <a:pPr algn="ctr"/>
+            <a:endParaRPr b="0" lang="en-US" sz="4400" spc="-1" strike="noStrike">
+              <a:solidFill>
+                <a:srgbClr val="000000"/>
+              </a:solidFill>
+              <a:uFill>
+                <a:solidFill>
+                  <a:srgbClr val="ffffff"/>
+                </a:solidFill>
+              </a:uFill>
+              <a:latin typeface="Nimbus Sans"/>
+            </a:endParaRPr>
+          </a:p>
+        </p:txBody>
+      </p:sp>
+      <p:sp>
+        <p:nvSpPr>
+          <p:cNvPr id="5" name="PlaceHolder 2"/>
           <p:cNvSpPr>
             <a:spLocks noGrp="1"/>
           </p:cNvSpPr>
@@ -1104,16 +1213,16 @@
         <p:txBody>
           <a:bodyPr lIns="0" rIns="0" tIns="0" bIns="0"/>
           <a:p>
-            <a:endParaRPr b="0" lang="en-US" sz="14900" spc="-1" strike="noStrike">
-              <a:solidFill>
-                <a:srgbClr val="000000"/>
-              </a:solidFill>
-              <a:uFill>
-                <a:solidFill>
-                  <a:srgbClr val="ffffff"/>
-                </a:solidFill>
-              </a:uFill>
-              <a:latin typeface="Calibri"/>
+            <a:endParaRPr b="0" lang="en-US" sz="3200" spc="-1" strike="noStrike">
+              <a:solidFill>
+                <a:srgbClr val="000000"/>
+              </a:solidFill>
+              <a:uFill>
+                <a:solidFill>
+                  <a:srgbClr val="ffffff"/>
+                </a:solidFill>
+              </a:uFill>
+              <a:latin typeface="Nimbus Sans"/>
             </a:endParaRPr>
           </a:p>
         </p:txBody>
@@ -1142,7 +1251,7 @@
       </p:grpSpPr>
       <p:sp>
         <p:nvSpPr>
-          <p:cNvPr id="10" name="PlaceHolder 1"/>
+          <p:cNvPr id="6" name="PlaceHolder 1"/>
           <p:cNvSpPr>
             <a:spLocks noGrp="1"/>
           </p:cNvSpPr>
@@ -1153,7 +1262,7 @@
         <p:spPr>
           <a:xfrm>
             <a:off x="3154680" y="10083960"/>
-            <a:ext cx="35752680" cy="6957720"/>
+            <a:ext cx="35752320" cy="6957360"/>
           </a:xfrm>
           <a:prstGeom prst="rect">
             <a:avLst/>
@@ -1162,23 +1271,24 @@
         <p:txBody>
           <a:bodyPr lIns="0" rIns="0" tIns="0" bIns="0" anchor="ctr"/>
           <a:p>
-            <a:endParaRPr b="0" lang="en-US" sz="8400" spc="-1" strike="noStrike">
-              <a:solidFill>
-                <a:srgbClr val="000000"/>
-              </a:solidFill>
-              <a:uFill>
-                <a:solidFill>
-                  <a:srgbClr val="ffffff"/>
-                </a:solidFill>
-              </a:uFill>
-              <a:latin typeface="Calibri"/>
-            </a:endParaRPr>
-          </a:p>
-        </p:txBody>
-      </p:sp>
-      <p:sp>
-        <p:nvSpPr>
-          <p:cNvPr id="11" name="PlaceHolder 2"/>
+            <a:pPr algn="ctr"/>
+            <a:endParaRPr b="0" lang="en-US" sz="4400" spc="-1" strike="noStrike">
+              <a:solidFill>
+                <a:srgbClr val="000000"/>
+              </a:solidFill>
+              <a:uFill>
+                <a:solidFill>
+                  <a:srgbClr val="ffffff"/>
+                </a:solidFill>
+              </a:uFill>
+              <a:latin typeface="Nimbus Sans"/>
+            </a:endParaRPr>
+          </a:p>
+        </p:txBody>
+      </p:sp>
+      <p:sp>
+        <p:nvSpPr>
+          <p:cNvPr id="7" name="PlaceHolder 2"/>
           <p:cNvSpPr>
             <a:spLocks noGrp="1"/>
           </p:cNvSpPr>
@@ -1198,23 +1308,23 @@
         <p:txBody>
           <a:bodyPr lIns="0" rIns="0" tIns="0" bIns="0"/>
           <a:p>
-            <a:endParaRPr b="0" lang="en-US" sz="14900" spc="-1" strike="noStrike">
-              <a:solidFill>
-                <a:srgbClr val="000000"/>
-              </a:solidFill>
-              <a:uFill>
-                <a:solidFill>
-                  <a:srgbClr val="ffffff"/>
-                </a:solidFill>
-              </a:uFill>
-              <a:latin typeface="Calibri"/>
-            </a:endParaRPr>
-          </a:p>
-        </p:txBody>
-      </p:sp>
-      <p:sp>
-        <p:nvSpPr>
-          <p:cNvPr id="12" name="PlaceHolder 3"/>
+            <a:endParaRPr b="0" lang="en-US" sz="3200" spc="-1" strike="noStrike">
+              <a:solidFill>
+                <a:srgbClr val="000000"/>
+              </a:solidFill>
+              <a:uFill>
+                <a:solidFill>
+                  <a:srgbClr val="ffffff"/>
+                </a:solidFill>
+              </a:uFill>
+              <a:latin typeface="Nimbus Sans"/>
+            </a:endParaRPr>
+          </a:p>
+        </p:txBody>
+      </p:sp>
+      <p:sp>
+        <p:nvSpPr>
+          <p:cNvPr id="8" name="PlaceHolder 3"/>
           <p:cNvSpPr>
             <a:spLocks noGrp="1"/>
           </p:cNvSpPr>
@@ -1234,16 +1344,16 @@
         <p:txBody>
           <a:bodyPr lIns="0" rIns="0" tIns="0" bIns="0"/>
           <a:p>
-            <a:endParaRPr b="0" lang="en-US" sz="14900" spc="-1" strike="noStrike">
-              <a:solidFill>
-                <a:srgbClr val="000000"/>
-              </a:solidFill>
-              <a:uFill>
-                <a:solidFill>
-                  <a:srgbClr val="ffffff"/>
-                </a:solidFill>
-              </a:uFill>
-              <a:latin typeface="Calibri"/>
+            <a:endParaRPr b="0" lang="en-US" sz="3200" spc="-1" strike="noStrike">
+              <a:solidFill>
+                <a:srgbClr val="000000"/>
+              </a:solidFill>
+              <a:uFill>
+                <a:solidFill>
+                  <a:srgbClr val="ffffff"/>
+                </a:solidFill>
+              </a:uFill>
+              <a:latin typeface="Nimbus Sans"/>
             </a:endParaRPr>
           </a:p>
         </p:txBody>
@@ -1272,7 +1382,7 @@
       </p:grpSpPr>
       <p:sp>
         <p:nvSpPr>
-          <p:cNvPr id="13" name="PlaceHolder 1"/>
+          <p:cNvPr id="9" name="PlaceHolder 1"/>
           <p:cNvSpPr>
             <a:spLocks noGrp="1"/>
           </p:cNvSpPr>
@@ -1283,7 +1393,7 @@
         <p:spPr>
           <a:xfrm>
             <a:off x="3154680" y="10083960"/>
-            <a:ext cx="35752680" cy="6957720"/>
+            <a:ext cx="35752320" cy="6957360"/>
           </a:xfrm>
           <a:prstGeom prst="rect">
             <a:avLst/>
@@ -1292,16 +1402,17 @@
         <p:txBody>
           <a:bodyPr lIns="0" rIns="0" tIns="0" bIns="0" anchor="ctr"/>
           <a:p>
-            <a:endParaRPr b="0" lang="en-US" sz="8400" spc="-1" strike="noStrike">
-              <a:solidFill>
-                <a:srgbClr val="000000"/>
-              </a:solidFill>
-              <a:uFill>
-                <a:solidFill>
-                  <a:srgbClr val="ffffff"/>
-                </a:solidFill>
-              </a:uFill>
-              <a:latin typeface="Calibri"/>
+            <a:pPr algn="ctr"/>
+            <a:endParaRPr b="0" lang="en-US" sz="4400" spc="-1" strike="noStrike">
+              <a:solidFill>
+                <a:srgbClr val="000000"/>
+              </a:solidFill>
+              <a:uFill>
+                <a:solidFill>
+                  <a:srgbClr val="ffffff"/>
+                </a:solidFill>
+              </a:uFill>
+              <a:latin typeface="Nimbus Sans"/>
             </a:endParaRPr>
           </a:p>
         </p:txBody>
@@ -1330,7 +1441,7 @@
       </p:grpSpPr>
       <p:sp>
         <p:nvSpPr>
-          <p:cNvPr id="14" name="PlaceHolder 1"/>
+          <p:cNvPr id="10" name="PlaceHolder 1"/>
           <p:cNvSpPr>
             <a:spLocks noGrp="1"/>
           </p:cNvSpPr>
@@ -1341,7 +1452,7 @@
         <p:spPr>
           <a:xfrm>
             <a:off x="3154680" y="10083960"/>
-            <a:ext cx="35752680" cy="32253120"/>
+            <a:ext cx="35752320" cy="32251320"/>
           </a:xfrm>
           <a:prstGeom prst="rect">
             <a:avLst/>
@@ -1360,7 +1471,7 @@
                   <a:srgbClr val="ffffff"/>
                 </a:solidFill>
               </a:uFill>
-              <a:latin typeface="Arial"/>
+              <a:latin typeface="Nimbus Sans"/>
             </a:endParaRPr>
           </a:p>
         </p:txBody>
@@ -1389,7 +1500,7 @@
       </p:grpSpPr>
       <p:sp>
         <p:nvSpPr>
-          <p:cNvPr id="15" name="PlaceHolder 1"/>
+          <p:cNvPr id="11" name="PlaceHolder 1"/>
           <p:cNvSpPr>
             <a:spLocks noGrp="1"/>
           </p:cNvSpPr>
@@ -1400,7 +1511,7 @@
         <p:spPr>
           <a:xfrm>
             <a:off x="3154680" y="10083960"/>
-            <a:ext cx="35752680" cy="6957720"/>
+            <a:ext cx="35752320" cy="6957360"/>
           </a:xfrm>
           <a:prstGeom prst="rect">
             <a:avLst/>
@@ -1409,23 +1520,24 @@
         <p:txBody>
           <a:bodyPr lIns="0" rIns="0" tIns="0" bIns="0" anchor="ctr"/>
           <a:p>
-            <a:endParaRPr b="0" lang="en-US" sz="8400" spc="-1" strike="noStrike">
-              <a:solidFill>
-                <a:srgbClr val="000000"/>
-              </a:solidFill>
-              <a:uFill>
-                <a:solidFill>
-                  <a:srgbClr val="ffffff"/>
-                </a:solidFill>
-              </a:uFill>
-              <a:latin typeface="Calibri"/>
-            </a:endParaRPr>
-          </a:p>
-        </p:txBody>
-      </p:sp>
-      <p:sp>
-        <p:nvSpPr>
-          <p:cNvPr id="16" name="PlaceHolder 2"/>
+            <a:pPr algn="ctr"/>
+            <a:endParaRPr b="0" lang="en-US" sz="4400" spc="-1" strike="noStrike">
+              <a:solidFill>
+                <a:srgbClr val="000000"/>
+              </a:solidFill>
+              <a:uFill>
+                <a:solidFill>
+                  <a:srgbClr val="ffffff"/>
+                </a:solidFill>
+              </a:uFill>
+              <a:latin typeface="Nimbus Sans"/>
+            </a:endParaRPr>
+          </a:p>
+        </p:txBody>
+      </p:sp>
+      <p:sp>
+        <p:nvSpPr>
+          <p:cNvPr id="12" name="PlaceHolder 2"/>
           <p:cNvSpPr>
             <a:spLocks noGrp="1"/>
           </p:cNvSpPr>
@@ -1445,23 +1557,23 @@
         <p:txBody>
           <a:bodyPr lIns="0" rIns="0" tIns="0" bIns="0"/>
           <a:p>
-            <a:endParaRPr b="0" lang="en-US" sz="14900" spc="-1" strike="noStrike">
-              <a:solidFill>
-                <a:srgbClr val="000000"/>
-              </a:solidFill>
-              <a:uFill>
-                <a:solidFill>
-                  <a:srgbClr val="ffffff"/>
-                </a:solidFill>
-              </a:uFill>
-              <a:latin typeface="Calibri"/>
-            </a:endParaRPr>
-          </a:p>
-        </p:txBody>
-      </p:sp>
-      <p:sp>
-        <p:nvSpPr>
-          <p:cNvPr id="17" name="PlaceHolder 3"/>
+            <a:endParaRPr b="0" lang="en-US" sz="3200" spc="-1" strike="noStrike">
+              <a:solidFill>
+                <a:srgbClr val="000000"/>
+              </a:solidFill>
+              <a:uFill>
+                <a:solidFill>
+                  <a:srgbClr val="ffffff"/>
+                </a:solidFill>
+              </a:uFill>
+              <a:latin typeface="Nimbus Sans"/>
+            </a:endParaRPr>
+          </a:p>
+        </p:txBody>
+      </p:sp>
+      <p:sp>
+        <p:nvSpPr>
+          <p:cNvPr id="13" name="PlaceHolder 3"/>
           <p:cNvSpPr>
             <a:spLocks noGrp="1"/>
           </p:cNvSpPr>
@@ -1481,23 +1593,23 @@
         <p:txBody>
           <a:bodyPr lIns="0" rIns="0" tIns="0" bIns="0"/>
           <a:p>
-            <a:endParaRPr b="0" lang="en-US" sz="14900" spc="-1" strike="noStrike">
-              <a:solidFill>
-                <a:srgbClr val="000000"/>
-              </a:solidFill>
-              <a:uFill>
-                <a:solidFill>
-                  <a:srgbClr val="ffffff"/>
-                </a:solidFill>
-              </a:uFill>
-              <a:latin typeface="Calibri"/>
-            </a:endParaRPr>
-          </a:p>
-        </p:txBody>
-      </p:sp>
-      <p:sp>
-        <p:nvSpPr>
-          <p:cNvPr id="18" name="PlaceHolder 4"/>
+            <a:endParaRPr b="0" lang="en-US" sz="3200" spc="-1" strike="noStrike">
+              <a:solidFill>
+                <a:srgbClr val="000000"/>
+              </a:solidFill>
+              <a:uFill>
+                <a:solidFill>
+                  <a:srgbClr val="ffffff"/>
+                </a:solidFill>
+              </a:uFill>
+              <a:latin typeface="Nimbus Sans"/>
+            </a:endParaRPr>
+          </a:p>
+        </p:txBody>
+      </p:sp>
+      <p:sp>
+        <p:nvSpPr>
+          <p:cNvPr id="14" name="PlaceHolder 4"/>
           <p:cNvSpPr>
             <a:spLocks noGrp="1"/>
           </p:cNvSpPr>
@@ -1517,16 +1629,16 @@
         <p:txBody>
           <a:bodyPr lIns="0" rIns="0" tIns="0" bIns="0"/>
           <a:p>
-            <a:endParaRPr b="0" lang="en-US" sz="14900" spc="-1" strike="noStrike">
-              <a:solidFill>
-                <a:srgbClr val="000000"/>
-              </a:solidFill>
-              <a:uFill>
-                <a:solidFill>
-                  <a:srgbClr val="ffffff"/>
-                </a:solidFill>
-              </a:uFill>
-              <a:latin typeface="Calibri"/>
+            <a:endParaRPr b="0" lang="en-US" sz="3200" spc="-1" strike="noStrike">
+              <a:solidFill>
+                <a:srgbClr val="000000"/>
+              </a:solidFill>
+              <a:uFill>
+                <a:solidFill>
+                  <a:srgbClr val="ffffff"/>
+                </a:solidFill>
+              </a:uFill>
+              <a:latin typeface="Nimbus Sans"/>
             </a:endParaRPr>
           </a:p>
         </p:txBody>
@@ -1555,7 +1667,7 @@
       </p:grpSpPr>
       <p:sp>
         <p:nvSpPr>
-          <p:cNvPr id="19" name="PlaceHolder 1"/>
+          <p:cNvPr id="15" name="PlaceHolder 1"/>
           <p:cNvSpPr>
             <a:spLocks noGrp="1"/>
           </p:cNvSpPr>
@@ -1566,7 +1678,7 @@
         <p:spPr>
           <a:xfrm>
             <a:off x="3154680" y="10083960"/>
-            <a:ext cx="35752680" cy="6957720"/>
+            <a:ext cx="35752320" cy="6957360"/>
           </a:xfrm>
           <a:prstGeom prst="rect">
             <a:avLst/>
@@ -1575,23 +1687,24 @@
         <p:txBody>
           <a:bodyPr lIns="0" rIns="0" tIns="0" bIns="0" anchor="ctr"/>
           <a:p>
-            <a:endParaRPr b="0" lang="en-US" sz="8400" spc="-1" strike="noStrike">
-              <a:solidFill>
-                <a:srgbClr val="000000"/>
-              </a:solidFill>
-              <a:uFill>
-                <a:solidFill>
-                  <a:srgbClr val="ffffff"/>
-                </a:solidFill>
-              </a:uFill>
-              <a:latin typeface="Calibri"/>
-            </a:endParaRPr>
-          </a:p>
-        </p:txBody>
-      </p:sp>
-      <p:sp>
-        <p:nvSpPr>
-          <p:cNvPr id="20" name="PlaceHolder 2"/>
+            <a:pPr algn="ctr"/>
+            <a:endParaRPr b="0" lang="en-US" sz="4400" spc="-1" strike="noStrike">
+              <a:solidFill>
+                <a:srgbClr val="000000"/>
+              </a:solidFill>
+              <a:uFill>
+                <a:solidFill>
+                  <a:srgbClr val="ffffff"/>
+                </a:solidFill>
+              </a:uFill>
+              <a:latin typeface="Nimbus Sans"/>
+            </a:endParaRPr>
+          </a:p>
+        </p:txBody>
+      </p:sp>
+      <p:sp>
+        <p:nvSpPr>
+          <p:cNvPr id="16" name="PlaceHolder 2"/>
           <p:cNvSpPr>
             <a:spLocks noGrp="1"/>
           </p:cNvSpPr>
@@ -1611,23 +1724,23 @@
         <p:txBody>
           <a:bodyPr lIns="0" rIns="0" tIns="0" bIns="0"/>
           <a:p>
-            <a:endParaRPr b="0" lang="en-US" sz="14900" spc="-1" strike="noStrike">
-              <a:solidFill>
-                <a:srgbClr val="000000"/>
-              </a:solidFill>
-              <a:uFill>
-                <a:solidFill>
-                  <a:srgbClr val="ffffff"/>
-                </a:solidFill>
-              </a:uFill>
-              <a:latin typeface="Calibri"/>
-            </a:endParaRPr>
-          </a:p>
-        </p:txBody>
-      </p:sp>
-      <p:sp>
-        <p:nvSpPr>
-          <p:cNvPr id="21" name="PlaceHolder 3"/>
+            <a:endParaRPr b="0" lang="en-US" sz="3200" spc="-1" strike="noStrike">
+              <a:solidFill>
+                <a:srgbClr val="000000"/>
+              </a:solidFill>
+              <a:uFill>
+                <a:solidFill>
+                  <a:srgbClr val="ffffff"/>
+                </a:solidFill>
+              </a:uFill>
+              <a:latin typeface="Nimbus Sans"/>
+            </a:endParaRPr>
+          </a:p>
+        </p:txBody>
+      </p:sp>
+      <p:sp>
+        <p:nvSpPr>
+          <p:cNvPr id="17" name="PlaceHolder 3"/>
           <p:cNvSpPr>
             <a:spLocks noGrp="1"/>
           </p:cNvSpPr>
@@ -1647,23 +1760,23 @@
         <p:txBody>
           <a:bodyPr lIns="0" rIns="0" tIns="0" bIns="0"/>
           <a:p>
-            <a:endParaRPr b="0" lang="en-US" sz="14900" spc="-1" strike="noStrike">
-              <a:solidFill>
-                <a:srgbClr val="000000"/>
-              </a:solidFill>
-              <a:uFill>
-                <a:solidFill>
-                  <a:srgbClr val="ffffff"/>
-                </a:solidFill>
-              </a:uFill>
-              <a:latin typeface="Calibri"/>
-            </a:endParaRPr>
-          </a:p>
-        </p:txBody>
-      </p:sp>
-      <p:sp>
-        <p:nvSpPr>
-          <p:cNvPr id="22" name="PlaceHolder 4"/>
+            <a:endParaRPr b="0" lang="en-US" sz="3200" spc="-1" strike="noStrike">
+              <a:solidFill>
+                <a:srgbClr val="000000"/>
+              </a:solidFill>
+              <a:uFill>
+                <a:solidFill>
+                  <a:srgbClr val="ffffff"/>
+                </a:solidFill>
+              </a:uFill>
+              <a:latin typeface="Nimbus Sans"/>
+            </a:endParaRPr>
+          </a:p>
+        </p:txBody>
+      </p:sp>
+      <p:sp>
+        <p:nvSpPr>
+          <p:cNvPr id="18" name="PlaceHolder 4"/>
           <p:cNvSpPr>
             <a:spLocks noGrp="1"/>
           </p:cNvSpPr>
@@ -1683,16 +1796,16 @@
         <p:txBody>
           <a:bodyPr lIns="0" rIns="0" tIns="0" bIns="0"/>
           <a:p>
-            <a:endParaRPr b="0" lang="en-US" sz="14900" spc="-1" strike="noStrike">
-              <a:solidFill>
-                <a:srgbClr val="000000"/>
-              </a:solidFill>
-              <a:uFill>
-                <a:solidFill>
-                  <a:srgbClr val="ffffff"/>
-                </a:solidFill>
-              </a:uFill>
-              <a:latin typeface="Calibri"/>
+            <a:endParaRPr b="0" lang="en-US" sz="3200" spc="-1" strike="noStrike">
+              <a:solidFill>
+                <a:srgbClr val="000000"/>
+              </a:solidFill>
+              <a:uFill>
+                <a:solidFill>
+                  <a:srgbClr val="ffffff"/>
+                </a:solidFill>
+              </a:uFill>
+              <a:latin typeface="Nimbus Sans"/>
             </a:endParaRPr>
           </a:p>
         </p:txBody>
@@ -1721,7 +1834,7 @@
       </p:grpSpPr>
       <p:sp>
         <p:nvSpPr>
-          <p:cNvPr id="23" name="PlaceHolder 1"/>
+          <p:cNvPr id="19" name="PlaceHolder 1"/>
           <p:cNvSpPr>
             <a:spLocks noGrp="1"/>
           </p:cNvSpPr>
@@ -1732,7 +1845,7 @@
         <p:spPr>
           <a:xfrm>
             <a:off x="3154680" y="10083960"/>
-            <a:ext cx="35752680" cy="6957720"/>
+            <a:ext cx="35752320" cy="6957360"/>
           </a:xfrm>
           <a:prstGeom prst="rect">
             <a:avLst/>
@@ -1741,23 +1854,24 @@
         <p:txBody>
           <a:bodyPr lIns="0" rIns="0" tIns="0" bIns="0" anchor="ctr"/>
           <a:p>
-            <a:endParaRPr b="0" lang="en-US" sz="8400" spc="-1" strike="noStrike">
-              <a:solidFill>
-                <a:srgbClr val="000000"/>
-              </a:solidFill>
-              <a:uFill>
-                <a:solidFill>
-                  <a:srgbClr val="ffffff"/>
-                </a:solidFill>
-              </a:uFill>
-              <a:latin typeface="Calibri"/>
-            </a:endParaRPr>
-          </a:p>
-        </p:txBody>
-      </p:sp>
-      <p:sp>
-        <p:nvSpPr>
-          <p:cNvPr id="24" name="PlaceHolder 2"/>
+            <a:pPr algn="ctr"/>
+            <a:endParaRPr b="0" lang="en-US" sz="4400" spc="-1" strike="noStrike">
+              <a:solidFill>
+                <a:srgbClr val="000000"/>
+              </a:solidFill>
+              <a:uFill>
+                <a:solidFill>
+                  <a:srgbClr val="ffffff"/>
+                </a:solidFill>
+              </a:uFill>
+              <a:latin typeface="Nimbus Sans"/>
+            </a:endParaRPr>
+          </a:p>
+        </p:txBody>
+      </p:sp>
+      <p:sp>
+        <p:nvSpPr>
+          <p:cNvPr id="20" name="PlaceHolder 2"/>
           <p:cNvSpPr>
             <a:spLocks noGrp="1"/>
           </p:cNvSpPr>
@@ -1777,23 +1891,23 @@
         <p:txBody>
           <a:bodyPr lIns="0" rIns="0" tIns="0" bIns="0"/>
           <a:p>
-            <a:endParaRPr b="0" lang="en-US" sz="14900" spc="-1" strike="noStrike">
-              <a:solidFill>
-                <a:srgbClr val="000000"/>
-              </a:solidFill>
-              <a:uFill>
-                <a:solidFill>
-                  <a:srgbClr val="ffffff"/>
-                </a:solidFill>
-              </a:uFill>
-              <a:latin typeface="Calibri"/>
-            </a:endParaRPr>
-          </a:p>
-        </p:txBody>
-      </p:sp>
-      <p:sp>
-        <p:nvSpPr>
-          <p:cNvPr id="25" name="PlaceHolder 3"/>
+            <a:endParaRPr b="0" lang="en-US" sz="3200" spc="-1" strike="noStrike">
+              <a:solidFill>
+                <a:srgbClr val="000000"/>
+              </a:solidFill>
+              <a:uFill>
+                <a:solidFill>
+                  <a:srgbClr val="ffffff"/>
+                </a:solidFill>
+              </a:uFill>
+              <a:latin typeface="Nimbus Sans"/>
+            </a:endParaRPr>
+          </a:p>
+        </p:txBody>
+      </p:sp>
+      <p:sp>
+        <p:nvSpPr>
+          <p:cNvPr id="21" name="PlaceHolder 3"/>
           <p:cNvSpPr>
             <a:spLocks noGrp="1"/>
           </p:cNvSpPr>
@@ -1813,23 +1927,23 @@
         <p:txBody>
           <a:bodyPr lIns="0" rIns="0" tIns="0" bIns="0"/>
           <a:p>
-            <a:endParaRPr b="0" lang="en-US" sz="14900" spc="-1" strike="noStrike">
-              <a:solidFill>
-                <a:srgbClr val="000000"/>
-              </a:solidFill>
-              <a:uFill>
-                <a:solidFill>
-                  <a:srgbClr val="ffffff"/>
-                </a:solidFill>
-              </a:uFill>
-              <a:latin typeface="Calibri"/>
-            </a:endParaRPr>
-          </a:p>
-        </p:txBody>
-      </p:sp>
-      <p:sp>
-        <p:nvSpPr>
-          <p:cNvPr id="26" name="PlaceHolder 4"/>
+            <a:endParaRPr b="0" lang="en-US" sz="3200" spc="-1" strike="noStrike">
+              <a:solidFill>
+                <a:srgbClr val="000000"/>
+              </a:solidFill>
+              <a:uFill>
+                <a:solidFill>
+                  <a:srgbClr val="ffffff"/>
+                </a:solidFill>
+              </a:uFill>
+              <a:latin typeface="Nimbus Sans"/>
+            </a:endParaRPr>
+          </a:p>
+        </p:txBody>
+      </p:sp>
+      <p:sp>
+        <p:nvSpPr>
+          <p:cNvPr id="22" name="PlaceHolder 4"/>
           <p:cNvSpPr>
             <a:spLocks noGrp="1"/>
           </p:cNvSpPr>
@@ -1849,16 +1963,16 @@
         <p:txBody>
           <a:bodyPr lIns="0" rIns="0" tIns="0" bIns="0"/>
           <a:p>
-            <a:endParaRPr b="0" lang="en-US" sz="14900" spc="-1" strike="noStrike">
-              <a:solidFill>
-                <a:srgbClr val="000000"/>
-              </a:solidFill>
-              <a:uFill>
-                <a:solidFill>
-                  <a:srgbClr val="ffffff"/>
-                </a:solidFill>
-              </a:uFill>
-              <a:latin typeface="Calibri"/>
+            <a:endParaRPr b="0" lang="en-US" sz="3200" spc="-1" strike="noStrike">
+              <a:solidFill>
+                <a:srgbClr val="000000"/>
+              </a:solidFill>
+              <a:uFill>
+                <a:solidFill>
+                  <a:srgbClr val="ffffff"/>
+                </a:solidFill>
+              </a:uFill>
+              <a:latin typeface="Nimbus Sans"/>
             </a:endParaRPr>
           </a:p>
         </p:txBody>
@@ -1905,7 +2019,7 @@
         <p:spPr>
           <a:xfrm>
             <a:off x="0" y="0"/>
-            <a:ext cx="42062040" cy="32460840"/>
+            <a:ext cx="42061680" cy="32460480"/>
           </a:xfrm>
           <a:prstGeom prst="rect">
             <a:avLst/>
@@ -1928,22 +2042,17 @@
         <p:spPr>
           <a:xfrm>
             <a:off x="3154680" y="10083960"/>
-            <a:ext cx="35752680" cy="6957720"/>
-          </a:xfrm>
-          <a:prstGeom prst="rect">
-            <a:avLst/>
-          </a:prstGeom>
-        </p:spPr>
-        <p:txBody>
-          <a:bodyPr lIns="90000" rIns="90000" tIns="45000" bIns="45000"/>
-          <a:p>
-            <a:pPr algn="ctr">
-              <a:lnSpc>
-                <a:spcPct val="100000"/>
-              </a:lnSpc>
-            </a:pPr>
-            <a:r>
-              <a:rPr b="0" lang="en-US" sz="20500" spc="-1" strike="noStrike">
+            <a:ext cx="35752320" cy="6957360"/>
+          </a:xfrm>
+          <a:prstGeom prst="rect">
+            <a:avLst/>
+          </a:prstGeom>
+        </p:spPr>
+        <p:txBody>
+          <a:bodyPr lIns="0" rIns="0" tIns="0" bIns="0" anchor="ctr"/>
+          <a:p>
+            <a:r>
+              <a:rPr b="0" lang="en-US" sz="1800" spc="-1" strike="noStrike">
                 <a:solidFill>
                   <a:srgbClr val="000000"/>
                 </a:solidFill>
@@ -1952,434 +2061,20 @@
                     <a:srgbClr val="ffffff"/>
                   </a:solidFill>
                 </a:uFill>
-                <a:latin typeface="Trebuchet MS"/>
-              </a:rPr>
-              <a:t>Click to edit Master title style</a:t>
-            </a:r>
-            <a:endParaRPr b="0" lang="en-US" sz="8400" spc="-1" strike="noStrike">
-              <a:solidFill>
-                <a:srgbClr val="000000"/>
-              </a:solidFill>
-              <a:uFill>
-                <a:solidFill>
-                  <a:srgbClr val="ffffff"/>
-                </a:solidFill>
-              </a:uFill>
-              <a:latin typeface="Calibri"/>
-            </a:endParaRPr>
-          </a:p>
-        </p:txBody>
-      </p:sp>
-      <p:sp>
-        <p:nvSpPr>
-          <p:cNvPr id="2" name="PlaceHolder 2"/>
-          <p:cNvSpPr>
-            <a:spLocks noGrp="1"/>
-          </p:cNvSpPr>
-          <p:nvPr>
-            <p:ph type="dt"/>
-          </p:nvPr>
-        </p:nvSpPr>
-        <p:spPr>
-          <a:xfrm>
-            <a:off x="2103120" y="30086640"/>
-            <a:ext cx="9814320" cy="1728000"/>
-          </a:xfrm>
-          <a:prstGeom prst="rect">
-            <a:avLst/>
-          </a:prstGeom>
-        </p:spPr>
-        <p:txBody>
-          <a:bodyPr lIns="90000" rIns="90000" tIns="45000" bIns="45000"/>
-          <a:p>
-            <a:pPr>
-              <a:lnSpc>
-                <a:spcPct val="100000"/>
-              </a:lnSpc>
-            </a:pPr>
-            <a:r>
-              <a:rPr b="0" lang="en-US" sz="8400" spc="-1" strike="noStrike">
-                <a:solidFill>
-                  <a:srgbClr val="000000"/>
-                </a:solidFill>
-                <a:uFill>
-                  <a:solidFill>
-                    <a:srgbClr val="ffffff"/>
-                  </a:solidFill>
-                </a:uFill>
-                <a:latin typeface="Trebuchet MS"/>
-              </a:rPr>
-              <a:t>3/15/17</a:t>
-            </a:r>
-            <a:endParaRPr b="0" lang="en-US" sz="1400" spc="-1" strike="noStrike">
-              <a:solidFill>
-                <a:srgbClr val="000000"/>
-              </a:solidFill>
-              <a:uFill>
-                <a:solidFill>
-                  <a:srgbClr val="ffffff"/>
-                </a:solidFill>
-              </a:uFill>
-              <a:latin typeface="Times New Roman"/>
-            </a:endParaRPr>
-          </a:p>
-        </p:txBody>
-      </p:sp>
-      <p:sp>
-        <p:nvSpPr>
-          <p:cNvPr id="3" name="PlaceHolder 3"/>
-          <p:cNvSpPr>
-            <a:spLocks noGrp="1"/>
-          </p:cNvSpPr>
-          <p:nvPr>
-            <p:ph type="ftr"/>
-          </p:nvPr>
-        </p:nvSpPr>
-        <p:spPr>
-          <a:xfrm>
-            <a:off x="14371200" y="30086640"/>
-            <a:ext cx="13319280" cy="1728000"/>
-          </a:xfrm>
-          <a:prstGeom prst="rect">
-            <a:avLst/>
-          </a:prstGeom>
-        </p:spPr>
-        <p:txBody>
-          <a:bodyPr lIns="90000" rIns="90000" tIns="45000" bIns="45000"/>
-          <a:p>
-            <a:endParaRPr b="0" lang="en-US" sz="2400" spc="-1" strike="noStrike">
-              <a:solidFill>
-                <a:srgbClr val="000000"/>
-              </a:solidFill>
-              <a:uFill>
-                <a:solidFill>
-                  <a:srgbClr val="ffffff"/>
-                </a:solidFill>
-              </a:uFill>
-              <a:latin typeface="Times New Roman"/>
-            </a:endParaRPr>
-          </a:p>
-        </p:txBody>
-      </p:sp>
-      <p:sp>
-        <p:nvSpPr>
-          <p:cNvPr id="4" name="PlaceHolder 4"/>
-          <p:cNvSpPr>
-            <a:spLocks noGrp="1"/>
-          </p:cNvSpPr>
-          <p:nvPr>
-            <p:ph type="sldNum"/>
-          </p:nvPr>
-        </p:nvSpPr>
-        <p:spPr>
-          <a:xfrm>
-            <a:off x="30144600" y="30086640"/>
-            <a:ext cx="9814320" cy="1728000"/>
-          </a:xfrm>
-          <a:prstGeom prst="rect">
-            <a:avLst/>
-          </a:prstGeom>
-        </p:spPr>
-        <p:txBody>
-          <a:bodyPr lIns="90000" rIns="90000" tIns="45000" bIns="45000"/>
-          <a:p>
-            <a:pPr>
-              <a:lnSpc>
-                <a:spcPct val="100000"/>
-              </a:lnSpc>
-            </a:pPr>
-            <a:fld id="{396C1D23-528E-4B52-BDFC-2419C14A7D84}" type="slidenum">
-              <a:rPr b="0" lang="en-US" sz="8400" spc="-1" strike="noStrike">
-                <a:solidFill>
-                  <a:srgbClr val="000000"/>
-                </a:solidFill>
-                <a:uFill>
-                  <a:solidFill>
-                    <a:srgbClr val="ffffff"/>
-                  </a:solidFill>
-                </a:uFill>
-                <a:latin typeface="Trebuchet MS"/>
-              </a:rPr>
-              <a:t>1</a:t>
-            </a:fld>
-            <a:endParaRPr b="0" lang="en-US" sz="1400" spc="-1" strike="noStrike">
-              <a:solidFill>
-                <a:srgbClr val="000000"/>
-              </a:solidFill>
-              <a:uFill>
-                <a:solidFill>
-                  <a:srgbClr val="ffffff"/>
-                </a:solidFill>
-              </a:uFill>
-              <a:latin typeface="Times New Roman"/>
-            </a:endParaRPr>
-          </a:p>
-        </p:txBody>
-      </p:sp>
-      <p:sp>
-        <p:nvSpPr>
-          <p:cNvPr id="5" name="PlaceHolder 5"/>
-          <p:cNvSpPr>
-            <a:spLocks noGrp="1"/>
-          </p:cNvSpPr>
-          <p:nvPr>
-            <p:ph type="body"/>
-          </p:nvPr>
-        </p:nvSpPr>
-        <p:spPr>
-          <a:xfrm>
-            <a:off x="2103120" y="7595640"/>
-            <a:ext cx="37855800" cy="18826920"/>
-          </a:xfrm>
-          <a:prstGeom prst="rect">
-            <a:avLst/>
-          </a:prstGeom>
-        </p:spPr>
-        <p:txBody>
-          <a:bodyPr lIns="0" rIns="0" tIns="0" bIns="0"/>
-          <a:p>
-            <a:pPr marL="432000" indent="-324000">
-              <a:buClr>
-                <a:srgbClr val="000000"/>
-              </a:buClr>
-              <a:buSzPct val="45000"/>
-              <a:buFont typeface="Wingdings" charset="2"/>
-              <a:buChar char=""/>
-            </a:pPr>
-            <a:r>
-              <a:rPr b="0" lang="en-US" sz="14900" spc="-1" strike="noStrike">
-                <a:solidFill>
-                  <a:srgbClr val="000000"/>
-                </a:solidFill>
-                <a:uFill>
-                  <a:solidFill>
-                    <a:srgbClr val="ffffff"/>
-                  </a:solidFill>
-                </a:uFill>
-                <a:latin typeface="Calibri"/>
-              </a:rPr>
-              <a:t>Click to edit the outline text format</a:t>
-            </a:r>
-            <a:endParaRPr b="0" lang="en-US" sz="14900" spc="-1" strike="noStrike">
-              <a:solidFill>
-                <a:srgbClr val="000000"/>
-              </a:solidFill>
-              <a:uFill>
-                <a:solidFill>
-                  <a:srgbClr val="ffffff"/>
-                </a:solidFill>
-              </a:uFill>
-              <a:latin typeface="Calibri"/>
-            </a:endParaRPr>
-          </a:p>
-          <a:p>
-            <a:pPr lvl="1" marL="864000" indent="-324000">
-              <a:buClr>
-                <a:srgbClr val="000000"/>
-              </a:buClr>
-              <a:buSzPct val="75000"/>
-              <a:buFont typeface="Symbol" charset="2"/>
-              <a:buChar char=""/>
-            </a:pPr>
-            <a:r>
-              <a:rPr b="0" lang="en-US" sz="11200" spc="-1" strike="noStrike">
-                <a:solidFill>
-                  <a:srgbClr val="000000"/>
-                </a:solidFill>
-                <a:uFill>
-                  <a:solidFill>
-                    <a:srgbClr val="ffffff"/>
-                  </a:solidFill>
-                </a:uFill>
-                <a:latin typeface="Calibri"/>
-              </a:rPr>
-              <a:t>Second Outline Level</a:t>
-            </a:r>
-            <a:endParaRPr b="0" lang="en-US" sz="11200" spc="-1" strike="noStrike">
-              <a:solidFill>
-                <a:srgbClr val="000000"/>
-              </a:solidFill>
-              <a:uFill>
-                <a:solidFill>
-                  <a:srgbClr val="ffffff"/>
-                </a:solidFill>
-              </a:uFill>
-              <a:latin typeface="Calibri"/>
-            </a:endParaRPr>
-          </a:p>
-          <a:p>
-            <a:pPr lvl="2" marL="1296000" indent="-288000">
-              <a:buClr>
-                <a:srgbClr val="000000"/>
-              </a:buClr>
-              <a:buSzPct val="45000"/>
-              <a:buFont typeface="Wingdings" charset="2"/>
-              <a:buChar char=""/>
-            </a:pPr>
-            <a:r>
-              <a:rPr b="0" lang="en-US" sz="9300" spc="-1" strike="noStrike">
-                <a:solidFill>
-                  <a:srgbClr val="000000"/>
-                </a:solidFill>
-                <a:uFill>
-                  <a:solidFill>
-                    <a:srgbClr val="ffffff"/>
-                  </a:solidFill>
-                </a:uFill>
-                <a:latin typeface="Calibri"/>
-              </a:rPr>
-              <a:t>Third Outline Level</a:t>
-            </a:r>
-            <a:endParaRPr b="0" lang="en-US" sz="9300" spc="-1" strike="noStrike">
-              <a:solidFill>
-                <a:srgbClr val="000000"/>
-              </a:solidFill>
-              <a:uFill>
-                <a:solidFill>
-                  <a:srgbClr val="ffffff"/>
-                </a:solidFill>
-              </a:uFill>
-              <a:latin typeface="Calibri"/>
-            </a:endParaRPr>
-          </a:p>
-          <a:p>
-            <a:pPr lvl="3" marL="1728000" indent="-216000">
-              <a:buClr>
-                <a:srgbClr val="000000"/>
-              </a:buClr>
-              <a:buSzPct val="75000"/>
-              <a:buFont typeface="Symbol" charset="2"/>
-              <a:buChar char=""/>
-            </a:pPr>
-            <a:r>
-              <a:rPr b="0" lang="en-US" sz="9300" spc="-1" strike="noStrike">
-                <a:solidFill>
-                  <a:srgbClr val="000000"/>
-                </a:solidFill>
-                <a:uFill>
-                  <a:solidFill>
-                    <a:srgbClr val="ffffff"/>
-                  </a:solidFill>
-                </a:uFill>
-                <a:latin typeface="Calibri"/>
-              </a:rPr>
-              <a:t>Fourth Outline Level</a:t>
-            </a:r>
-            <a:endParaRPr b="0" lang="en-US" sz="9300" spc="-1" strike="noStrike">
-              <a:solidFill>
-                <a:srgbClr val="000000"/>
-              </a:solidFill>
-              <a:uFill>
-                <a:solidFill>
-                  <a:srgbClr val="ffffff"/>
-                </a:solidFill>
-              </a:uFill>
-              <a:latin typeface="Calibri"/>
-            </a:endParaRPr>
-          </a:p>
-          <a:p>
-            <a:pPr lvl="4" marL="2160000" indent="-216000">
-              <a:buClr>
-                <a:srgbClr val="000000"/>
-              </a:buClr>
-              <a:buSzPct val="45000"/>
-              <a:buFont typeface="Wingdings" charset="2"/>
-              <a:buChar char=""/>
-            </a:pPr>
-            <a:r>
-              <a:rPr b="0" lang="en-US" sz="2000" spc="-1" strike="noStrike">
-                <a:solidFill>
-                  <a:srgbClr val="000000"/>
-                </a:solidFill>
-                <a:uFill>
-                  <a:solidFill>
-                    <a:srgbClr val="ffffff"/>
-                  </a:solidFill>
-                </a:uFill>
-                <a:latin typeface="Calibri"/>
-              </a:rPr>
-              <a:t>Fifth Outline Level</a:t>
-            </a:r>
-            <a:endParaRPr b="0" lang="en-US" sz="2000" spc="-1" strike="noStrike">
-              <a:solidFill>
-                <a:srgbClr val="000000"/>
-              </a:solidFill>
-              <a:uFill>
-                <a:solidFill>
-                  <a:srgbClr val="ffffff"/>
-                </a:solidFill>
-              </a:uFill>
-              <a:latin typeface="Calibri"/>
-            </a:endParaRPr>
-          </a:p>
-          <a:p>
-            <a:pPr lvl="5" marL="2592000" indent="-216000">
-              <a:buClr>
-                <a:srgbClr val="000000"/>
-              </a:buClr>
-              <a:buSzPct val="45000"/>
-              <a:buFont typeface="Wingdings" charset="2"/>
-              <a:buChar char=""/>
-            </a:pPr>
-            <a:r>
-              <a:rPr b="0" lang="en-US" sz="2000" spc="-1" strike="noStrike">
-                <a:solidFill>
-                  <a:srgbClr val="000000"/>
-                </a:solidFill>
-                <a:uFill>
-                  <a:solidFill>
-                    <a:srgbClr val="ffffff"/>
-                  </a:solidFill>
-                </a:uFill>
-                <a:latin typeface="Calibri"/>
-              </a:rPr>
-              <a:t>Sixth Outline Level</a:t>
-            </a:r>
-            <a:endParaRPr b="0" lang="en-US" sz="2000" spc="-1" strike="noStrike">
-              <a:solidFill>
-                <a:srgbClr val="000000"/>
-              </a:solidFill>
-              <a:uFill>
-                <a:solidFill>
-                  <a:srgbClr val="ffffff"/>
-                </a:solidFill>
-              </a:uFill>
-              <a:latin typeface="Calibri"/>
-            </a:endParaRPr>
-          </a:p>
-          <a:p>
-            <a:pPr lvl="6" marL="3024000" indent="-216000">
-              <a:buClr>
-                <a:srgbClr val="000000"/>
-              </a:buClr>
-              <a:buSzPct val="45000"/>
-              <a:buFont typeface="Wingdings" charset="2"/>
-              <a:buChar char=""/>
-            </a:pPr>
-            <a:r>
-              <a:rPr b="0" lang="en-US" sz="2000" spc="-1" strike="noStrike">
-                <a:solidFill>
-                  <a:srgbClr val="000000"/>
-                </a:solidFill>
-                <a:uFill>
-                  <a:solidFill>
-                    <a:srgbClr val="ffffff"/>
-                  </a:solidFill>
-                </a:uFill>
-                <a:latin typeface="Calibri"/>
-              </a:rPr>
-              <a:t>Seventh Outline Level</a:t>
-            </a:r>
-            <a:endParaRPr b="0" lang="en-US" sz="2000" spc="-1" strike="noStrike">
-              <a:solidFill>
-                <a:srgbClr val="000000"/>
-              </a:solidFill>
-              <a:uFill>
-                <a:solidFill>
-                  <a:srgbClr val="ffffff"/>
-                </a:solidFill>
-              </a:uFill>
-              <a:latin typeface="Calibri"/>
+                <a:latin typeface="Nimbus Sans"/>
+              </a:rPr>
+              <a:t>Click to edit the title text format</a:t>
+            </a:r>
+            <a:endParaRPr b="0" lang="en-US" sz="1800" spc="-1" strike="noStrike">
+              <a:solidFill>
+                <a:srgbClr val="000000"/>
+              </a:solidFill>
+              <a:uFill>
+                <a:solidFill>
+                  <a:srgbClr val="ffffff"/>
+                </a:solidFill>
+              </a:uFill>
+              <a:latin typeface="Nimbus Sans"/>
             </a:endParaRPr>
           </a:p>
         </p:txBody>
@@ -2423,124 +2118,14 @@
       </p:grpSpPr>
       <p:sp>
         <p:nvSpPr>
-          <p:cNvPr id="45" name="TextShape 1"/>
-          <p:cNvSpPr txBox="1"/>
-          <p:nvPr/>
-        </p:nvSpPr>
-        <p:spPr>
-          <a:xfrm>
-            <a:off x="11545560" y="2503080"/>
-            <a:ext cx="18951480" cy="1365480"/>
-          </a:xfrm>
-          <a:prstGeom prst="rect">
-            <a:avLst/>
-          </a:prstGeom>
-          <a:noFill/>
-          <a:ln>
-            <a:noFill/>
-          </a:ln>
-        </p:spPr>
-        <p:txBody>
-          <a:bodyPr lIns="0" rIns="0" tIns="0" bIns="0"/>
-          <a:p>
-            <a:pPr algn="ctr">
-              <a:lnSpc>
-                <a:spcPct val="100000"/>
-              </a:lnSpc>
-            </a:pPr>
-            <a:r>
-              <a:rPr b="1" lang="en-US" sz="8000" spc="-1" strike="noStrike" cap="all">
-                <a:solidFill>
-                  <a:srgbClr val="000000"/>
-                </a:solidFill>
-                <a:uFill>
-                  <a:solidFill>
-                    <a:srgbClr val="ffffff"/>
-                  </a:solidFill>
-                </a:uFill>
-                <a:latin typeface="Trebuchet MS"/>
-              </a:rPr>
-              <a:t>BREW.AI</a:t>
-            </a:r>
-            <a:endParaRPr b="0" lang="en-US" sz="8400" spc="-1" strike="noStrike">
-              <a:solidFill>
-                <a:srgbClr val="000000"/>
-              </a:solidFill>
-              <a:uFill>
-                <a:solidFill>
-                  <a:srgbClr val="ffffff"/>
-                </a:solidFill>
-              </a:uFill>
-              <a:latin typeface="Calibri"/>
-            </a:endParaRPr>
-          </a:p>
-        </p:txBody>
-      </p:sp>
-      <p:sp>
-        <p:nvSpPr>
-          <p:cNvPr id="46" name="TextShape 2"/>
-          <p:cNvSpPr txBox="1"/>
-          <p:nvPr/>
-        </p:nvSpPr>
-        <p:spPr>
-          <a:xfrm>
-            <a:off x="11545560" y="3868920"/>
-            <a:ext cx="18951480" cy="1991160"/>
-          </a:xfrm>
-          <a:prstGeom prst="rect">
-            <a:avLst/>
-          </a:prstGeom>
-          <a:noFill/>
-          <a:ln>
-            <a:noFill/>
-          </a:ln>
-        </p:spPr>
-        <p:txBody>
-          <a:bodyPr lIns="0" rIns="0" tIns="0" bIns="0"/>
-          <a:p>
-            <a:pPr algn="ctr">
-              <a:lnSpc>
-                <a:spcPct val="100000"/>
-              </a:lnSpc>
-            </a:pPr>
-            <a:r>
-              <a:rPr b="0" lang="en-US" sz="5400" spc="-1" strike="noStrike">
-                <a:solidFill>
-                  <a:srgbClr val="ff6600"/>
-                </a:solidFill>
-                <a:uFill>
-                  <a:solidFill>
-                    <a:srgbClr val="ffffff"/>
-                  </a:solidFill>
-                </a:uFill>
-                <a:latin typeface="Trebuchet MS"/>
-              </a:rPr>
-              <a:t>The adaptive mead brewing solution</a:t>
-            </a:r>
-            <a:endParaRPr b="0" lang="en-US" sz="3200" spc="-1" strike="noStrike">
-              <a:solidFill>
-                <a:srgbClr val="000000"/>
-              </a:solidFill>
-              <a:uFill>
-                <a:solidFill>
-                  <a:srgbClr val="ffffff"/>
-                </a:solidFill>
-              </a:uFill>
-              <a:latin typeface="Arial"/>
-            </a:endParaRPr>
-          </a:p>
-        </p:txBody>
-      </p:sp>
-      <p:sp>
-        <p:nvSpPr>
-          <p:cNvPr id="47" name="CustomShape 3"/>
+          <p:cNvPr id="43" name="CustomShape 1"/>
           <p:cNvSpPr/>
           <p:nvPr/>
         </p:nvSpPr>
         <p:spPr>
           <a:xfrm>
-            <a:off x="11521440" y="13533120"/>
-            <a:ext cx="9222120" cy="20171160"/>
+            <a:off x="11545560" y="2503080"/>
+            <a:ext cx="18951120" cy="1365120"/>
           </a:xfrm>
           <a:prstGeom prst="rect">
             <a:avLst/>
@@ -2557,17 +2142,17 @@
           <a:fontRef idx="minor"/>
         </p:style>
         <p:txBody>
-          <a:bodyPr lIns="90000" rIns="90000" tIns="45000" bIns="45000"/>
-          <a:p>
-            <a:pPr>
-              <a:lnSpc>
-                <a:spcPct val="100000"/>
-              </a:lnSpc>
-            </a:pPr>
-            <a:r>
-              <a:rPr b="1" lang="en-US" sz="4400" spc="-1" strike="noStrike">
-                <a:solidFill>
-                  <a:srgbClr val="ff6600"/>
+          <a:bodyPr lIns="0" rIns="0" tIns="0" bIns="0"/>
+          <a:p>
+            <a:pPr algn="ctr">
+              <a:lnSpc>
+                <a:spcPct val="100000"/>
+              </a:lnSpc>
+            </a:pPr>
+            <a:r>
+              <a:rPr b="1" lang="en-US" sz="8000" spc="-1" strike="noStrike" cap="all">
+                <a:solidFill>
+                  <a:srgbClr val="000000"/>
                 </a:solidFill>
                 <a:uFill>
                   <a:solidFill>
@@ -2576,96 +2161,32 @@
                 </a:uFill>
                 <a:latin typeface="Trebuchet MS"/>
               </a:rPr>
-              <a:t>PROJECT DESCTIPTION</a:t>
-            </a:r>
-            <a:endParaRPr b="0" lang="en-US" sz="1800" spc="-1" strike="noStrike">
-              <a:solidFill>
-                <a:srgbClr val="000000"/>
-              </a:solidFill>
-              <a:uFill>
-                <a:solidFill>
-                  <a:srgbClr val="ffffff"/>
-                </a:solidFill>
-              </a:uFill>
-              <a:latin typeface="Arial"/>
-            </a:endParaRPr>
-          </a:p>
-          <a:p>
-            <a:pPr>
-              <a:lnSpc>
-                <a:spcPct val="100000"/>
-              </a:lnSpc>
-            </a:pPr>
-            <a:r>
-              <a:rPr b="0" lang="en-US" sz="4400" spc="-1" strike="noStrike">
-                <a:solidFill>
-                  <a:srgbClr val="000000"/>
-                </a:solidFill>
-                <a:uFill>
-                  <a:solidFill>
-                    <a:srgbClr val="ffffff"/>
-                  </a:solidFill>
-                </a:uFill>
-                <a:latin typeface="Trebuchet MS"/>
-              </a:rPr>
-              <a:t>Body. Lorem ipsum dolor sit amet, consectetur adipiscing elit. Etiam tristique consequat laoreet. Nunc fermentum pulvinar ornare. Fusce ac nunc in leo blandit sagittis fermentum eu sem. Curabitur ligula odio, facilisis in tincidunt vel, scelerisque quis nulla. Vivamus interdum magna quis mauris facilisis ornare. Nunc eget lectus massa, quis ullamcorper libero. Pellentesque habitant morbi tristique senectus et netus et malesuada fames ac turpis egestas. Praesent volutpat ipsum eu justo aliquam lacinia. Sed interdum ipsum vitae dui dapibus pharetra. Donec ac eros et turpis mollis pharetra. Sed eu arcu neque. Integer auctor nibh eu sem viverra et consectetur justo tristique. Sed non urna</a:t>
-            </a:r>
-            <a:r>
-              <a:rPr b="0" lang="en-US" sz="3000" spc="-1" strike="noStrike">
-                <a:solidFill>
-                  <a:srgbClr val="000000"/>
-                </a:solidFill>
-                <a:uFill>
-                  <a:solidFill>
-                    <a:srgbClr val="ffffff"/>
-                  </a:solidFill>
-                </a:uFill>
-                <a:latin typeface="Trebuchet MS"/>
-              </a:rPr>
-              <a:t> </a:t>
-            </a:r>
-            <a:endParaRPr b="0" lang="en-US" sz="1800" spc="-1" strike="noStrike">
-              <a:solidFill>
-                <a:srgbClr val="000000"/>
-              </a:solidFill>
-              <a:uFill>
-                <a:solidFill>
-                  <a:srgbClr val="ffffff"/>
-                </a:solidFill>
-              </a:uFill>
-              <a:latin typeface="Arial"/>
-            </a:endParaRPr>
-          </a:p>
-          <a:p>
-            <a:pPr>
-              <a:lnSpc>
-                <a:spcPct val="100000"/>
-              </a:lnSpc>
-            </a:pPr>
-            <a:endParaRPr b="0" lang="en-US" sz="1800" spc="-1" strike="noStrike">
-              <a:solidFill>
-                <a:srgbClr val="000000"/>
-              </a:solidFill>
-              <a:uFill>
-                <a:solidFill>
-                  <a:srgbClr val="ffffff"/>
-                </a:solidFill>
-              </a:uFill>
-              <a:latin typeface="Arial"/>
-            </a:endParaRPr>
-          </a:p>
-        </p:txBody>
-      </p:sp>
-      <p:sp>
-        <p:nvSpPr>
-          <p:cNvPr id="48" name="CustomShape 4"/>
+              <a:t>BREW.AI</a:t>
+            </a:r>
+            <a:endParaRPr b="0" lang="en-US" sz="1800" spc="-1" strike="noStrike">
+              <a:solidFill>
+                <a:srgbClr val="000000"/>
+              </a:solidFill>
+              <a:uFill>
+                <a:solidFill>
+                  <a:srgbClr val="ffffff"/>
+                </a:solidFill>
+              </a:uFill>
+              <a:latin typeface="Nimbus Sans"/>
+            </a:endParaRPr>
+          </a:p>
+        </p:txBody>
+      </p:sp>
+      <p:sp>
+        <p:nvSpPr>
+          <p:cNvPr id="44" name="CustomShape 2"/>
           <p:cNvSpPr/>
           <p:nvPr/>
         </p:nvSpPr>
         <p:spPr>
           <a:xfrm>
-            <a:off x="21305520" y="5486400"/>
-            <a:ext cx="9222120" cy="19440000"/>
+            <a:off x="11545560" y="3868920"/>
+            <a:ext cx="18951120" cy="1990800"/>
           </a:xfrm>
           <a:prstGeom prst="rect">
             <a:avLst/>
@@ -2682,6 +2203,67 @@
           <a:fontRef idx="minor"/>
         </p:style>
         <p:txBody>
+          <a:bodyPr lIns="0" rIns="0" tIns="0" bIns="0"/>
+          <a:p>
+            <a:pPr algn="ctr">
+              <a:lnSpc>
+                <a:spcPct val="100000"/>
+              </a:lnSpc>
+            </a:pPr>
+            <a:r>
+              <a:rPr b="0" lang="en-US" sz="5400" spc="-1" strike="noStrike">
+                <a:solidFill>
+                  <a:srgbClr val="ff6600"/>
+                </a:solidFill>
+                <a:uFill>
+                  <a:solidFill>
+                    <a:srgbClr val="ffffff"/>
+                  </a:solidFill>
+                </a:uFill>
+                <a:latin typeface="Trebuchet MS"/>
+              </a:rPr>
+              <a:t>The adaptive brewing solution</a:t>
+            </a:r>
+            <a:endParaRPr b="0" lang="en-US" sz="1800" spc="-1" strike="noStrike">
+              <a:solidFill>
+                <a:srgbClr val="000000"/>
+              </a:solidFill>
+              <a:uFill>
+                <a:solidFill>
+                  <a:srgbClr val="ffffff"/>
+                </a:solidFill>
+              </a:uFill>
+              <a:latin typeface="Nimbus Sans"/>
+            </a:endParaRPr>
+          </a:p>
+        </p:txBody>
+      </p:sp>
+      <p:sp>
+        <p:nvSpPr>
+          <p:cNvPr id="45" name="CustomShape 3"/>
+          <p:cNvSpPr/>
+          <p:nvPr/>
+        </p:nvSpPr>
+        <p:spPr>
+          <a:xfrm>
+            <a:off x="11521440" y="13533120"/>
+            <a:ext cx="9221760" cy="20170800"/>
+          </a:xfrm>
+          <a:prstGeom prst="rect">
+            <a:avLst/>
+          </a:prstGeom>
+          <a:noFill/>
+          <a:ln>
+            <a:noFill/>
+          </a:ln>
+        </p:spPr>
+        <p:style>
+          <a:lnRef idx="0"/>
+          <a:fillRef idx="0"/>
+          <a:effectRef idx="0"/>
+          <a:fontRef idx="minor"/>
+        </p:style>
+        <p:txBody>
           <a:bodyPr lIns="90000" rIns="90000" tIns="45000" bIns="45000"/>
           <a:p>
             <a:pPr>
@@ -2700,6 +2282,135 @@
                   </a:solidFill>
                 </a:uFill>
                 <a:latin typeface="Trebuchet MS"/>
+                <a:ea typeface="DejaVu Sans"/>
+              </a:rPr>
+              <a:t>PROJECT DESCTIPTION</a:t>
+            </a:r>
+            <a:endParaRPr b="0" lang="en-US" sz="1800" spc="-1" strike="noStrike">
+              <a:solidFill>
+                <a:srgbClr val="000000"/>
+              </a:solidFill>
+              <a:uFill>
+                <a:solidFill>
+                  <a:srgbClr val="ffffff"/>
+                </a:solidFill>
+              </a:uFill>
+              <a:latin typeface="Nimbus Sans"/>
+            </a:endParaRPr>
+          </a:p>
+          <a:p>
+            <a:pPr>
+              <a:lnSpc>
+                <a:spcPct val="100000"/>
+              </a:lnSpc>
+            </a:pPr>
+            <a:r>
+              <a:rPr b="0" lang="en-US" sz="4400" spc="-1" strike="noStrike">
+                <a:solidFill>
+                  <a:srgbClr val="000000"/>
+                </a:solidFill>
+                <a:uFill>
+                  <a:solidFill>
+                    <a:srgbClr val="ffffff"/>
+                  </a:solidFill>
+                </a:uFill>
+                <a:latin typeface="Trebuchet MS"/>
+                <a:ea typeface="DejaVu Sans"/>
+              </a:rPr>
+              <a:t>Body. Lorem ipsum dolor sit amet, consectetur adipiscing elit. Etiam tristique consequat laoreet. Nunc fermentum pulvinar ornare. Fusce ac nunc in leo blandit sagittis fermentum eu sem. Curabitur ligula odio, facilisis in tincidunt vel, scelerisque quis nulla. Vivamus interdum magna quis mauris facilisis ornare. Nunc eget lectus massa, quis ullamcorper libero. Pellentesque habitant morbi tristique senectus et netus et malesuada fames ac turpis egestas. Praesent volutpat ipsum eu justo aliquam lacinia. Sed interdum ipsum vitae dui dapibus pharetra. Donec ac eros et turpis mollis pharetra. Sed eu arcu neque. Integer auctor nibh eu sem viverra et consectetur justo tristique. Sed non urna</a:t>
+            </a:r>
+            <a:r>
+              <a:rPr b="0" lang="en-US" sz="3000" spc="-1" strike="noStrike">
+                <a:solidFill>
+                  <a:srgbClr val="000000"/>
+                </a:solidFill>
+                <a:uFill>
+                  <a:solidFill>
+                    <a:srgbClr val="ffffff"/>
+                  </a:solidFill>
+                </a:uFill>
+                <a:latin typeface="Trebuchet MS"/>
+                <a:ea typeface="DejaVu Sans"/>
+              </a:rPr>
+              <a:t> </a:t>
+            </a:r>
+            <a:endParaRPr b="0" lang="en-US" sz="1800" spc="-1" strike="noStrike">
+              <a:solidFill>
+                <a:srgbClr val="000000"/>
+              </a:solidFill>
+              <a:uFill>
+                <a:solidFill>
+                  <a:srgbClr val="ffffff"/>
+                </a:solidFill>
+              </a:uFill>
+              <a:latin typeface="Nimbus Sans"/>
+            </a:endParaRPr>
+          </a:p>
+          <a:p>
+            <a:pPr>
+              <a:lnSpc>
+                <a:spcPct val="100000"/>
+              </a:lnSpc>
+            </a:pPr>
+            <a:endParaRPr b="0" lang="en-US" sz="1800" spc="-1" strike="noStrike">
+              <a:solidFill>
+                <a:srgbClr val="000000"/>
+              </a:solidFill>
+              <a:uFill>
+                <a:solidFill>
+                  <a:srgbClr val="ffffff"/>
+                </a:solidFill>
+              </a:uFill>
+              <a:latin typeface="Nimbus Sans"/>
+            </a:endParaRPr>
+          </a:p>
+        </p:txBody>
+      </p:sp>
+      <p:sp>
+        <p:nvSpPr>
+          <p:cNvPr id="46" name="CustomShape 4"/>
+          <p:cNvSpPr/>
+          <p:nvPr/>
+        </p:nvSpPr>
+        <p:spPr>
+          <a:xfrm>
+            <a:off x="21305520" y="5486400"/>
+            <a:ext cx="9221760" cy="19439640"/>
+          </a:xfrm>
+          <a:prstGeom prst="rect">
+            <a:avLst/>
+          </a:prstGeom>
+          <a:noFill/>
+          <a:ln>
+            <a:noFill/>
+          </a:ln>
+        </p:spPr>
+        <p:style>
+          <a:lnRef idx="0"/>
+          <a:fillRef idx="0"/>
+          <a:effectRef idx="0"/>
+          <a:fontRef idx="minor"/>
+        </p:style>
+        <p:txBody>
+          <a:bodyPr lIns="90000" rIns="90000" tIns="45000" bIns="45000"/>
+          <a:p>
+            <a:pPr>
+              <a:lnSpc>
+                <a:spcPct val="100000"/>
+              </a:lnSpc>
+            </a:pPr>
+            <a:r>
+              <a:rPr b="1" lang="en-US" sz="4400" spc="-1" strike="noStrike">
+                <a:solidFill>
+                  <a:srgbClr val="ff6600"/>
+                </a:solidFill>
+                <a:uFill>
+                  <a:solidFill>
+                    <a:srgbClr val="ffffff"/>
+                  </a:solidFill>
+                </a:uFill>
+                <a:latin typeface="Trebuchet MS"/>
+                <a:ea typeface="DejaVu Sans"/>
               </a:rPr>
               <a:t>PROJECT FEATURES</a:t>
             </a:r>
@@ -2712,11 +2423,11 @@
                   <a:srgbClr val="ffffff"/>
                 </a:solidFill>
               </a:uFill>
-              <a:latin typeface="Arial"/>
-            </a:endParaRPr>
-          </a:p>
-          <a:p>
-            <a:pPr marL="457200" indent="-456840">
+              <a:latin typeface="Nimbus Sans"/>
+            </a:endParaRPr>
+          </a:p>
+          <a:p>
+            <a:pPr marL="457200" indent="-456480">
               <a:lnSpc>
                 <a:spcPct val="100000"/>
               </a:lnSpc>
@@ -2737,6 +2448,7 @@
                   </a:solidFill>
                 </a:uFill>
                 <a:latin typeface="Trebuchet MS"/>
+                <a:ea typeface="DejaVu Sans"/>
               </a:rPr>
               <a:t>Nullam vehicula luctus augue, rutrum faucibus massa pharetra eu. Nulla facilisi. </a:t>
             </a:r>
@@ -2749,11 +2461,11 @@
                   <a:srgbClr val="ffffff"/>
                 </a:solidFill>
               </a:uFill>
-              <a:latin typeface="Arial"/>
-            </a:endParaRPr>
-          </a:p>
-          <a:p>
-            <a:pPr marL="457200" indent="-456840">
+              <a:latin typeface="Nimbus Sans"/>
+            </a:endParaRPr>
+          </a:p>
+          <a:p>
+            <a:pPr marL="457200" indent="-456480">
               <a:lnSpc>
                 <a:spcPct val="100000"/>
               </a:lnSpc>
@@ -2774,6 +2486,7 @@
                   </a:solidFill>
                 </a:uFill>
                 <a:latin typeface="Trebuchet MS"/>
+                <a:ea typeface="DejaVu Sans"/>
               </a:rPr>
               <a:t>Sed posuere gravida felis, sed pulvinar urna suscipit et. Suspendisse diam tortor, mollis eu accumsan eget, elementum id justo. </a:t>
             </a:r>
@@ -2786,11 +2499,11 @@
                   <a:srgbClr val="ffffff"/>
                 </a:solidFill>
               </a:uFill>
-              <a:latin typeface="Arial"/>
-            </a:endParaRPr>
-          </a:p>
-          <a:p>
-            <a:pPr marL="457200" indent="-456840">
+              <a:latin typeface="Nimbus Sans"/>
+            </a:endParaRPr>
+          </a:p>
+          <a:p>
+            <a:pPr marL="457200" indent="-456480">
               <a:lnSpc>
                 <a:spcPct val="100000"/>
               </a:lnSpc>
@@ -2811,6 +2524,7 @@
                   </a:solidFill>
                 </a:uFill>
                 <a:latin typeface="Trebuchet MS"/>
+                <a:ea typeface="DejaVu Sans"/>
               </a:rPr>
               <a:t>Vivamus pulvinar varius lacus, vel egestas ligula gravida volutpat. </a:t>
             </a:r>
@@ -2823,11 +2537,11 @@
                   <a:srgbClr val="ffffff"/>
                 </a:solidFill>
               </a:uFill>
-              <a:latin typeface="Arial"/>
-            </a:endParaRPr>
-          </a:p>
-          <a:p>
-            <a:pPr marL="457200" indent="-456840">
+              <a:latin typeface="Nimbus Sans"/>
+            </a:endParaRPr>
+          </a:p>
+          <a:p>
+            <a:pPr marL="457200" indent="-456480">
               <a:lnSpc>
                 <a:spcPct val="100000"/>
               </a:lnSpc>
@@ -2848,6 +2562,7 @@
                   </a:solidFill>
                 </a:uFill>
                 <a:latin typeface="Trebuchet MS"/>
+                <a:ea typeface="DejaVu Sans"/>
               </a:rPr>
               <a:t>Aliquam varius augue at dui pulvinar iaculis. Nullam a nisl quam, quis lacinia augue. </a:t>
             </a:r>
@@ -2860,11 +2575,11 @@
                   <a:srgbClr val="ffffff"/>
                 </a:solidFill>
               </a:uFill>
-              <a:latin typeface="Arial"/>
-            </a:endParaRPr>
-          </a:p>
-          <a:p>
-            <a:pPr marL="457200" indent="-456840">
+              <a:latin typeface="Nimbus Sans"/>
+            </a:endParaRPr>
+          </a:p>
+          <a:p>
+            <a:pPr marL="457200" indent="-456480">
               <a:lnSpc>
                 <a:spcPct val="100000"/>
               </a:lnSpc>
@@ -2885,6 +2600,7 @@
                   </a:solidFill>
                 </a:uFill>
                 <a:latin typeface="Trebuchet MS"/>
+                <a:ea typeface="DejaVu Sans"/>
               </a:rPr>
               <a:t>Nam tristique porttitor quam, in consequat urna condimentum eu. </a:t>
             </a:r>
@@ -2897,7 +2613,7 @@
                   <a:srgbClr val="ffffff"/>
                 </a:solidFill>
               </a:uFill>
-              <a:latin typeface="Arial"/>
+              <a:latin typeface="Nimbus Sans"/>
             </a:endParaRPr>
           </a:p>
           <a:p>
@@ -2915,21 +2631,1246 @@
                   <a:srgbClr val="ffffff"/>
                 </a:solidFill>
               </a:uFill>
-              <a:latin typeface="Arial"/>
-            </a:endParaRPr>
-          </a:p>
-        </p:txBody>
-      </p:sp>
-      <p:sp>
-        <p:nvSpPr>
-          <p:cNvPr id="49" name="CustomShape 5"/>
+              <a:latin typeface="Nimbus Sans"/>
+            </a:endParaRPr>
+          </a:p>
+        </p:txBody>
+      </p:sp>
+      <p:sp>
+        <p:nvSpPr>
+          <p:cNvPr id="47" name="CustomShape 5"/>
           <p:cNvSpPr/>
           <p:nvPr/>
         </p:nvSpPr>
         <p:spPr>
           <a:xfrm>
-            <a:off x="744840" y="23418000"/>
-            <a:ext cx="9222120" cy="7580160"/>
+            <a:off x="970200" y="4330800"/>
+            <a:ext cx="8562600" cy="27032760"/>
+          </a:xfrm>
+          <a:prstGeom prst="rect">
+            <a:avLst/>
+          </a:prstGeom>
+          <a:noFill/>
+          <a:ln>
+            <a:noFill/>
+          </a:ln>
+        </p:spPr>
+        <p:style>
+          <a:lnRef idx="0"/>
+          <a:fillRef idx="0"/>
+          <a:effectRef idx="0"/>
+          <a:fontRef idx="minor"/>
+        </p:style>
+        <p:txBody>
+          <a:bodyPr lIns="90000" rIns="90000" tIns="45000" bIns="45000"/>
+          <a:p>
+            <a:pPr>
+              <a:lnSpc>
+                <a:spcPct val="100000"/>
+              </a:lnSpc>
+            </a:pPr>
+            <a:r>
+              <a:rPr b="1" lang="en-US" sz="4400" spc="-1" strike="noStrike">
+                <a:solidFill>
+                  <a:srgbClr val="ff6600"/>
+                </a:solidFill>
+                <a:uFill>
+                  <a:solidFill>
+                    <a:srgbClr val="ffffff"/>
+                  </a:solidFill>
+                </a:uFill>
+                <a:latin typeface="Trebuchet MS"/>
+                <a:ea typeface="DejaVu Sans"/>
+              </a:rPr>
+              <a:t>AI REQUIREMENTS</a:t>
+            </a:r>
+            <a:endParaRPr b="0" lang="en-US" sz="1800" spc="-1" strike="noStrike">
+              <a:solidFill>
+                <a:srgbClr val="000000"/>
+              </a:solidFill>
+              <a:uFill>
+                <a:solidFill>
+                  <a:srgbClr val="ffffff"/>
+                </a:solidFill>
+              </a:uFill>
+              <a:latin typeface="Nimbus Sans"/>
+            </a:endParaRPr>
+          </a:p>
+          <a:p>
+            <a:pPr>
+              <a:lnSpc>
+                <a:spcPct val="100000"/>
+              </a:lnSpc>
+            </a:pPr>
+            <a:r>
+              <a:rPr b="0" lang="en-US" sz="4000" spc="-1" strike="noStrike">
+                <a:solidFill>
+                  <a:srgbClr val="000000"/>
+                </a:solidFill>
+                <a:uFill>
+                  <a:solidFill>
+                    <a:srgbClr val="ffffff"/>
+                  </a:solidFill>
+                </a:uFill>
+                <a:latin typeface="Trebuchet MS"/>
+                <a:ea typeface="DejaVu Sans"/>
+              </a:rPr>
+              <a:t>The Artificial Intelligence portion needed to </a:t>
+            </a:r>
+            <a:endParaRPr b="0" lang="en-US" sz="1800" spc="-1" strike="noStrike">
+              <a:solidFill>
+                <a:srgbClr val="000000"/>
+              </a:solidFill>
+              <a:uFill>
+                <a:solidFill>
+                  <a:srgbClr val="ffffff"/>
+                </a:solidFill>
+              </a:uFill>
+              <a:latin typeface="Nimbus Sans"/>
+            </a:endParaRPr>
+          </a:p>
+          <a:p>
+            <a:pPr marL="216000" indent="-216000">
+              <a:lnSpc>
+                <a:spcPct val="100000"/>
+              </a:lnSpc>
+              <a:buClr>
+                <a:srgbClr val="000000"/>
+              </a:buClr>
+              <a:buFont typeface="Symbol" charset="2"/>
+              <a:buChar char=""/>
+            </a:pPr>
+            <a:r>
+              <a:rPr b="0" lang="en-US" sz="4400" spc="-1" strike="noStrike">
+                <a:solidFill>
+                  <a:srgbClr val="000000"/>
+                </a:solidFill>
+                <a:uFill>
+                  <a:solidFill>
+                    <a:srgbClr val="ffffff"/>
+                  </a:solidFill>
+                </a:uFill>
+                <a:latin typeface="Trebuchet MS"/>
+                <a:ea typeface="DejaVu Sans"/>
+              </a:rPr>
+              <a:t> </a:t>
+            </a:r>
+            <a:r>
+              <a:rPr b="0" lang="en-US" sz="4000" spc="-1" strike="noStrike">
+                <a:solidFill>
+                  <a:srgbClr val="000000"/>
+                </a:solidFill>
+                <a:uFill>
+                  <a:solidFill>
+                    <a:srgbClr val="ffffff"/>
+                  </a:solidFill>
+                </a:uFill>
+                <a:latin typeface="Trebuchet MS"/>
+                <a:ea typeface="DejaVu Sans"/>
+              </a:rPr>
+              <a:t>Control brewing process from start to finish</a:t>
+            </a:r>
+            <a:endParaRPr b="0" lang="en-US" sz="1800" spc="-1" strike="noStrike">
+              <a:solidFill>
+                <a:srgbClr val="000000"/>
+              </a:solidFill>
+              <a:uFill>
+                <a:solidFill>
+                  <a:srgbClr val="ffffff"/>
+                </a:solidFill>
+              </a:uFill>
+              <a:latin typeface="Nimbus Sans"/>
+            </a:endParaRPr>
+          </a:p>
+          <a:p>
+            <a:pPr marL="216000" indent="-216000">
+              <a:lnSpc>
+                <a:spcPct val="100000"/>
+              </a:lnSpc>
+              <a:buClr>
+                <a:srgbClr val="000000"/>
+              </a:buClr>
+              <a:buFont typeface="Symbol" charset="2"/>
+              <a:buChar char=""/>
+            </a:pPr>
+            <a:r>
+              <a:rPr b="0" lang="en-US" sz="4000" spc="-1" strike="noStrike">
+                <a:solidFill>
+                  <a:srgbClr val="000000"/>
+                </a:solidFill>
+                <a:uFill>
+                  <a:solidFill>
+                    <a:srgbClr val="ffffff"/>
+                  </a:solidFill>
+                </a:uFill>
+                <a:latin typeface="Trebuchet MS"/>
+                <a:ea typeface="DejaVu Sans"/>
+              </a:rPr>
+              <a:t> </a:t>
+            </a:r>
+            <a:r>
+              <a:rPr b="0" lang="en-US" sz="4000" spc="-1" strike="noStrike">
+                <a:solidFill>
+                  <a:srgbClr val="000000"/>
+                </a:solidFill>
+                <a:uFill>
+                  <a:solidFill>
+                    <a:srgbClr val="ffffff"/>
+                  </a:solidFill>
+                </a:uFill>
+                <a:latin typeface="Trebuchet MS"/>
+                <a:ea typeface="DejaVu Sans"/>
+              </a:rPr>
+              <a:t>Adapt from user feedback</a:t>
+            </a:r>
+            <a:endParaRPr b="0" lang="en-US" sz="1800" spc="-1" strike="noStrike">
+              <a:solidFill>
+                <a:srgbClr val="000000"/>
+              </a:solidFill>
+              <a:uFill>
+                <a:solidFill>
+                  <a:srgbClr val="ffffff"/>
+                </a:solidFill>
+              </a:uFill>
+              <a:latin typeface="Nimbus Sans"/>
+            </a:endParaRPr>
+          </a:p>
+          <a:p>
+            <a:pPr marL="216000" indent="-216000">
+              <a:lnSpc>
+                <a:spcPct val="100000"/>
+              </a:lnSpc>
+              <a:buClr>
+                <a:srgbClr val="000000"/>
+              </a:buClr>
+              <a:buFont typeface="Symbol" charset="2"/>
+              <a:buChar char=""/>
+            </a:pPr>
+            <a:r>
+              <a:rPr b="0" lang="en-US" sz="4000" spc="-1" strike="noStrike">
+                <a:solidFill>
+                  <a:srgbClr val="000000"/>
+                </a:solidFill>
+                <a:uFill>
+                  <a:solidFill>
+                    <a:srgbClr val="ffffff"/>
+                  </a:solidFill>
+                </a:uFill>
+                <a:latin typeface="Trebuchet MS"/>
+                <a:ea typeface="DejaVu Sans"/>
+              </a:rPr>
+              <a:t> </a:t>
+            </a:r>
+            <a:r>
+              <a:rPr b="0" lang="en-US" sz="4000" spc="-1" strike="noStrike">
+                <a:solidFill>
+                  <a:srgbClr val="000000"/>
+                </a:solidFill>
+                <a:uFill>
+                  <a:solidFill>
+                    <a:srgbClr val="ffffff"/>
+                  </a:solidFill>
+                </a:uFill>
+                <a:latin typeface="Trebuchet MS"/>
+                <a:ea typeface="DejaVu Sans"/>
+              </a:rPr>
+              <a:t>Have a general design to be adaptable to different recipies</a:t>
+            </a:r>
+            <a:endParaRPr b="0" lang="en-US" sz="1800" spc="-1" strike="noStrike">
+              <a:solidFill>
+                <a:srgbClr val="000000"/>
+              </a:solidFill>
+              <a:uFill>
+                <a:solidFill>
+                  <a:srgbClr val="ffffff"/>
+                </a:solidFill>
+              </a:uFill>
+              <a:latin typeface="Nimbus Sans"/>
+            </a:endParaRPr>
+          </a:p>
+          <a:p>
+            <a:pPr>
+              <a:lnSpc>
+                <a:spcPct val="100000"/>
+              </a:lnSpc>
+            </a:pPr>
+            <a:endParaRPr b="0" lang="en-US" sz="1800" spc="-1" strike="noStrike">
+              <a:solidFill>
+                <a:srgbClr val="000000"/>
+              </a:solidFill>
+              <a:uFill>
+                <a:solidFill>
+                  <a:srgbClr val="ffffff"/>
+                </a:solidFill>
+              </a:uFill>
+              <a:latin typeface="Nimbus Sans"/>
+            </a:endParaRPr>
+          </a:p>
+          <a:p>
+            <a:pPr>
+              <a:lnSpc>
+                <a:spcPct val="100000"/>
+              </a:lnSpc>
+            </a:pPr>
+            <a:endParaRPr b="0" lang="en-US" sz="1800" spc="-1" strike="noStrike">
+              <a:solidFill>
+                <a:srgbClr val="000000"/>
+              </a:solidFill>
+              <a:uFill>
+                <a:solidFill>
+                  <a:srgbClr val="ffffff"/>
+                </a:solidFill>
+              </a:uFill>
+              <a:latin typeface="Nimbus Sans"/>
+            </a:endParaRPr>
+          </a:p>
+          <a:p>
+            <a:pPr>
+              <a:lnSpc>
+                <a:spcPct val="100000"/>
+              </a:lnSpc>
+            </a:pPr>
+            <a:endParaRPr b="0" lang="en-US" sz="1800" spc="-1" strike="noStrike">
+              <a:solidFill>
+                <a:srgbClr val="000000"/>
+              </a:solidFill>
+              <a:uFill>
+                <a:solidFill>
+                  <a:srgbClr val="ffffff"/>
+                </a:solidFill>
+              </a:uFill>
+              <a:latin typeface="Nimbus Sans"/>
+            </a:endParaRPr>
+          </a:p>
+          <a:p>
+            <a:pPr>
+              <a:lnSpc>
+                <a:spcPct val="100000"/>
+              </a:lnSpc>
+            </a:pPr>
+            <a:endParaRPr b="0" lang="en-US" sz="1800" spc="-1" strike="noStrike">
+              <a:solidFill>
+                <a:srgbClr val="000000"/>
+              </a:solidFill>
+              <a:uFill>
+                <a:solidFill>
+                  <a:srgbClr val="ffffff"/>
+                </a:solidFill>
+              </a:uFill>
+              <a:latin typeface="Nimbus Sans"/>
+            </a:endParaRPr>
+          </a:p>
+          <a:p>
+            <a:pPr>
+              <a:lnSpc>
+                <a:spcPct val="100000"/>
+              </a:lnSpc>
+            </a:pPr>
+            <a:endParaRPr b="0" lang="en-US" sz="1800" spc="-1" strike="noStrike">
+              <a:solidFill>
+                <a:srgbClr val="000000"/>
+              </a:solidFill>
+              <a:uFill>
+                <a:solidFill>
+                  <a:srgbClr val="ffffff"/>
+                </a:solidFill>
+              </a:uFill>
+              <a:latin typeface="Nimbus Sans"/>
+            </a:endParaRPr>
+          </a:p>
+          <a:p>
+            <a:pPr>
+              <a:lnSpc>
+                <a:spcPct val="100000"/>
+              </a:lnSpc>
+            </a:pPr>
+            <a:endParaRPr b="0" lang="en-US" sz="1800" spc="-1" strike="noStrike">
+              <a:solidFill>
+                <a:srgbClr val="000000"/>
+              </a:solidFill>
+              <a:uFill>
+                <a:solidFill>
+                  <a:srgbClr val="ffffff"/>
+                </a:solidFill>
+              </a:uFill>
+              <a:latin typeface="Nimbus Sans"/>
+            </a:endParaRPr>
+          </a:p>
+          <a:p>
+            <a:pPr>
+              <a:lnSpc>
+                <a:spcPct val="100000"/>
+              </a:lnSpc>
+            </a:pPr>
+            <a:endParaRPr b="0" lang="en-US" sz="1800" spc="-1" strike="noStrike">
+              <a:solidFill>
+                <a:srgbClr val="000000"/>
+              </a:solidFill>
+              <a:uFill>
+                <a:solidFill>
+                  <a:srgbClr val="ffffff"/>
+                </a:solidFill>
+              </a:uFill>
+              <a:latin typeface="Nimbus Sans"/>
+            </a:endParaRPr>
+          </a:p>
+          <a:p>
+            <a:pPr>
+              <a:lnSpc>
+                <a:spcPct val="100000"/>
+              </a:lnSpc>
+            </a:pPr>
+            <a:endParaRPr b="0" lang="en-US" sz="1800" spc="-1" strike="noStrike">
+              <a:solidFill>
+                <a:srgbClr val="000000"/>
+              </a:solidFill>
+              <a:uFill>
+                <a:solidFill>
+                  <a:srgbClr val="ffffff"/>
+                </a:solidFill>
+              </a:uFill>
+              <a:latin typeface="Nimbus Sans"/>
+            </a:endParaRPr>
+          </a:p>
+          <a:p>
+            <a:pPr>
+              <a:lnSpc>
+                <a:spcPct val="100000"/>
+              </a:lnSpc>
+            </a:pPr>
+            <a:endParaRPr b="0" lang="en-US" sz="1800" spc="-1" strike="noStrike">
+              <a:solidFill>
+                <a:srgbClr val="000000"/>
+              </a:solidFill>
+              <a:uFill>
+                <a:solidFill>
+                  <a:srgbClr val="ffffff"/>
+                </a:solidFill>
+              </a:uFill>
+              <a:latin typeface="Nimbus Sans"/>
+            </a:endParaRPr>
+          </a:p>
+          <a:p>
+            <a:pPr>
+              <a:lnSpc>
+                <a:spcPct val="100000"/>
+              </a:lnSpc>
+            </a:pPr>
+            <a:endParaRPr b="0" lang="en-US" sz="1800" spc="-1" strike="noStrike">
+              <a:solidFill>
+                <a:srgbClr val="000000"/>
+              </a:solidFill>
+              <a:uFill>
+                <a:solidFill>
+                  <a:srgbClr val="ffffff"/>
+                </a:solidFill>
+              </a:uFill>
+              <a:latin typeface="Nimbus Sans"/>
+            </a:endParaRPr>
+          </a:p>
+          <a:p>
+            <a:pPr>
+              <a:lnSpc>
+                <a:spcPct val="100000"/>
+              </a:lnSpc>
+            </a:pPr>
+            <a:endParaRPr b="0" lang="en-US" sz="1800" spc="-1" strike="noStrike">
+              <a:solidFill>
+                <a:srgbClr val="000000"/>
+              </a:solidFill>
+              <a:uFill>
+                <a:solidFill>
+                  <a:srgbClr val="ffffff"/>
+                </a:solidFill>
+              </a:uFill>
+              <a:latin typeface="Nimbus Sans"/>
+            </a:endParaRPr>
+          </a:p>
+          <a:p>
+            <a:pPr>
+              <a:lnSpc>
+                <a:spcPct val="100000"/>
+              </a:lnSpc>
+            </a:pPr>
+            <a:endParaRPr b="0" lang="en-US" sz="1800" spc="-1" strike="noStrike">
+              <a:solidFill>
+                <a:srgbClr val="000000"/>
+              </a:solidFill>
+              <a:uFill>
+                <a:solidFill>
+                  <a:srgbClr val="ffffff"/>
+                </a:solidFill>
+              </a:uFill>
+              <a:latin typeface="Nimbus Sans"/>
+            </a:endParaRPr>
+          </a:p>
+          <a:p>
+            <a:pPr>
+              <a:lnSpc>
+                <a:spcPct val="100000"/>
+              </a:lnSpc>
+            </a:pPr>
+            <a:endParaRPr b="0" lang="en-US" sz="1800" spc="-1" strike="noStrike">
+              <a:solidFill>
+                <a:srgbClr val="000000"/>
+              </a:solidFill>
+              <a:uFill>
+                <a:solidFill>
+                  <a:srgbClr val="ffffff"/>
+                </a:solidFill>
+              </a:uFill>
+              <a:latin typeface="Nimbus Sans"/>
+            </a:endParaRPr>
+          </a:p>
+          <a:p>
+            <a:pPr>
+              <a:lnSpc>
+                <a:spcPct val="100000"/>
+              </a:lnSpc>
+            </a:pPr>
+            <a:endParaRPr b="0" lang="en-US" sz="1800" spc="-1" strike="noStrike">
+              <a:solidFill>
+                <a:srgbClr val="000000"/>
+              </a:solidFill>
+              <a:uFill>
+                <a:solidFill>
+                  <a:srgbClr val="ffffff"/>
+                </a:solidFill>
+              </a:uFill>
+              <a:latin typeface="Nimbus Sans"/>
+            </a:endParaRPr>
+          </a:p>
+          <a:p>
+            <a:pPr>
+              <a:lnSpc>
+                <a:spcPct val="100000"/>
+              </a:lnSpc>
+            </a:pPr>
+            <a:endParaRPr b="0" lang="en-US" sz="1800" spc="-1" strike="noStrike">
+              <a:solidFill>
+                <a:srgbClr val="000000"/>
+              </a:solidFill>
+              <a:uFill>
+                <a:solidFill>
+                  <a:srgbClr val="ffffff"/>
+                </a:solidFill>
+              </a:uFill>
+              <a:latin typeface="Nimbus Sans"/>
+            </a:endParaRPr>
+          </a:p>
+          <a:p>
+            <a:pPr>
+              <a:lnSpc>
+                <a:spcPct val="100000"/>
+              </a:lnSpc>
+            </a:pPr>
+            <a:endParaRPr b="0" lang="en-US" sz="1800" spc="-1" strike="noStrike">
+              <a:solidFill>
+                <a:srgbClr val="000000"/>
+              </a:solidFill>
+              <a:uFill>
+                <a:solidFill>
+                  <a:srgbClr val="ffffff"/>
+                </a:solidFill>
+              </a:uFill>
+              <a:latin typeface="Nimbus Sans"/>
+            </a:endParaRPr>
+          </a:p>
+          <a:p>
+            <a:pPr>
+              <a:lnSpc>
+                <a:spcPct val="100000"/>
+              </a:lnSpc>
+            </a:pPr>
+            <a:endParaRPr b="0" lang="en-US" sz="1800" spc="-1" strike="noStrike">
+              <a:solidFill>
+                <a:srgbClr val="000000"/>
+              </a:solidFill>
+              <a:uFill>
+                <a:solidFill>
+                  <a:srgbClr val="ffffff"/>
+                </a:solidFill>
+              </a:uFill>
+              <a:latin typeface="Nimbus Sans"/>
+            </a:endParaRPr>
+          </a:p>
+          <a:p>
+            <a:pPr>
+              <a:lnSpc>
+                <a:spcPct val="100000"/>
+              </a:lnSpc>
+            </a:pPr>
+            <a:endParaRPr b="0" lang="en-US" sz="1800" spc="-1" strike="noStrike">
+              <a:solidFill>
+                <a:srgbClr val="000000"/>
+              </a:solidFill>
+              <a:uFill>
+                <a:solidFill>
+                  <a:srgbClr val="ffffff"/>
+                </a:solidFill>
+              </a:uFill>
+              <a:latin typeface="Nimbus Sans"/>
+            </a:endParaRPr>
+          </a:p>
+          <a:p>
+            <a:pPr>
+              <a:lnSpc>
+                <a:spcPct val="100000"/>
+              </a:lnSpc>
+            </a:pPr>
+            <a:endParaRPr b="0" lang="en-US" sz="1800" spc="-1" strike="noStrike">
+              <a:solidFill>
+                <a:srgbClr val="000000"/>
+              </a:solidFill>
+              <a:uFill>
+                <a:solidFill>
+                  <a:srgbClr val="ffffff"/>
+                </a:solidFill>
+              </a:uFill>
+              <a:latin typeface="Nimbus Sans"/>
+            </a:endParaRPr>
+          </a:p>
+          <a:p>
+            <a:pPr>
+              <a:lnSpc>
+                <a:spcPct val="100000"/>
+              </a:lnSpc>
+            </a:pPr>
+            <a:endParaRPr b="0" lang="en-US" sz="1800" spc="-1" strike="noStrike">
+              <a:solidFill>
+                <a:srgbClr val="000000"/>
+              </a:solidFill>
+              <a:uFill>
+                <a:solidFill>
+                  <a:srgbClr val="ffffff"/>
+                </a:solidFill>
+              </a:uFill>
+              <a:latin typeface="Nimbus Sans"/>
+            </a:endParaRPr>
+          </a:p>
+          <a:p>
+            <a:pPr>
+              <a:lnSpc>
+                <a:spcPct val="100000"/>
+              </a:lnSpc>
+            </a:pPr>
+            <a:r>
+              <a:rPr b="1" lang="en-US" sz="4400" spc="-1" strike="noStrike">
+                <a:solidFill>
+                  <a:srgbClr val="ff6600"/>
+                </a:solidFill>
+                <a:uFill>
+                  <a:solidFill>
+                    <a:srgbClr val="ffffff"/>
+                  </a:solidFill>
+                </a:uFill>
+                <a:latin typeface="Trebuchet MS"/>
+                <a:ea typeface="DejaVu Sans"/>
+              </a:rPr>
+              <a:t>DESIGN CHOICES</a:t>
+            </a:r>
+            <a:endParaRPr b="0" lang="en-US" sz="1800" spc="-1" strike="noStrike">
+              <a:solidFill>
+                <a:srgbClr val="000000"/>
+              </a:solidFill>
+              <a:uFill>
+                <a:solidFill>
+                  <a:srgbClr val="ffffff"/>
+                </a:solidFill>
+              </a:uFill>
+              <a:latin typeface="Nimbus Sans"/>
+            </a:endParaRPr>
+          </a:p>
+          <a:p>
+            <a:pPr>
+              <a:lnSpc>
+                <a:spcPct val="100000"/>
+              </a:lnSpc>
+            </a:pPr>
+            <a:r>
+              <a:rPr b="0" lang="en-US" sz="4000" spc="-1" strike="noStrike">
+                <a:solidFill>
+                  <a:srgbClr val="000000"/>
+                </a:solidFill>
+                <a:uFill>
+                  <a:solidFill>
+                    <a:srgbClr val="ffffff"/>
+                  </a:solidFill>
+                </a:uFill>
+                <a:latin typeface="Trebuchet MS"/>
+                <a:ea typeface="DejaVu Sans"/>
+              </a:rPr>
+              <a:t>To</a:t>
+            </a:r>
+            <a:r>
+              <a:rPr b="0" lang="en-US" sz="4000" spc="-1" strike="noStrike">
+                <a:solidFill>
+                  <a:srgbClr val="000000"/>
+                </a:solidFill>
+                <a:uFill>
+                  <a:solidFill>
+                    <a:srgbClr val="ffffff"/>
+                  </a:solidFill>
+                </a:uFill>
+                <a:latin typeface="Trebuchet MS"/>
+                <a:ea typeface="DejaVu Sans"/>
+              </a:rPr>
+              <a:t> handle these constraints, we employed </a:t>
+            </a:r>
+            <a:endParaRPr b="0" lang="en-US" sz="1800" spc="-1" strike="noStrike">
+              <a:solidFill>
+                <a:srgbClr val="000000"/>
+              </a:solidFill>
+              <a:uFill>
+                <a:solidFill>
+                  <a:srgbClr val="ffffff"/>
+                </a:solidFill>
+              </a:uFill>
+              <a:latin typeface="Nimbus Sans"/>
+            </a:endParaRPr>
+          </a:p>
+          <a:p>
+            <a:pPr marL="216000" indent="-216000">
+              <a:lnSpc>
+                <a:spcPct val="100000"/>
+              </a:lnSpc>
+              <a:buClr>
+                <a:srgbClr val="000000"/>
+              </a:buClr>
+              <a:buFont typeface="Symbol" charset="2"/>
+              <a:buChar char=""/>
+            </a:pPr>
+            <a:r>
+              <a:rPr b="0" lang="en-US" sz="4000" spc="-1" strike="noStrike">
+                <a:solidFill>
+                  <a:srgbClr val="000000"/>
+                </a:solidFill>
+                <a:uFill>
+                  <a:solidFill>
+                    <a:srgbClr val="ffffff"/>
+                  </a:solidFill>
+                </a:uFill>
+                <a:latin typeface="Trebuchet MS"/>
+                <a:ea typeface="DejaVu Sans"/>
+              </a:rPr>
+              <a:t> </a:t>
+            </a:r>
+            <a:r>
+              <a:rPr b="0" lang="en-US" sz="4000" spc="-1" strike="noStrike">
+                <a:solidFill>
+                  <a:srgbClr val="000000"/>
+                </a:solidFill>
+                <a:uFill>
+                  <a:solidFill>
+                    <a:srgbClr val="ffffff"/>
+                  </a:solidFill>
+                </a:uFill>
+                <a:latin typeface="Trebuchet MS"/>
+                <a:ea typeface="DejaVu Sans"/>
+              </a:rPr>
+              <a:t>A state action design, so the AI makes decisions about what action to take at a given time step.</a:t>
+            </a:r>
+            <a:endParaRPr b="0" lang="en-US" sz="1800" spc="-1" strike="noStrike">
+              <a:solidFill>
+                <a:srgbClr val="000000"/>
+              </a:solidFill>
+              <a:uFill>
+                <a:solidFill>
+                  <a:srgbClr val="ffffff"/>
+                </a:solidFill>
+              </a:uFill>
+              <a:latin typeface="Nimbus Sans"/>
+            </a:endParaRPr>
+          </a:p>
+          <a:p>
+            <a:pPr marL="216000" indent="-216000">
+              <a:lnSpc>
+                <a:spcPct val="100000"/>
+              </a:lnSpc>
+              <a:buClr>
+                <a:srgbClr val="000000"/>
+              </a:buClr>
+              <a:buFont typeface="Symbol" charset="2"/>
+              <a:buChar char=""/>
+            </a:pPr>
+            <a:r>
+              <a:rPr b="0" lang="en-US" sz="4000" spc="-1" strike="noStrike">
+                <a:solidFill>
+                  <a:srgbClr val="000000"/>
+                </a:solidFill>
+                <a:uFill>
+                  <a:solidFill>
+                    <a:srgbClr val="ffffff"/>
+                  </a:solidFill>
+                </a:uFill>
+                <a:latin typeface="Trebuchet MS"/>
+                <a:ea typeface="DejaVu Sans"/>
+              </a:rPr>
+              <a:t> </a:t>
+            </a:r>
+            <a:r>
+              <a:rPr b="0" lang="en-US" sz="4000" spc="-1" strike="noStrike">
+                <a:solidFill>
+                  <a:srgbClr val="000000"/>
+                </a:solidFill>
+                <a:uFill>
+                  <a:solidFill>
+                    <a:srgbClr val="ffffff"/>
+                  </a:solidFill>
+                </a:uFill>
+                <a:latin typeface="Trebuchet MS"/>
+                <a:ea typeface="DejaVu Sans"/>
+              </a:rPr>
+              <a:t>Reinforcement learning to incorporate the user’s rating of the final product into the learning process</a:t>
+            </a:r>
+            <a:endParaRPr b="0" lang="en-US" sz="1800" spc="-1" strike="noStrike">
+              <a:solidFill>
+                <a:srgbClr val="000000"/>
+              </a:solidFill>
+              <a:uFill>
+                <a:solidFill>
+                  <a:srgbClr val="ffffff"/>
+                </a:solidFill>
+              </a:uFill>
+              <a:latin typeface="Nimbus Sans"/>
+            </a:endParaRPr>
+          </a:p>
+          <a:p>
+            <a:pPr marL="216000" indent="-216000">
+              <a:lnSpc>
+                <a:spcPct val="100000"/>
+              </a:lnSpc>
+              <a:buClr>
+                <a:srgbClr val="000000"/>
+              </a:buClr>
+              <a:buFont typeface="Symbol" charset="2"/>
+              <a:buChar char=""/>
+            </a:pPr>
+            <a:r>
+              <a:rPr b="0" lang="en-US" sz="4000" spc="-1" strike="noStrike">
+                <a:solidFill>
+                  <a:srgbClr val="000000"/>
+                </a:solidFill>
+                <a:uFill>
+                  <a:solidFill>
+                    <a:srgbClr val="ffffff"/>
+                  </a:solidFill>
+                </a:uFill>
+                <a:latin typeface="Trebuchet MS"/>
+                <a:ea typeface="DejaVu Sans"/>
+              </a:rPr>
+              <a:t> </a:t>
+            </a:r>
+            <a:r>
+              <a:rPr b="0" lang="en-US" sz="4000" spc="-1" strike="noStrike">
+                <a:solidFill>
+                  <a:srgbClr val="000000"/>
+                </a:solidFill>
+                <a:uFill>
+                  <a:solidFill>
+                    <a:srgbClr val="ffffff"/>
+                  </a:solidFill>
+                </a:uFill>
+                <a:latin typeface="Trebuchet MS"/>
+                <a:ea typeface="DejaVu Sans"/>
+              </a:rPr>
+              <a:t>A neural network solution, to void strict dimension issues with a static design</a:t>
+            </a:r>
+            <a:endParaRPr b="0" lang="en-US" sz="1800" spc="-1" strike="noStrike">
+              <a:solidFill>
+                <a:srgbClr val="000000"/>
+              </a:solidFill>
+              <a:uFill>
+                <a:solidFill>
+                  <a:srgbClr val="ffffff"/>
+                </a:solidFill>
+              </a:uFill>
+              <a:latin typeface="Nimbus Sans"/>
+            </a:endParaRPr>
+          </a:p>
+          <a:p>
+            <a:pPr>
+              <a:lnSpc>
+                <a:spcPct val="100000"/>
+              </a:lnSpc>
+            </a:pPr>
+            <a:r>
+              <a:rPr b="0" lang="en-US" sz="4000" spc="-1" strike="noStrike">
+                <a:solidFill>
+                  <a:srgbClr val="000000"/>
+                </a:solidFill>
+                <a:uFill>
+                  <a:solidFill>
+                    <a:srgbClr val="ffffff"/>
+                  </a:solidFill>
+                </a:uFill>
+                <a:latin typeface="Trebuchet MS"/>
+                <a:ea typeface="DejaVu Sans"/>
+              </a:rPr>
+              <a:t>This led to a general Q-Learning agent which approximates the Q-table in the neural network.</a:t>
+            </a:r>
+            <a:endParaRPr b="0" lang="en-US" sz="1800" spc="-1" strike="noStrike">
+              <a:solidFill>
+                <a:srgbClr val="000000"/>
+              </a:solidFill>
+              <a:uFill>
+                <a:solidFill>
+                  <a:srgbClr val="ffffff"/>
+                </a:solidFill>
+              </a:uFill>
+              <a:latin typeface="Nimbus Sans"/>
+            </a:endParaRPr>
+          </a:p>
+          <a:p>
+            <a:pPr>
+              <a:lnSpc>
+                <a:spcPct val="100000"/>
+              </a:lnSpc>
+            </a:pPr>
+            <a:endParaRPr b="0" lang="en-US" sz="1800" spc="-1" strike="noStrike">
+              <a:solidFill>
+                <a:srgbClr val="000000"/>
+              </a:solidFill>
+              <a:uFill>
+                <a:solidFill>
+                  <a:srgbClr val="ffffff"/>
+                </a:solidFill>
+              </a:uFill>
+              <a:latin typeface="Nimbus Sans"/>
+            </a:endParaRPr>
+          </a:p>
+        </p:txBody>
+      </p:sp>
+      <p:sp>
+        <p:nvSpPr>
+          <p:cNvPr id="48" name="CustomShape 6"/>
+          <p:cNvSpPr/>
+          <p:nvPr/>
+        </p:nvSpPr>
+        <p:spPr>
+          <a:xfrm>
+            <a:off x="982800" y="2820960"/>
+            <a:ext cx="8550000" cy="2103480"/>
+          </a:xfrm>
+          <a:prstGeom prst="rect">
+            <a:avLst/>
+          </a:prstGeom>
+          <a:noFill/>
+          <a:ln>
+            <a:noFill/>
+          </a:ln>
+        </p:spPr>
+        <p:style>
+          <a:lnRef idx="0"/>
+          <a:fillRef idx="0"/>
+          <a:effectRef idx="0"/>
+          <a:fontRef idx="minor"/>
+        </p:style>
+        <p:txBody>
+          <a:bodyPr lIns="0" rIns="0" tIns="0" bIns="0"/>
+          <a:p>
+            <a:pPr>
+              <a:lnSpc>
+                <a:spcPct val="100000"/>
+              </a:lnSpc>
+            </a:pPr>
+            <a:r>
+              <a:rPr b="0" lang="en-US" sz="5400" spc="-1" strike="noStrike">
+                <a:solidFill>
+                  <a:srgbClr val="000000"/>
+                </a:solidFill>
+                <a:uFill>
+                  <a:solidFill>
+                    <a:srgbClr val="ffffff"/>
+                  </a:solidFill>
+                </a:uFill>
+                <a:latin typeface="Trebuchet MS"/>
+                <a:ea typeface="DejaVu Sans"/>
+              </a:rPr>
+              <a:t>The Learning  Algorithm</a:t>
+            </a:r>
+            <a:endParaRPr b="0" lang="en-US" sz="1800" spc="-1" strike="noStrike">
+              <a:solidFill>
+                <a:srgbClr val="000000"/>
+              </a:solidFill>
+              <a:uFill>
+                <a:solidFill>
+                  <a:srgbClr val="ffffff"/>
+                </a:solidFill>
+              </a:uFill>
+              <a:latin typeface="Nimbus Sans"/>
+            </a:endParaRPr>
+          </a:p>
+        </p:txBody>
+      </p:sp>
+      <p:sp>
+        <p:nvSpPr>
+          <p:cNvPr id="49" name="CustomShape 7"/>
+          <p:cNvSpPr/>
+          <p:nvPr/>
+        </p:nvSpPr>
+        <p:spPr>
+          <a:xfrm>
+            <a:off x="32527800" y="14371560"/>
+            <a:ext cx="8551800" cy="2145960"/>
+          </a:xfrm>
+          <a:prstGeom prst="rect">
+            <a:avLst/>
+          </a:prstGeom>
+          <a:noFill/>
+          <a:ln>
+            <a:noFill/>
+          </a:ln>
+        </p:spPr>
+        <p:style>
+          <a:lnRef idx="0"/>
+          <a:fillRef idx="0"/>
+          <a:effectRef idx="0"/>
+          <a:fontRef idx="minor"/>
+        </p:style>
+      </p:sp>
+      <p:sp>
+        <p:nvSpPr>
+          <p:cNvPr id="50" name="CustomShape 8"/>
+          <p:cNvSpPr/>
+          <p:nvPr/>
+        </p:nvSpPr>
+        <p:spPr>
+          <a:xfrm>
+            <a:off x="32527800" y="14904720"/>
+            <a:ext cx="8551800" cy="10090800"/>
+          </a:xfrm>
+          <a:prstGeom prst="rect">
+            <a:avLst/>
+          </a:prstGeom>
+          <a:noFill/>
+          <a:ln>
+            <a:noFill/>
+          </a:ln>
+        </p:spPr>
+        <p:style>
+          <a:lnRef idx="0"/>
+          <a:fillRef idx="0"/>
+          <a:effectRef idx="0"/>
+          <a:fontRef idx="minor"/>
+        </p:style>
+        <p:txBody>
+          <a:bodyPr lIns="90000" rIns="90000" tIns="45000" bIns="45000"/>
+          <a:p>
+            <a:pPr>
+              <a:lnSpc>
+                <a:spcPct val="100000"/>
+              </a:lnSpc>
+            </a:pPr>
+            <a:r>
+              <a:rPr b="1" lang="en-US" sz="4400" spc="-1" strike="noStrike">
+                <a:solidFill>
+                  <a:srgbClr val="f37321"/>
+                </a:solidFill>
+                <a:uFill>
+                  <a:solidFill>
+                    <a:srgbClr val="ffffff"/>
+                  </a:solidFill>
+                </a:uFill>
+                <a:latin typeface="Trebuchet MS"/>
+                <a:ea typeface="DejaVu Sans"/>
+              </a:rPr>
+              <a:t>BUSINESS APPLICATIONS</a:t>
+            </a:r>
+            <a:endParaRPr b="0" lang="en-US" sz="1800" spc="-1" strike="noStrike">
+              <a:solidFill>
+                <a:srgbClr val="000000"/>
+              </a:solidFill>
+              <a:uFill>
+                <a:solidFill>
+                  <a:srgbClr val="ffffff"/>
+                </a:solidFill>
+              </a:uFill>
+              <a:latin typeface="Nimbus Sans"/>
+            </a:endParaRPr>
+          </a:p>
+          <a:p>
+            <a:pPr marL="457200" indent="-456480">
+              <a:lnSpc>
+                <a:spcPct val="100000"/>
+              </a:lnSpc>
+              <a:buClr>
+                <a:srgbClr val="ffffff"/>
+              </a:buClr>
+              <a:buFont typeface="Arial"/>
+              <a:buChar char="•"/>
+            </a:pPr>
+            <a:r>
+              <a:rPr b="0" lang="en-US" sz="4000" spc="-1" strike="noStrike">
+                <a:solidFill>
+                  <a:srgbClr val="ffffff"/>
+                </a:solidFill>
+                <a:uFill>
+                  <a:solidFill>
+                    <a:srgbClr val="ffffff"/>
+                  </a:solidFill>
+                </a:uFill>
+                <a:latin typeface="Trebuchet MS"/>
+                <a:ea typeface="DejaVu Sans"/>
+              </a:rPr>
+              <a:t>Nullam vehicula luctus augue, rutrum faucibus massa pharetra eu. Nulla facilisi. </a:t>
+            </a:r>
+            <a:endParaRPr b="0" lang="en-US" sz="1800" spc="-1" strike="noStrike">
+              <a:solidFill>
+                <a:srgbClr val="000000"/>
+              </a:solidFill>
+              <a:uFill>
+                <a:solidFill>
+                  <a:srgbClr val="ffffff"/>
+                </a:solidFill>
+              </a:uFill>
+              <a:latin typeface="Nimbus Sans"/>
+            </a:endParaRPr>
+          </a:p>
+          <a:p>
+            <a:pPr marL="457200" indent="-456480">
+              <a:lnSpc>
+                <a:spcPct val="100000"/>
+              </a:lnSpc>
+              <a:buClr>
+                <a:srgbClr val="ffffff"/>
+              </a:buClr>
+              <a:buFont typeface="Arial"/>
+              <a:buChar char="•"/>
+            </a:pPr>
+            <a:r>
+              <a:rPr b="0" lang="en-US" sz="4000" spc="-1" strike="noStrike">
+                <a:solidFill>
+                  <a:srgbClr val="ffffff"/>
+                </a:solidFill>
+                <a:uFill>
+                  <a:solidFill>
+                    <a:srgbClr val="ffffff"/>
+                  </a:solidFill>
+                </a:uFill>
+                <a:latin typeface="Trebuchet MS"/>
+                <a:ea typeface="DejaVu Sans"/>
+              </a:rPr>
+              <a:t>Sed posuere gravida felis, sed pulvinar urna suscipit et. Suspendisse diam tortor, mollis eu accumsan eget, elementum id justo. </a:t>
+            </a:r>
+            <a:endParaRPr b="0" lang="en-US" sz="1800" spc="-1" strike="noStrike">
+              <a:solidFill>
+                <a:srgbClr val="000000"/>
+              </a:solidFill>
+              <a:uFill>
+                <a:solidFill>
+                  <a:srgbClr val="ffffff"/>
+                </a:solidFill>
+              </a:uFill>
+              <a:latin typeface="Nimbus Sans"/>
+            </a:endParaRPr>
+          </a:p>
+          <a:p>
+            <a:pPr marL="457200" indent="-456480">
+              <a:lnSpc>
+                <a:spcPct val="100000"/>
+              </a:lnSpc>
+              <a:buClr>
+                <a:srgbClr val="ffffff"/>
+              </a:buClr>
+              <a:buFont typeface="Arial"/>
+              <a:buChar char="•"/>
+            </a:pPr>
+            <a:r>
+              <a:rPr b="0" lang="en-US" sz="4000" spc="-1" strike="noStrike">
+                <a:solidFill>
+                  <a:srgbClr val="ffffff"/>
+                </a:solidFill>
+                <a:uFill>
+                  <a:solidFill>
+                    <a:srgbClr val="ffffff"/>
+                  </a:solidFill>
+                </a:uFill>
+                <a:latin typeface="Trebuchet MS"/>
+                <a:ea typeface="DejaVu Sans"/>
+              </a:rPr>
+              <a:t>Vivamus pulvinar varius lacus, vel egestas ligula gravida volutpat. </a:t>
+            </a:r>
+            <a:endParaRPr b="0" lang="en-US" sz="1800" spc="-1" strike="noStrike">
+              <a:solidFill>
+                <a:srgbClr val="000000"/>
+              </a:solidFill>
+              <a:uFill>
+                <a:solidFill>
+                  <a:srgbClr val="ffffff"/>
+                </a:solidFill>
+              </a:uFill>
+              <a:latin typeface="Nimbus Sans"/>
+            </a:endParaRPr>
+          </a:p>
+          <a:p>
+            <a:pPr marL="457200" indent="-456480">
+              <a:lnSpc>
+                <a:spcPct val="100000"/>
+              </a:lnSpc>
+              <a:buClr>
+                <a:srgbClr val="ffffff"/>
+              </a:buClr>
+              <a:buFont typeface="Arial"/>
+              <a:buChar char="•"/>
+            </a:pPr>
+            <a:r>
+              <a:rPr b="0" lang="en-US" sz="3000" spc="-1" strike="noStrike">
+                <a:solidFill>
+                  <a:srgbClr val="ffffff"/>
+                </a:solidFill>
+                <a:uFill>
+                  <a:solidFill>
+                    <a:srgbClr val="ffffff"/>
+                  </a:solidFill>
+                </a:uFill>
+                <a:latin typeface="Trebuchet MS"/>
+                <a:ea typeface="DejaVu Sans"/>
+              </a:rPr>
+              <a:t> </a:t>
+            </a:r>
+            <a:endParaRPr b="0" lang="en-US" sz="1800" spc="-1" strike="noStrike">
+              <a:solidFill>
+                <a:srgbClr val="000000"/>
+              </a:solidFill>
+              <a:uFill>
+                <a:solidFill>
+                  <a:srgbClr val="ffffff"/>
+                </a:solidFill>
+              </a:uFill>
+              <a:latin typeface="Nimbus Sans"/>
+            </a:endParaRPr>
+          </a:p>
+          <a:p>
+            <a:pPr>
+              <a:lnSpc>
+                <a:spcPct val="100000"/>
+              </a:lnSpc>
+            </a:pPr>
+            <a:endParaRPr b="0" lang="en-US" sz="1800" spc="-1" strike="noStrike">
+              <a:solidFill>
+                <a:srgbClr val="000000"/>
+              </a:solidFill>
+              <a:uFill>
+                <a:solidFill>
+                  <a:srgbClr val="ffffff"/>
+                </a:solidFill>
+              </a:uFill>
+              <a:latin typeface="Nimbus Sans"/>
+            </a:endParaRPr>
+          </a:p>
+        </p:txBody>
+      </p:sp>
+      <p:sp>
+        <p:nvSpPr>
+          <p:cNvPr id="51" name="CustomShape 9"/>
+          <p:cNvSpPr/>
+          <p:nvPr/>
+        </p:nvSpPr>
+        <p:spPr>
+          <a:xfrm>
+            <a:off x="11260440" y="5221440"/>
+            <a:ext cx="9221760" cy="7579800"/>
           </a:xfrm>
           <a:prstGeom prst="rect">
             <a:avLst/>
@@ -2977,568 +3918,34 @@
                   </a:solidFill>
                 </a:uFill>
                 <a:latin typeface="Arial"/>
-              </a:rPr>
-              <a:t>HIGH LEVEL STATE MACHINE OF BATCH BREWING AND LEARNING</a:t>
-            </a:r>
-            <a:endParaRPr b="0" lang="en-US" sz="8400" spc="-1" strike="noStrike">
-              <a:solidFill>
-                <a:srgbClr val="000000"/>
-              </a:solidFill>
-              <a:uFill>
-                <a:solidFill>
-                  <a:srgbClr val="ffffff"/>
-                </a:solidFill>
-              </a:uFill>
-              <a:latin typeface="Arial"/>
-            </a:endParaRPr>
-          </a:p>
-        </p:txBody>
-      </p:sp>
-      <p:sp>
-        <p:nvSpPr>
-          <p:cNvPr id="50" name="CustomShape 6"/>
+                <a:ea typeface="DejaVu Sans"/>
+              </a:rPr>
+              <a:t>PICTURE OF BETA</a:t>
+            </a:r>
+            <a:endParaRPr b="0" lang="en-US" sz="1800" spc="-1" strike="noStrike">
+              <a:solidFill>
+                <a:srgbClr val="000000"/>
+              </a:solidFill>
+              <a:uFill>
+                <a:solidFill>
+                  <a:srgbClr val="ffffff"/>
+                </a:solidFill>
+              </a:uFill>
+              <a:latin typeface="Nimbus Sans"/>
+            </a:endParaRPr>
+          </a:p>
+        </p:txBody>
+      </p:sp>
+      <p:sp>
+        <p:nvSpPr>
+          <p:cNvPr id="52" name="CustomShape 10"/>
           <p:cNvSpPr/>
           <p:nvPr/>
         </p:nvSpPr>
         <p:spPr>
           <a:xfrm>
-            <a:off x="970200" y="4330800"/>
-            <a:ext cx="8562960" cy="27033120"/>
-          </a:xfrm>
-          <a:prstGeom prst="rect">
-            <a:avLst/>
-          </a:prstGeom>
-          <a:noFill/>
-          <a:ln>
-            <a:noFill/>
-          </a:ln>
-        </p:spPr>
-        <p:style>
-          <a:lnRef idx="0"/>
-          <a:fillRef idx="0"/>
-          <a:effectRef idx="0"/>
-          <a:fontRef idx="minor"/>
-        </p:style>
-        <p:txBody>
-          <a:bodyPr lIns="90000" rIns="90000" tIns="45000" bIns="45000"/>
-          <a:p>
-            <a:pPr>
-              <a:lnSpc>
-                <a:spcPct val="100000"/>
-              </a:lnSpc>
-            </a:pPr>
-            <a:r>
-              <a:rPr b="1" lang="en-US" sz="4400" spc="-1" strike="noStrike">
-                <a:solidFill>
-                  <a:srgbClr val="ff6600"/>
-                </a:solidFill>
-                <a:uFill>
-                  <a:solidFill>
-                    <a:srgbClr val="ffffff"/>
-                  </a:solidFill>
-                </a:uFill>
-                <a:latin typeface="Trebuchet MS"/>
-              </a:rPr>
-              <a:t>AI REQUIREMENTS</a:t>
-            </a:r>
-            <a:endParaRPr b="0" lang="en-US" sz="1800" spc="-1" strike="noStrike">
-              <a:solidFill>
-                <a:srgbClr val="000000"/>
-              </a:solidFill>
-              <a:uFill>
-                <a:solidFill>
-                  <a:srgbClr val="ffffff"/>
-                </a:solidFill>
-              </a:uFill>
-              <a:latin typeface="Arial"/>
-            </a:endParaRPr>
-          </a:p>
-          <a:p>
-            <a:pPr>
-              <a:lnSpc>
-                <a:spcPct val="100000"/>
-              </a:lnSpc>
-            </a:pPr>
-            <a:r>
-              <a:rPr b="0" lang="en-US" sz="4000" spc="-1" strike="noStrike">
-                <a:solidFill>
-                  <a:srgbClr val="000000"/>
-                </a:solidFill>
-                <a:uFill>
-                  <a:solidFill>
-                    <a:srgbClr val="ffffff"/>
-                  </a:solidFill>
-                </a:uFill>
-                <a:latin typeface="Trebuchet MS"/>
-              </a:rPr>
-              <a:t>Body. Lorem ipsum dolor sit amet, consectetur adipiscing elit. Etiam tristique consequat laoreet. Nunc fermentum pulvinar ornare. Fusce ac nunc in leo blandit sagittis fermentum eu sem. Curabitur ligula odio, facilisis in tincidunt vel, scelerisque quis nulla. Vivamus interdum magna quis mauris facilisis ornare. Nunc eget lectus massa, quis ullamcorper libero. Pellentesque habitant morbi tristique senectus et netus et malesuada fames ac turpis </a:t>
-            </a:r>
-            <a:r>
-              <a:rPr b="0" lang="en-US" sz="3600" spc="-1" strike="noStrike">
-                <a:solidFill>
-                  <a:srgbClr val="000000"/>
-                </a:solidFill>
-                <a:uFill>
-                  <a:solidFill>
-                    <a:srgbClr val="ffffff"/>
-                  </a:solidFill>
-                </a:uFill>
-                <a:latin typeface="Trebuchet MS"/>
-              </a:rPr>
-              <a:t> </a:t>
-            </a:r>
-            <a:endParaRPr b="0" lang="en-US" sz="1800" spc="-1" strike="noStrike">
-              <a:solidFill>
-                <a:srgbClr val="000000"/>
-              </a:solidFill>
-              <a:uFill>
-                <a:solidFill>
-                  <a:srgbClr val="ffffff"/>
-                </a:solidFill>
-              </a:uFill>
-              <a:latin typeface="Arial"/>
-            </a:endParaRPr>
-          </a:p>
-          <a:p>
-            <a:pPr>
-              <a:lnSpc>
-                <a:spcPct val="100000"/>
-              </a:lnSpc>
-            </a:pPr>
-            <a:endParaRPr b="0" lang="en-US" sz="1800" spc="-1" strike="noStrike">
-              <a:solidFill>
-                <a:srgbClr val="000000"/>
-              </a:solidFill>
-              <a:uFill>
-                <a:solidFill>
-                  <a:srgbClr val="ffffff"/>
-                </a:solidFill>
-              </a:uFill>
-              <a:latin typeface="Arial"/>
-            </a:endParaRPr>
-          </a:p>
-          <a:p>
-            <a:pPr>
-              <a:lnSpc>
-                <a:spcPct val="100000"/>
-              </a:lnSpc>
-            </a:pPr>
-            <a:r>
-              <a:rPr b="1" lang="en-US" sz="4400" spc="-1" strike="noStrike">
-                <a:solidFill>
-                  <a:srgbClr val="ff6600"/>
-                </a:solidFill>
-                <a:uFill>
-                  <a:solidFill>
-                    <a:srgbClr val="ffffff"/>
-                  </a:solidFill>
-                </a:uFill>
-                <a:latin typeface="Trebuchet MS"/>
-              </a:rPr>
-              <a:t>DESIGN CHOICES</a:t>
-            </a:r>
-            <a:endParaRPr b="0" lang="en-US" sz="1800" spc="-1" strike="noStrike">
-              <a:solidFill>
-                <a:srgbClr val="000000"/>
-              </a:solidFill>
-              <a:uFill>
-                <a:solidFill>
-                  <a:srgbClr val="ffffff"/>
-                </a:solidFill>
-              </a:uFill>
-              <a:latin typeface="Arial"/>
-            </a:endParaRPr>
-          </a:p>
-          <a:p>
-            <a:pPr>
-              <a:lnSpc>
-                <a:spcPct val="100000"/>
-              </a:lnSpc>
-            </a:pPr>
-            <a:r>
-              <a:rPr b="0" lang="en-US" sz="4000" spc="-1" strike="noStrike">
-                <a:solidFill>
-                  <a:srgbClr val="000000"/>
-                </a:solidFill>
-                <a:uFill>
-                  <a:solidFill>
-                    <a:srgbClr val="ffffff"/>
-                  </a:solidFill>
-                </a:uFill>
-                <a:latin typeface="Trebuchet MS"/>
-              </a:rPr>
-              <a:t>Urna aliquet mattis. Nunc quis enim lorem, aliquam consectetur justo. Ut interdum facilisis ante luctus tincidunt. Aenean vitae sapien nulla, sed dictum dui. Morbi diam lectus, porta id malesuada eu, consequat a ante. Nullam vitae varius est. Vivamus ac libero ut arcu accumsan convallis vitae vel leo</a:t>
-            </a:r>
-            <a:endParaRPr b="0" lang="en-US" sz="1800" spc="-1" strike="noStrike">
-              <a:solidFill>
-                <a:srgbClr val="000000"/>
-              </a:solidFill>
-              <a:uFill>
-                <a:solidFill>
-                  <a:srgbClr val="ffffff"/>
-                </a:solidFill>
-              </a:uFill>
-              <a:latin typeface="Arial"/>
-            </a:endParaRPr>
-          </a:p>
-          <a:p>
-            <a:pPr>
-              <a:lnSpc>
-                <a:spcPct val="100000"/>
-              </a:lnSpc>
-            </a:pPr>
-            <a:r>
-              <a:rPr b="0" lang="en-US" sz="3000" spc="-1" strike="noStrike">
-                <a:solidFill>
-                  <a:srgbClr val="000000"/>
-                </a:solidFill>
-                <a:uFill>
-                  <a:solidFill>
-                    <a:srgbClr val="ffffff"/>
-                  </a:solidFill>
-                </a:uFill>
-                <a:latin typeface="Trebuchet MS"/>
-              </a:rPr>
-              <a:t>. </a:t>
-            </a:r>
-            <a:endParaRPr b="0" lang="en-US" sz="1800" spc="-1" strike="noStrike">
-              <a:solidFill>
-                <a:srgbClr val="000000"/>
-              </a:solidFill>
-              <a:uFill>
-                <a:solidFill>
-                  <a:srgbClr val="ffffff"/>
-                </a:solidFill>
-              </a:uFill>
-              <a:latin typeface="Arial"/>
-            </a:endParaRPr>
-          </a:p>
-        </p:txBody>
-      </p:sp>
-      <p:sp>
-        <p:nvSpPr>
-          <p:cNvPr id="51" name="CustomShape 7"/>
-          <p:cNvSpPr/>
-          <p:nvPr/>
-        </p:nvSpPr>
-        <p:spPr>
-          <a:xfrm>
-            <a:off x="982800" y="2820960"/>
-            <a:ext cx="8550360" cy="2103840"/>
-          </a:xfrm>
-          <a:prstGeom prst="rect">
-            <a:avLst/>
-          </a:prstGeom>
-          <a:noFill/>
-          <a:ln>
-            <a:noFill/>
-          </a:ln>
-        </p:spPr>
-        <p:style>
-          <a:lnRef idx="0"/>
-          <a:fillRef idx="0"/>
-          <a:effectRef idx="0"/>
-          <a:fontRef idx="minor"/>
-        </p:style>
-        <p:txBody>
-          <a:bodyPr lIns="0" rIns="0" tIns="0" bIns="0"/>
-          <a:p>
-            <a:pPr>
-              <a:lnSpc>
-                <a:spcPct val="100000"/>
-              </a:lnSpc>
-            </a:pPr>
-            <a:r>
-              <a:rPr b="0" lang="en-US" sz="5400" spc="-1" strike="noStrike">
-                <a:solidFill>
-                  <a:srgbClr val="000000"/>
-                </a:solidFill>
-                <a:uFill>
-                  <a:solidFill>
-                    <a:srgbClr val="ffffff"/>
-                  </a:solidFill>
-                </a:uFill>
-                <a:latin typeface="Trebuchet MS"/>
-              </a:rPr>
-              <a:t>The Learning  Algorithm</a:t>
-            </a:r>
-            <a:endParaRPr b="0" lang="en-US" sz="15300" spc="-1" strike="noStrike">
-              <a:solidFill>
-                <a:srgbClr val="000000"/>
-              </a:solidFill>
-              <a:uFill>
-                <a:solidFill>
-                  <a:srgbClr val="ffffff"/>
-                </a:solidFill>
-              </a:uFill>
-              <a:latin typeface="Arial"/>
-            </a:endParaRPr>
-          </a:p>
-        </p:txBody>
-      </p:sp>
-      <p:sp>
-        <p:nvSpPr>
-          <p:cNvPr id="52" name="CustomShape 8"/>
-          <p:cNvSpPr/>
-          <p:nvPr/>
-        </p:nvSpPr>
-        <p:spPr>
-          <a:xfrm>
-            <a:off x="32527800" y="14371560"/>
-            <a:ext cx="8552160" cy="2146320"/>
-          </a:xfrm>
-          <a:prstGeom prst="rect">
-            <a:avLst/>
-          </a:prstGeom>
-          <a:noFill/>
-          <a:ln>
-            <a:noFill/>
-          </a:ln>
-        </p:spPr>
-        <p:style>
-          <a:lnRef idx="0"/>
-          <a:fillRef idx="0"/>
-          <a:effectRef idx="0"/>
-          <a:fontRef idx="minor"/>
-        </p:style>
-      </p:sp>
-      <p:sp>
-        <p:nvSpPr>
-          <p:cNvPr id="53" name="CustomShape 9"/>
-          <p:cNvSpPr/>
-          <p:nvPr/>
-        </p:nvSpPr>
-        <p:spPr>
-          <a:xfrm>
-            <a:off x="32527800" y="14904720"/>
-            <a:ext cx="8552160" cy="10091160"/>
-          </a:xfrm>
-          <a:prstGeom prst="rect">
-            <a:avLst/>
-          </a:prstGeom>
-          <a:noFill/>
-          <a:ln>
-            <a:noFill/>
-          </a:ln>
-        </p:spPr>
-        <p:style>
-          <a:lnRef idx="0"/>
-          <a:fillRef idx="0"/>
-          <a:effectRef idx="0"/>
-          <a:fontRef idx="minor"/>
-        </p:style>
-        <p:txBody>
-          <a:bodyPr lIns="90000" rIns="90000" tIns="45000" bIns="45000"/>
-          <a:p>
-            <a:pPr>
-              <a:lnSpc>
-                <a:spcPct val="100000"/>
-              </a:lnSpc>
-            </a:pPr>
-            <a:r>
-              <a:rPr b="1" lang="en-US" sz="4400" spc="-1" strike="noStrike">
-                <a:solidFill>
-                  <a:srgbClr val="f37321"/>
-                </a:solidFill>
-                <a:uFill>
-                  <a:solidFill>
-                    <a:srgbClr val="ffffff"/>
-                  </a:solidFill>
-                </a:uFill>
-                <a:latin typeface="Trebuchet MS"/>
-              </a:rPr>
-              <a:t>BUSINESS APPLICATIONS</a:t>
-            </a:r>
-            <a:endParaRPr b="0" lang="en-US" sz="1800" spc="-1" strike="noStrike">
-              <a:solidFill>
-                <a:srgbClr val="000000"/>
-              </a:solidFill>
-              <a:uFill>
-                <a:solidFill>
-                  <a:srgbClr val="ffffff"/>
-                </a:solidFill>
-              </a:uFill>
-              <a:latin typeface="Arial"/>
-            </a:endParaRPr>
-          </a:p>
-          <a:p>
-            <a:pPr marL="457200" indent="-456840">
-              <a:lnSpc>
-                <a:spcPct val="100000"/>
-              </a:lnSpc>
-              <a:buClr>
-                <a:srgbClr val="ffffff"/>
-              </a:buClr>
-              <a:buFont typeface="Arial"/>
-              <a:buChar char="•"/>
-            </a:pPr>
-            <a:r>
-              <a:rPr b="0" lang="en-US" sz="4000" spc="-1" strike="noStrike">
-                <a:solidFill>
-                  <a:srgbClr val="ffffff"/>
-                </a:solidFill>
-                <a:uFill>
-                  <a:solidFill>
-                    <a:srgbClr val="ffffff"/>
-                  </a:solidFill>
-                </a:uFill>
-                <a:latin typeface="Trebuchet MS"/>
-              </a:rPr>
-              <a:t>Nullam vehicula luctus augue, rutrum faucibus massa pharetra eu. Nulla facilisi. </a:t>
-            </a:r>
-            <a:endParaRPr b="0" lang="en-US" sz="1800" spc="-1" strike="noStrike">
-              <a:solidFill>
-                <a:srgbClr val="000000"/>
-              </a:solidFill>
-              <a:uFill>
-                <a:solidFill>
-                  <a:srgbClr val="ffffff"/>
-                </a:solidFill>
-              </a:uFill>
-              <a:latin typeface="Arial"/>
-            </a:endParaRPr>
-          </a:p>
-          <a:p>
-            <a:pPr marL="457200" indent="-456840">
-              <a:lnSpc>
-                <a:spcPct val="100000"/>
-              </a:lnSpc>
-              <a:buClr>
-                <a:srgbClr val="ffffff"/>
-              </a:buClr>
-              <a:buFont typeface="Arial"/>
-              <a:buChar char="•"/>
-            </a:pPr>
-            <a:r>
-              <a:rPr b="0" lang="en-US" sz="4000" spc="-1" strike="noStrike">
-                <a:solidFill>
-                  <a:srgbClr val="ffffff"/>
-                </a:solidFill>
-                <a:uFill>
-                  <a:solidFill>
-                    <a:srgbClr val="ffffff"/>
-                  </a:solidFill>
-                </a:uFill>
-                <a:latin typeface="Trebuchet MS"/>
-              </a:rPr>
-              <a:t>Sed posuere gravida felis, sed pulvinar urna suscipit et. Suspendisse diam tortor, mollis eu accumsan eget, elementum id justo. </a:t>
-            </a:r>
-            <a:endParaRPr b="0" lang="en-US" sz="1800" spc="-1" strike="noStrike">
-              <a:solidFill>
-                <a:srgbClr val="000000"/>
-              </a:solidFill>
-              <a:uFill>
-                <a:solidFill>
-                  <a:srgbClr val="ffffff"/>
-                </a:solidFill>
-              </a:uFill>
-              <a:latin typeface="Arial"/>
-            </a:endParaRPr>
-          </a:p>
-          <a:p>
-            <a:pPr marL="457200" indent="-456840">
-              <a:lnSpc>
-                <a:spcPct val="100000"/>
-              </a:lnSpc>
-              <a:buClr>
-                <a:srgbClr val="ffffff"/>
-              </a:buClr>
-              <a:buFont typeface="Arial"/>
-              <a:buChar char="•"/>
-            </a:pPr>
-            <a:r>
-              <a:rPr b="0" lang="en-US" sz="4000" spc="-1" strike="noStrike">
-                <a:solidFill>
-                  <a:srgbClr val="ffffff"/>
-                </a:solidFill>
-                <a:uFill>
-                  <a:solidFill>
-                    <a:srgbClr val="ffffff"/>
-                  </a:solidFill>
-                </a:uFill>
-                <a:latin typeface="Trebuchet MS"/>
-              </a:rPr>
-              <a:t>Vivamus pulvinar varius lacus, vel egestas ligula gravida volutpat. </a:t>
-            </a:r>
-            <a:endParaRPr b="0" lang="en-US" sz="1800" spc="-1" strike="noStrike">
-              <a:solidFill>
-                <a:srgbClr val="000000"/>
-              </a:solidFill>
-              <a:uFill>
-                <a:solidFill>
-                  <a:srgbClr val="ffffff"/>
-                </a:solidFill>
-              </a:uFill>
-              <a:latin typeface="Arial"/>
-            </a:endParaRPr>
-          </a:p>
-          <a:p>
-            <a:pPr marL="457200" indent="-456840">
-              <a:lnSpc>
-                <a:spcPct val="100000"/>
-              </a:lnSpc>
-              <a:buClr>
-                <a:srgbClr val="ffffff"/>
-              </a:buClr>
-              <a:buFont typeface="Arial"/>
-              <a:buChar char="•"/>
-            </a:pPr>
-            <a:r>
-              <a:rPr b="0" lang="en-US" sz="3000" spc="-1" strike="noStrike">
-                <a:solidFill>
-                  <a:srgbClr val="ffffff"/>
-                </a:solidFill>
-                <a:uFill>
-                  <a:solidFill>
-                    <a:srgbClr val="ffffff"/>
-                  </a:solidFill>
-                </a:uFill>
-                <a:latin typeface="Trebuchet MS"/>
-              </a:rPr>
-              <a:t> </a:t>
-            </a:r>
-            <a:endParaRPr b="0" lang="en-US" sz="1800" spc="-1" strike="noStrike">
-              <a:solidFill>
-                <a:srgbClr val="000000"/>
-              </a:solidFill>
-              <a:uFill>
-                <a:solidFill>
-                  <a:srgbClr val="ffffff"/>
-                </a:solidFill>
-              </a:uFill>
-              <a:latin typeface="Arial"/>
-            </a:endParaRPr>
-          </a:p>
-          <a:p>
-            <a:pPr>
-              <a:lnSpc>
-                <a:spcPct val="100000"/>
-              </a:lnSpc>
-            </a:pPr>
-            <a:endParaRPr b="0" lang="en-US" sz="1800" spc="-1" strike="noStrike">
-              <a:solidFill>
-                <a:srgbClr val="000000"/>
-              </a:solidFill>
-              <a:uFill>
-                <a:solidFill>
-                  <a:srgbClr val="ffffff"/>
-                </a:solidFill>
-              </a:uFill>
-              <a:latin typeface="Arial"/>
-            </a:endParaRPr>
-          </a:p>
-        </p:txBody>
-      </p:sp>
-      <p:sp>
-        <p:nvSpPr>
-          <p:cNvPr id="54" name="CustomShape 10"/>
-          <p:cNvSpPr/>
-          <p:nvPr/>
-        </p:nvSpPr>
-        <p:spPr>
-          <a:xfrm>
-            <a:off x="11260440" y="5221440"/>
-            <a:ext cx="9222120" cy="7580160"/>
+            <a:off x="21227400" y="22503600"/>
+            <a:ext cx="9221760" cy="7579800"/>
           </a:xfrm>
           <a:prstGeom prst="rect">
             <a:avLst/>
@@ -3586,107 +3993,34 @@
                   </a:solidFill>
                 </a:uFill>
                 <a:latin typeface="Arial"/>
-              </a:rPr>
-              <a:t>PICTURE OF BETA</a:t>
-            </a:r>
-            <a:endParaRPr b="0" lang="en-US" sz="8400" spc="-1" strike="noStrike">
-              <a:solidFill>
-                <a:srgbClr val="000000"/>
-              </a:solidFill>
-              <a:uFill>
-                <a:solidFill>
-                  <a:srgbClr val="ffffff"/>
-                </a:solidFill>
-              </a:uFill>
-              <a:latin typeface="Arial"/>
-            </a:endParaRPr>
-          </a:p>
-        </p:txBody>
-      </p:sp>
-      <p:sp>
-        <p:nvSpPr>
-          <p:cNvPr id="55" name="CustomShape 11"/>
+                <a:ea typeface="DejaVu Sans"/>
+              </a:rPr>
+              <a:t>INTERFACE SCREENSHOTS</a:t>
+            </a:r>
+            <a:endParaRPr b="0" lang="en-US" sz="1800" spc="-1" strike="noStrike">
+              <a:solidFill>
+                <a:srgbClr val="000000"/>
+              </a:solidFill>
+              <a:uFill>
+                <a:solidFill>
+                  <a:srgbClr val="ffffff"/>
+                </a:solidFill>
+              </a:uFill>
+              <a:latin typeface="Nimbus Sans"/>
+            </a:endParaRPr>
+          </a:p>
+        </p:txBody>
+      </p:sp>
+      <p:sp>
+        <p:nvSpPr>
+          <p:cNvPr id="53" name="CustomShape 11"/>
           <p:cNvSpPr/>
           <p:nvPr/>
         </p:nvSpPr>
         <p:spPr>
           <a:xfrm>
-            <a:off x="21227400" y="22503600"/>
-            <a:ext cx="9222120" cy="7580160"/>
-          </a:xfrm>
-          <a:prstGeom prst="rect">
-            <a:avLst/>
-          </a:prstGeom>
-          <a:solidFill>
-            <a:schemeClr val="accent2">
-              <a:lumMod val="20000"/>
-              <a:lumOff val="80000"/>
-            </a:schemeClr>
-          </a:solidFill>
-          <a:ln>
-            <a:noFill/>
-          </a:ln>
-          <a:effectLst>
-            <a:outerShdw blurRad="40000" dir="5400000" dist="23000" rotWithShape="0">
-              <a:srgbClr val="000000">
-                <a:alpha val="35000"/>
-              </a:srgbClr>
-            </a:outerShdw>
-          </a:effectLst>
-        </p:spPr>
-        <p:style>
-          <a:lnRef idx="1">
-            <a:schemeClr val="accent1"/>
-          </a:lnRef>
-          <a:fillRef idx="3">
-            <a:schemeClr val="accent1"/>
-          </a:fillRef>
-          <a:effectRef idx="2">
-            <a:schemeClr val="accent1"/>
-          </a:effectRef>
-          <a:fontRef idx="minor"/>
-        </p:style>
-        <p:txBody>
-          <a:bodyPr lIns="90000" rIns="90000" tIns="45000" bIns="45000" anchor="ctr"/>
-          <a:p>
-            <a:r>
-              <a:rPr b="0" lang="en-US" sz="8400" spc="-1" strike="noStrike">
-                <a:solidFill>
-                  <a:srgbClr val="000000"/>
-                </a:solidFill>
-                <a:uFill>
-                  <a:solidFill>
-                    <a:srgbClr val="ffffff"/>
-                  </a:solidFill>
-                </a:uFill>
-                <a:latin typeface="Arial"/>
-              </a:rPr>
-              <a:t>INTERFACE SCREENSHOTS</a:t>
-            </a:r>
-            <a:endParaRPr b="0" lang="en-US" sz="8400" spc="-1" strike="noStrike">
-              <a:solidFill>
-                <a:srgbClr val="000000"/>
-              </a:solidFill>
-              <a:uFill>
-                <a:solidFill>
-                  <a:srgbClr val="ffffff"/>
-                </a:solidFill>
-              </a:uFill>
-              <a:latin typeface="Arial"/>
-            </a:endParaRPr>
-          </a:p>
-        </p:txBody>
-      </p:sp>
-      <p:sp>
-        <p:nvSpPr>
-          <p:cNvPr id="56" name="CustomShape 12"/>
-          <p:cNvSpPr/>
-          <p:nvPr/>
-        </p:nvSpPr>
-        <p:spPr>
-          <a:xfrm>
             <a:off x="32735520" y="3200400"/>
-            <a:ext cx="8229600" cy="10241280"/>
+            <a:ext cx="8229240" cy="10240920"/>
           </a:xfrm>
           <a:prstGeom prst="rect">
             <a:avLst/>
@@ -3709,14 +4043,14 @@
       </p:sp>
       <p:sp>
         <p:nvSpPr>
-          <p:cNvPr id="57" name="TextShape 13"/>
-          <p:cNvSpPr txBox="1"/>
+          <p:cNvPr id="54" name="CustomShape 12"/>
+          <p:cNvSpPr/>
           <p:nvPr/>
         </p:nvSpPr>
         <p:spPr>
           <a:xfrm>
             <a:off x="33320160" y="7955280"/>
-            <a:ext cx="7223760" cy="5209560"/>
+            <a:ext cx="7223400" cy="5209200"/>
           </a:xfrm>
           <a:prstGeom prst="rect">
             <a:avLst/>
@@ -3726,6 +4060,12 @@
             <a:noFill/>
           </a:ln>
         </p:spPr>
+        <p:style>
+          <a:lnRef idx="0"/>
+          <a:fillRef idx="0"/>
+          <a:effectRef idx="0"/>
+          <a:fontRef idx="minor"/>
+        </p:style>
         <p:txBody>
           <a:bodyPr lIns="90000" rIns="90000" tIns="45000" bIns="45000"/>
           <a:p>
@@ -3752,7 +4092,7 @@
                   <a:srgbClr val="ffffff"/>
                 </a:solidFill>
               </a:uFill>
-              <a:latin typeface="Arial"/>
+              <a:latin typeface="Nimbus Sans"/>
             </a:endParaRPr>
           </a:p>
           <a:p>
@@ -3779,7 +4119,7 @@
                   <a:srgbClr val="ffffff"/>
                 </a:solidFill>
               </a:uFill>
-              <a:latin typeface="Arial"/>
+              <a:latin typeface="Nimbus Sans"/>
             </a:endParaRPr>
           </a:p>
           <a:p>
@@ -3806,7 +4146,7 @@
                   <a:srgbClr val="ffffff"/>
                 </a:solidFill>
               </a:uFill>
-              <a:latin typeface="Arial"/>
+              <a:latin typeface="Nimbus Sans"/>
             </a:endParaRPr>
           </a:p>
           <a:p>
@@ -3822,6 +4162,33 @@
                 </a:uFill>
                 <a:latin typeface="Arial"/>
               </a:rPr>
+              <a:t>parsura</a:t>
+            </a:r>
+            <a:endParaRPr b="0" lang="en-US" sz="1800" spc="-1" strike="noStrike">
+              <a:solidFill>
+                <a:srgbClr val="000000"/>
+              </a:solidFill>
+              <a:uFill>
+                <a:solidFill>
+                  <a:srgbClr val="ffffff"/>
+                </a:solidFill>
+              </a:uFill>
+              <a:latin typeface="Nimbus Sans"/>
+            </a:endParaRPr>
+          </a:p>
+          <a:p>
+            <a:r>
+              <a:rPr b="0" lang="en-US" sz="3600" spc="-1" strike="noStrike">
+                <a:solidFill>
+                  <a:srgbClr val="000000"/>
+                </a:solidFill>
+                <a:uFill>
+                  <a:solidFill>
+                    <a:srgbClr val="ffffff"/>
+                  </a:solidFill>
+                </a:uFill>
+                <a:latin typeface="Arial"/>
+              </a:rPr>
               <a:t>Connor Yates</a:t>
             </a:r>
             <a:endParaRPr b="0" lang="en-US" sz="1800" spc="-1" strike="noStrike">
@@ -3833,20 +4200,7 @@
                   <a:srgbClr val="ffffff"/>
                 </a:solidFill>
               </a:uFill>
-              <a:latin typeface="Arial"/>
-            </a:endParaRPr>
-          </a:p>
-          <a:p>
-            <a:endParaRPr b="0" lang="en-US" sz="1800" spc="-1" strike="noStrike">
-              <a:solidFill>
-                <a:srgbClr val="000000"/>
-              </a:solidFill>
-              <a:uFill>
-                <a:solidFill>
-                  <a:srgbClr val="ffffff"/>
-                </a:solidFill>
-              </a:uFill>
-              <a:latin typeface="Arial"/>
+              <a:latin typeface="Nimbus Sans"/>
             </a:endParaRPr>
           </a:p>
           <a:p>
@@ -3862,6 +4216,46 @@
                 </a:uFill>
                 <a:latin typeface="Arial"/>
               </a:rPr>
+              <a:t>yatesco@oregonstate.edu</a:t>
+            </a:r>
+            <a:endParaRPr b="0" lang="en-US" sz="1800" spc="-1" strike="noStrike">
+              <a:solidFill>
+                <a:srgbClr val="000000"/>
+              </a:solidFill>
+              <a:uFill>
+                <a:solidFill>
+                  <a:srgbClr val="ffffff"/>
+                </a:solidFill>
+              </a:uFill>
+              <a:latin typeface="Nimbus Sans"/>
+            </a:endParaRPr>
+          </a:p>
+          <a:p>
+            <a:endParaRPr b="0" lang="en-US" sz="1800" spc="-1" strike="noStrike">
+              <a:solidFill>
+                <a:srgbClr val="000000"/>
+              </a:solidFill>
+              <a:uFill>
+                <a:solidFill>
+                  <a:srgbClr val="ffffff"/>
+                </a:solidFill>
+              </a:uFill>
+              <a:latin typeface="Nimbus Sans"/>
+            </a:endParaRPr>
+          </a:p>
+          <a:p>
+            <a:r>
+              <a:rPr b="0" lang="en-US" sz="3600" spc="-1" strike="noStrike">
+                <a:solidFill>
+                  <a:srgbClr val="000000"/>
+                </a:solidFill>
+                <a:uFill>
+                  <a:solidFill>
+                    <a:srgbClr val="ffffff"/>
+                  </a:solidFill>
+                </a:uFill>
+                <a:latin typeface="Arial"/>
+              </a:rPr>
               <a:t>PROJECT MENTOR</a:t>
             </a:r>
             <a:endParaRPr b="0" lang="en-US" sz="1800" spc="-1" strike="noStrike">
@@ -3873,7 +4267,7 @@
                   <a:srgbClr val="ffffff"/>
                 </a:solidFill>
               </a:uFill>
-              <a:latin typeface="Arial"/>
+              <a:latin typeface="Nimbus Sans"/>
             </a:endParaRPr>
           </a:p>
           <a:p>
@@ -3900,20 +4294,20 @@
                   <a:srgbClr val="ffffff"/>
                 </a:solidFill>
               </a:uFill>
-              <a:latin typeface="Arial"/>
-            </a:endParaRPr>
-          </a:p>
-          <a:p>
-            <a:endParaRPr b="0" lang="en-US" sz="1800" spc="-1" strike="noStrike">
-              <a:solidFill>
-                <a:srgbClr val="000000"/>
-              </a:solidFill>
-              <a:uFill>
-                <a:solidFill>
-                  <a:srgbClr val="ffffff"/>
-                </a:solidFill>
-              </a:uFill>
-              <a:latin typeface="Arial"/>
+              <a:latin typeface="Nimbus Sans"/>
+            </a:endParaRPr>
+          </a:p>
+          <a:p>
+            <a:endParaRPr b="0" lang="en-US" sz="1800" spc="-1" strike="noStrike">
+              <a:solidFill>
+                <a:srgbClr val="000000"/>
+              </a:solidFill>
+              <a:uFill>
+                <a:solidFill>
+                  <a:srgbClr val="ffffff"/>
+                </a:solidFill>
+              </a:uFill>
+              <a:latin typeface="Nimbus Sans"/>
             </a:endParaRPr>
           </a:p>
           <a:p>
@@ -3940,7 +4334,7 @@
                   <a:srgbClr val="ffffff"/>
                 </a:solidFill>
               </a:uFill>
-              <a:latin typeface="Arial"/>
+              <a:latin typeface="Nimbus Sans"/>
             </a:endParaRPr>
           </a:p>
           <a:p>
@@ -3967,21 +4361,21 @@
                   <a:srgbClr val="ffffff"/>
                 </a:solidFill>
               </a:uFill>
-              <a:latin typeface="Arial"/>
-            </a:endParaRPr>
-          </a:p>
-        </p:txBody>
-      </p:sp>
-      <p:sp>
-        <p:nvSpPr>
-          <p:cNvPr id="58" name="TextShape 14"/>
-          <p:cNvSpPr txBox="1"/>
+              <a:latin typeface="Nimbus Sans"/>
+            </a:endParaRPr>
+          </a:p>
+        </p:txBody>
+      </p:sp>
+      <p:sp>
+        <p:nvSpPr>
+          <p:cNvPr id="55" name="CustomShape 13"/>
+          <p:cNvSpPr/>
           <p:nvPr/>
         </p:nvSpPr>
         <p:spPr>
           <a:xfrm>
             <a:off x="33375600" y="5088240"/>
-            <a:ext cx="6949440" cy="855360"/>
+            <a:ext cx="6949080" cy="855000"/>
           </a:xfrm>
           <a:prstGeom prst="rect">
             <a:avLst/>
@@ -3991,6 +4385,12 @@
             <a:noFill/>
           </a:ln>
         </p:spPr>
+        <p:style>
+          <a:lnRef idx="0"/>
+          <a:fillRef idx="0"/>
+          <a:effectRef idx="0"/>
+          <a:fontRef idx="minor"/>
+        </p:style>
         <p:txBody>
           <a:bodyPr lIns="90000" rIns="90000" tIns="45000" bIns="45000"/>
           <a:p>
@@ -4017,7 +4417,80 @@
                   <a:srgbClr val="ffffff"/>
                 </a:solidFill>
               </a:uFill>
-              <a:latin typeface="Arial"/>
+              <a:latin typeface="Nimbus Sans"/>
+            </a:endParaRPr>
+          </a:p>
+        </p:txBody>
+      </p:sp>
+      <p:pic>
+        <p:nvPicPr>
+          <p:cNvPr id="56" name="" descr=""/>
+          <p:cNvPicPr/>
+          <p:nvPr/>
+        </p:nvPicPr>
+        <p:blipFill>
+          <a:blip r:embed="rId1"/>
+          <a:stretch/>
+        </p:blipFill>
+        <p:spPr>
+          <a:xfrm>
+            <a:off x="279000" y="10515600"/>
+            <a:ext cx="10236600" cy="7680960"/>
+          </a:xfrm>
+          <a:prstGeom prst="rect">
+            <a:avLst/>
+          </a:prstGeom>
+          <a:ln>
+            <a:noFill/>
+          </a:ln>
+        </p:spPr>
+      </p:pic>
+      <p:sp>
+        <p:nvSpPr>
+          <p:cNvPr id="57" name="TextShape 14"/>
+          <p:cNvSpPr txBox="1"/>
+          <p:nvPr/>
+        </p:nvSpPr>
+        <p:spPr>
+          <a:xfrm>
+            <a:off x="1005840" y="18430920"/>
+            <a:ext cx="8778240" cy="1228680"/>
+          </a:xfrm>
+          <a:prstGeom prst="rect">
+            <a:avLst/>
+          </a:prstGeom>
+          <a:noFill/>
+          <a:ln>
+            <a:noFill/>
+          </a:ln>
+        </p:spPr>
+        <p:txBody>
+          <a:bodyPr lIns="90000" rIns="90000" tIns="45000" bIns="45000"/>
+          <a:p>
+            <a:r>
+              <a:rPr b="0" lang="en-US" sz="3000" spc="-1" strike="noStrike">
+                <a:solidFill>
+                  <a:srgbClr val="000000"/>
+                </a:solidFill>
+                <a:uFill>
+                  <a:solidFill>
+                    <a:srgbClr val="ffffff"/>
+                  </a:solidFill>
+                </a:uFill>
+                <a:latin typeface="Nimbus Sans"/>
+              </a:rPr>
+              <a:t>Figure 1: A flowchart providing a high-level description on how the user feedback is incorporated into the decision-making process.</a:t>
+            </a:r>
+            <a:endParaRPr b="0" lang="en-US" sz="3000" spc="-1" strike="noStrike">
+              <a:solidFill>
+                <a:srgbClr val="000000"/>
+              </a:solidFill>
+              <a:uFill>
+                <a:solidFill>
+                  <a:srgbClr val="ffffff"/>
+                </a:solidFill>
+              </a:uFill>
+              <a:latin typeface="Nimbus Sans"/>
             </a:endParaRPr>
           </a:p>
         </p:txBody>

--- a/docs/expo_poster/ResearchShowcasePoster_EECS_2017.pptx
+++ b/docs/expo_poster/ResearchShowcasePoster_EECS_2017.pptx
@@ -34,7 +34,7 @@
       </p:grpSpPr>
       <p:sp>
         <p:nvSpPr>
-          <p:cNvPr id="38" name="PlaceHolder 1"/>
+          <p:cNvPr id="37" name="PlaceHolder 1"/>
           <p:cNvSpPr>
             <a:spLocks noGrp="1"/>
           </p:cNvSpPr>
@@ -64,7 +64,7 @@
                     <a:srgbClr val="ffffff"/>
                   </a:solidFill>
                 </a:uFill>
-                <a:latin typeface="Nimbus Sans"/>
+                <a:latin typeface="Arial"/>
               </a:rPr>
               <a:t>Click to edit the notes format</a:t>
             </a:r>
@@ -77,14 +77,14 @@
                   <a:srgbClr val="ffffff"/>
                 </a:solidFill>
               </a:uFill>
-              <a:latin typeface="Nimbus Sans"/>
+              <a:latin typeface="Arial"/>
             </a:endParaRPr>
           </a:p>
         </p:txBody>
       </p:sp>
       <p:sp>
         <p:nvSpPr>
-          <p:cNvPr id="39" name="PlaceHolder 2"/>
+          <p:cNvPr id="38" name="PlaceHolder 2"/>
           <p:cNvSpPr>
             <a:spLocks noGrp="1"/>
           </p:cNvSpPr>
@@ -114,9 +114,9 @@
                     <a:srgbClr val="ffffff"/>
                   </a:solidFill>
                 </a:uFill>
-                <a:latin typeface="Nimbus Roman"/>
-              </a:rPr>
-              <a:t>&lt;header&gt;</a:t>
+                <a:latin typeface="Times New Roman"/>
+              </a:rPr>
+              <a:t> </a:t>
             </a:r>
             <a:endParaRPr b="0" lang="en-US" sz="1400" spc="-1" strike="noStrike">
               <a:solidFill>
@@ -127,14 +127,14 @@
                   <a:srgbClr val="ffffff"/>
                 </a:solidFill>
               </a:uFill>
-              <a:latin typeface="Nimbus Roman"/>
+              <a:latin typeface="Times New Roman"/>
             </a:endParaRPr>
           </a:p>
         </p:txBody>
       </p:sp>
       <p:sp>
         <p:nvSpPr>
-          <p:cNvPr id="40" name="PlaceHolder 3"/>
+          <p:cNvPr id="39" name="PlaceHolder 3"/>
           <p:cNvSpPr>
             <a:spLocks noGrp="1"/>
           </p:cNvSpPr>
@@ -165,9 +165,9 @@
                     <a:srgbClr val="ffffff"/>
                   </a:solidFill>
                 </a:uFill>
-                <a:latin typeface="Nimbus Roman"/>
-              </a:rPr>
-              <a:t>&lt;date/time&gt;</a:t>
+                <a:latin typeface="Times New Roman"/>
+              </a:rPr>
+              <a:t> </a:t>
             </a:r>
             <a:endParaRPr b="0" lang="en-US" sz="1400" spc="-1" strike="noStrike">
               <a:solidFill>
@@ -178,14 +178,14 @@
                   <a:srgbClr val="ffffff"/>
                 </a:solidFill>
               </a:uFill>
-              <a:latin typeface="Nimbus Roman"/>
+              <a:latin typeface="Times New Roman"/>
             </a:endParaRPr>
           </a:p>
         </p:txBody>
       </p:sp>
       <p:sp>
         <p:nvSpPr>
-          <p:cNvPr id="41" name="PlaceHolder 4"/>
+          <p:cNvPr id="40" name="PlaceHolder 4"/>
           <p:cNvSpPr>
             <a:spLocks noGrp="1"/>
           </p:cNvSpPr>
@@ -215,9 +215,9 @@
                     <a:srgbClr val="ffffff"/>
                   </a:solidFill>
                 </a:uFill>
-                <a:latin typeface="Nimbus Roman"/>
-              </a:rPr>
-              <a:t>&lt;footer&gt;</a:t>
+                <a:latin typeface="Times New Roman"/>
+              </a:rPr>
+              <a:t> </a:t>
             </a:r>
             <a:endParaRPr b="0" lang="en-US" sz="1400" spc="-1" strike="noStrike">
               <a:solidFill>
@@ -228,14 +228,14 @@
                   <a:srgbClr val="ffffff"/>
                 </a:solidFill>
               </a:uFill>
-              <a:latin typeface="Nimbus Roman"/>
+              <a:latin typeface="Times New Roman"/>
             </a:endParaRPr>
           </a:p>
         </p:txBody>
       </p:sp>
       <p:sp>
         <p:nvSpPr>
-          <p:cNvPr id="42" name="PlaceHolder 5"/>
+          <p:cNvPr id="41" name="PlaceHolder 5"/>
           <p:cNvSpPr>
             <a:spLocks noGrp="1"/>
           </p:cNvSpPr>
@@ -256,7 +256,7 @@
           <a:bodyPr lIns="0" rIns="0" tIns="0" bIns="0" anchor="b"/>
           <a:p>
             <a:pPr algn="r"/>
-            <a:fld id="{758C14A8-8F4A-4385-B1EC-E26469D99C1B}" type="slidenum">
+            <a:fld id="{364CF29C-95F4-401C-ADDA-54B59962B006}" type="slidenum">
               <a:rPr b="0" lang="en-US" sz="1400" spc="-1" strike="noStrike">
                 <a:solidFill>
                   <a:srgbClr val="000000"/>
@@ -266,9 +266,9 @@
                     <a:srgbClr val="ffffff"/>
                   </a:solidFill>
                 </a:uFill>
-                <a:latin typeface="Nimbus Roman"/>
-              </a:rPr>
-              <a:t>&lt;number&gt;</a:t>
+                <a:latin typeface="Times New Roman"/>
+              </a:rPr>
+              <a:t>1</a:t>
             </a:fld>
             <a:endParaRPr b="0" lang="en-US" sz="1400" spc="-1" strike="noStrike">
               <a:solidFill>
@@ -279,7 +279,7 @@
                   <a:srgbClr val="ffffff"/>
                 </a:solidFill>
               </a:uFill>
-              <a:latin typeface="Nimbus Roman"/>
+              <a:latin typeface="Times New Roman"/>
             </a:endParaRPr>
           </a:p>
         </p:txBody>
@@ -309,7 +309,7 @@
       </p:grpSpPr>
       <p:sp>
         <p:nvSpPr>
-          <p:cNvPr id="58" name="PlaceHolder 1"/>
+          <p:cNvPr id="57" name="PlaceHolder 1"/>
           <p:cNvSpPr>
             <a:spLocks noGrp="1"/>
           </p:cNvSpPr>
@@ -320,7 +320,7 @@
         <p:spPr>
           <a:xfrm>
             <a:off x="685800" y="4343400"/>
-            <a:ext cx="5485680" cy="4114080"/>
+            <a:ext cx="5485320" cy="4113720"/>
           </a:xfrm>
           <a:prstGeom prst="rect">
             <a:avLst/>
@@ -338,21 +338,21 @@
                   <a:srgbClr val="ffffff"/>
                 </a:solidFill>
               </a:uFill>
-              <a:latin typeface="Nimbus Sans"/>
+              <a:latin typeface="Arial"/>
             </a:endParaRPr>
           </a:p>
         </p:txBody>
       </p:sp>
       <p:sp>
         <p:nvSpPr>
-          <p:cNvPr id="59" name="CustomShape 2"/>
+          <p:cNvPr id="58" name="CustomShape 2"/>
           <p:cNvSpPr/>
           <p:nvPr/>
         </p:nvSpPr>
         <p:spPr>
           <a:xfrm>
             <a:off x="3884760" y="8685360"/>
-            <a:ext cx="2971080" cy="456480"/>
+            <a:ext cx="2970720" cy="456120"/>
           </a:xfrm>
           <a:prstGeom prst="rect">
             <a:avLst/>
@@ -376,7 +376,7 @@
                 <a:spcPct val="100000"/>
               </a:lnSpc>
             </a:pPr>
-            <a:fld id="{2D08EB97-37A3-4B93-821F-5B51EC61B512}" type="slidenum">
+            <a:fld id="{561CC6EF-1F79-4EF8-9AB6-A2AEE090934D}" type="slidenum">
               <a:rPr b="0" lang="en-US" sz="1200" spc="-1" strike="noStrike">
                 <a:solidFill>
                   <a:srgbClr val="000000"/>
@@ -400,7 +400,7 @@
                   <a:srgbClr val="ffffff"/>
                 </a:solidFill>
               </a:uFill>
-              <a:latin typeface="Nimbus Sans"/>
+              <a:latin typeface="Arial"/>
             </a:endParaRPr>
           </a:p>
         </p:txBody>
@@ -451,7 +451,7 @@
       </p:grpSpPr>
       <p:sp>
         <p:nvSpPr>
-          <p:cNvPr id="23" name="PlaceHolder 1"/>
+          <p:cNvPr id="24" name="PlaceHolder 1"/>
           <p:cNvSpPr>
             <a:spLocks noGrp="1"/>
           </p:cNvSpPr>
@@ -462,7 +462,7 @@
         <p:spPr>
           <a:xfrm>
             <a:off x="3154680" y="10083960"/>
-            <a:ext cx="35752320" cy="6957360"/>
+            <a:ext cx="35751960" cy="6957000"/>
           </a:xfrm>
           <a:prstGeom prst="rect">
             <a:avLst/>
@@ -481,14 +481,14 @@
                   <a:srgbClr val="ffffff"/>
                 </a:solidFill>
               </a:uFill>
-              <a:latin typeface="Nimbus Sans"/>
+              <a:latin typeface="Arial"/>
             </a:endParaRPr>
           </a:p>
         </p:txBody>
       </p:sp>
       <p:sp>
         <p:nvSpPr>
-          <p:cNvPr id="24" name="PlaceHolder 2"/>
+          <p:cNvPr id="25" name="PlaceHolder 2"/>
           <p:cNvSpPr>
             <a:spLocks noGrp="1"/>
           </p:cNvSpPr>
@@ -499,7 +499,7 @@
         <p:spPr>
           <a:xfrm>
             <a:off x="2103120" y="7595640"/>
-            <a:ext cx="37855800" cy="8980200"/>
+            <a:ext cx="37855440" cy="8980200"/>
           </a:xfrm>
           <a:prstGeom prst="rect">
             <a:avLst/>
@@ -517,14 +517,14 @@
                   <a:srgbClr val="ffffff"/>
                 </a:solidFill>
               </a:uFill>
-              <a:latin typeface="Nimbus Sans"/>
+              <a:latin typeface="Arial"/>
             </a:endParaRPr>
           </a:p>
         </p:txBody>
       </p:sp>
       <p:sp>
         <p:nvSpPr>
-          <p:cNvPr id="25" name="PlaceHolder 3"/>
+          <p:cNvPr id="26" name="PlaceHolder 3"/>
           <p:cNvSpPr>
             <a:spLocks noGrp="1"/>
           </p:cNvSpPr>
@@ -535,7 +535,7 @@
         <p:spPr>
           <a:xfrm>
             <a:off x="2103120" y="17429400"/>
-            <a:ext cx="37855800" cy="8980200"/>
+            <a:ext cx="37855440" cy="8980200"/>
           </a:xfrm>
           <a:prstGeom prst="rect">
             <a:avLst/>
@@ -553,7 +553,7 @@
                   <a:srgbClr val="ffffff"/>
                 </a:solidFill>
               </a:uFill>
-              <a:latin typeface="Nimbus Sans"/>
+              <a:latin typeface="Arial"/>
             </a:endParaRPr>
           </a:p>
         </p:txBody>
@@ -582,7 +582,7 @@
       </p:grpSpPr>
       <p:sp>
         <p:nvSpPr>
-          <p:cNvPr id="26" name="PlaceHolder 1"/>
+          <p:cNvPr id="27" name="PlaceHolder 1"/>
           <p:cNvSpPr>
             <a:spLocks noGrp="1"/>
           </p:cNvSpPr>
@@ -593,7 +593,7 @@
         <p:spPr>
           <a:xfrm>
             <a:off x="3154680" y="10083960"/>
-            <a:ext cx="35752320" cy="6957360"/>
+            <a:ext cx="35751960" cy="6957000"/>
           </a:xfrm>
           <a:prstGeom prst="rect">
             <a:avLst/>
@@ -612,14 +612,14 @@
                   <a:srgbClr val="ffffff"/>
                 </a:solidFill>
               </a:uFill>
-              <a:latin typeface="Nimbus Sans"/>
+              <a:latin typeface="Arial"/>
             </a:endParaRPr>
           </a:p>
         </p:txBody>
       </p:sp>
       <p:sp>
         <p:nvSpPr>
-          <p:cNvPr id="27" name="PlaceHolder 2"/>
+          <p:cNvPr id="28" name="PlaceHolder 2"/>
           <p:cNvSpPr>
             <a:spLocks noGrp="1"/>
           </p:cNvSpPr>
@@ -648,14 +648,14 @@
                   <a:srgbClr val="ffffff"/>
                 </a:solidFill>
               </a:uFill>
-              <a:latin typeface="Nimbus Sans"/>
+              <a:latin typeface="Arial"/>
             </a:endParaRPr>
           </a:p>
         </p:txBody>
       </p:sp>
       <p:sp>
         <p:nvSpPr>
-          <p:cNvPr id="28" name="PlaceHolder 3"/>
+          <p:cNvPr id="29" name="PlaceHolder 3"/>
           <p:cNvSpPr>
             <a:spLocks noGrp="1"/>
           </p:cNvSpPr>
@@ -684,14 +684,14 @@
                   <a:srgbClr val="ffffff"/>
                 </a:solidFill>
               </a:uFill>
-              <a:latin typeface="Nimbus Sans"/>
+              <a:latin typeface="Arial"/>
             </a:endParaRPr>
           </a:p>
         </p:txBody>
       </p:sp>
       <p:sp>
         <p:nvSpPr>
-          <p:cNvPr id="29" name="PlaceHolder 4"/>
+          <p:cNvPr id="30" name="PlaceHolder 4"/>
           <p:cNvSpPr>
             <a:spLocks noGrp="1"/>
           </p:cNvSpPr>
@@ -720,14 +720,14 @@
                   <a:srgbClr val="ffffff"/>
                 </a:solidFill>
               </a:uFill>
-              <a:latin typeface="Nimbus Sans"/>
+              <a:latin typeface="Arial"/>
             </a:endParaRPr>
           </a:p>
         </p:txBody>
       </p:sp>
       <p:sp>
         <p:nvSpPr>
-          <p:cNvPr id="30" name="PlaceHolder 5"/>
+          <p:cNvPr id="31" name="PlaceHolder 5"/>
           <p:cNvSpPr>
             <a:spLocks noGrp="1"/>
           </p:cNvSpPr>
@@ -756,7 +756,7 @@
                   <a:srgbClr val="ffffff"/>
                 </a:solidFill>
               </a:uFill>
-              <a:latin typeface="Nimbus Sans"/>
+              <a:latin typeface="Arial"/>
             </a:endParaRPr>
           </a:p>
         </p:txBody>
@@ -785,7 +785,7 @@
       </p:grpSpPr>
       <p:sp>
         <p:nvSpPr>
-          <p:cNvPr id="31" name="PlaceHolder 1"/>
+          <p:cNvPr id="32" name="PlaceHolder 1"/>
           <p:cNvSpPr>
             <a:spLocks noGrp="1"/>
           </p:cNvSpPr>
@@ -796,7 +796,7 @@
         <p:spPr>
           <a:xfrm>
             <a:off x="3154680" y="10083960"/>
-            <a:ext cx="35752320" cy="6957360"/>
+            <a:ext cx="35751960" cy="6957000"/>
           </a:xfrm>
           <a:prstGeom prst="rect">
             <a:avLst/>
@@ -815,14 +815,14 @@
                   <a:srgbClr val="ffffff"/>
                 </a:solidFill>
               </a:uFill>
-              <a:latin typeface="Nimbus Sans"/>
+              <a:latin typeface="Arial"/>
             </a:endParaRPr>
           </a:p>
         </p:txBody>
       </p:sp>
       <p:sp>
         <p:nvSpPr>
-          <p:cNvPr id="32" name="PlaceHolder 2"/>
+          <p:cNvPr id="33" name="PlaceHolder 2"/>
           <p:cNvSpPr>
             <a:spLocks noGrp="1"/>
           </p:cNvSpPr>
@@ -833,7 +833,7 @@
         <p:spPr>
           <a:xfrm>
             <a:off x="2103120" y="7595640"/>
-            <a:ext cx="12189240" cy="8980200"/>
+            <a:ext cx="37855440" cy="18826560"/>
           </a:xfrm>
           <a:prstGeom prst="rect">
             <a:avLst/>
@@ -851,14 +851,14 @@
                   <a:srgbClr val="ffffff"/>
                 </a:solidFill>
               </a:uFill>
-              <a:latin typeface="Nimbus Sans"/>
+              <a:latin typeface="Arial"/>
             </a:endParaRPr>
           </a:p>
         </p:txBody>
       </p:sp>
       <p:sp>
         <p:nvSpPr>
-          <p:cNvPr id="33" name="PlaceHolder 3"/>
+          <p:cNvPr id="34" name="PlaceHolder 3"/>
           <p:cNvSpPr>
             <a:spLocks noGrp="1"/>
           </p:cNvSpPr>
@@ -868,8 +868,8 @@
         </p:nvSpPr>
         <p:spPr>
           <a:xfrm>
-            <a:off x="14902200" y="7595640"/>
-            <a:ext cx="12189240" cy="8980200"/>
+            <a:off x="2103120" y="7595640"/>
+            <a:ext cx="37855440" cy="18826560"/>
           </a:xfrm>
           <a:prstGeom prst="rect">
             <a:avLst/>
@@ -887,155 +887,57 @@
                   <a:srgbClr val="ffffff"/>
                 </a:solidFill>
               </a:uFill>
-              <a:latin typeface="Nimbus Sans"/>
+              <a:latin typeface="Arial"/>
             </a:endParaRPr>
           </a:p>
         </p:txBody>
       </p:sp>
-      <p:sp>
-        <p:nvSpPr>
-          <p:cNvPr id="34" name="PlaceHolder 4"/>
-          <p:cNvSpPr>
-            <a:spLocks noGrp="1"/>
-          </p:cNvSpPr>
-          <p:nvPr>
-            <p:ph type="body"/>
-          </p:nvPr>
-        </p:nvSpPr>
-        <p:spPr>
-          <a:xfrm>
-            <a:off x="27701280" y="7595640"/>
-            <a:ext cx="12189240" cy="8980200"/>
-          </a:xfrm>
-          <a:prstGeom prst="rect">
-            <a:avLst/>
-          </a:prstGeom>
-        </p:spPr>
-        <p:txBody>
-          <a:bodyPr lIns="0" rIns="0" tIns="0" bIns="0"/>
-          <a:p>
-            <a:endParaRPr b="0" lang="en-US" sz="3200" spc="-1" strike="noStrike">
-              <a:solidFill>
-                <a:srgbClr val="000000"/>
-              </a:solidFill>
-              <a:uFill>
-                <a:solidFill>
-                  <a:srgbClr val="ffffff"/>
-                </a:solidFill>
-              </a:uFill>
-              <a:latin typeface="Nimbus Sans"/>
-            </a:endParaRPr>
-          </a:p>
-        </p:txBody>
-      </p:sp>
-      <p:sp>
-        <p:nvSpPr>
-          <p:cNvPr id="35" name="PlaceHolder 5"/>
-          <p:cNvSpPr>
-            <a:spLocks noGrp="1"/>
-          </p:cNvSpPr>
-          <p:nvPr>
-            <p:ph type="body"/>
-          </p:nvPr>
-        </p:nvSpPr>
-        <p:spPr>
-          <a:xfrm>
-            <a:off x="27701280" y="17429400"/>
-            <a:ext cx="12189240" cy="8980200"/>
-          </a:xfrm>
-          <a:prstGeom prst="rect">
-            <a:avLst/>
-          </a:prstGeom>
-        </p:spPr>
-        <p:txBody>
-          <a:bodyPr lIns="0" rIns="0" tIns="0" bIns="0"/>
-          <a:p>
-            <a:endParaRPr b="0" lang="en-US" sz="3200" spc="-1" strike="noStrike">
-              <a:solidFill>
-                <a:srgbClr val="000000"/>
-              </a:solidFill>
-              <a:uFill>
-                <a:solidFill>
-                  <a:srgbClr val="ffffff"/>
-                </a:solidFill>
-              </a:uFill>
-              <a:latin typeface="Nimbus Sans"/>
-            </a:endParaRPr>
-          </a:p>
-        </p:txBody>
-      </p:sp>
-      <p:sp>
-        <p:nvSpPr>
-          <p:cNvPr id="36" name="PlaceHolder 6"/>
-          <p:cNvSpPr>
-            <a:spLocks noGrp="1"/>
-          </p:cNvSpPr>
-          <p:nvPr>
-            <p:ph type="body"/>
-          </p:nvPr>
-        </p:nvSpPr>
-        <p:spPr>
-          <a:xfrm>
-            <a:off x="14902200" y="17429400"/>
-            <a:ext cx="12189240" cy="8980200"/>
-          </a:xfrm>
-          <a:prstGeom prst="rect">
-            <a:avLst/>
-          </a:prstGeom>
-        </p:spPr>
-        <p:txBody>
-          <a:bodyPr lIns="0" rIns="0" tIns="0" bIns="0"/>
-          <a:p>
-            <a:endParaRPr b="0" lang="en-US" sz="3200" spc="-1" strike="noStrike">
-              <a:solidFill>
-                <a:srgbClr val="000000"/>
-              </a:solidFill>
-              <a:uFill>
-                <a:solidFill>
-                  <a:srgbClr val="ffffff"/>
-                </a:solidFill>
-              </a:uFill>
-              <a:latin typeface="Nimbus Sans"/>
-            </a:endParaRPr>
-          </a:p>
-        </p:txBody>
-      </p:sp>
-      <p:sp>
-        <p:nvSpPr>
-          <p:cNvPr id="37" name="PlaceHolder 7"/>
-          <p:cNvSpPr>
-            <a:spLocks noGrp="1"/>
-          </p:cNvSpPr>
-          <p:nvPr>
-            <p:ph type="body"/>
-          </p:nvPr>
-        </p:nvSpPr>
-        <p:spPr>
-          <a:xfrm>
-            <a:off x="2103120" y="17429400"/>
-            <a:ext cx="12189240" cy="8980200"/>
-          </a:xfrm>
-          <a:prstGeom prst="rect">
-            <a:avLst/>
-          </a:prstGeom>
-        </p:spPr>
-        <p:txBody>
-          <a:bodyPr lIns="0" rIns="0" tIns="0" bIns="0"/>
-          <a:p>
-            <a:endParaRPr b="0" lang="en-US" sz="3200" spc="-1" strike="noStrike">
-              <a:solidFill>
-                <a:srgbClr val="000000"/>
-              </a:solidFill>
-              <a:uFill>
-                <a:solidFill>
-                  <a:srgbClr val="ffffff"/>
-                </a:solidFill>
-              </a:uFill>
-              <a:latin typeface="Nimbus Sans"/>
-            </a:endParaRPr>
-          </a:p>
-        </p:txBody>
-      </p:sp>
+      <p:pic>
+        <p:nvPicPr>
+          <p:cNvPr id="35" name="" descr=""/>
+          <p:cNvPicPr/>
+          <p:nvPr/>
+        </p:nvPicPr>
+        <p:blipFill>
+          <a:blip r:embed="rId2"/>
+          <a:stretch/>
+        </p:blipFill>
+        <p:spPr>
+          <a:xfrm>
+            <a:off x="9232920" y="7595640"/>
+            <a:ext cx="23595840" cy="18826560"/>
+          </a:xfrm>
+          <a:prstGeom prst="rect">
+            <a:avLst/>
+          </a:prstGeom>
+          <a:ln>
+            <a:noFill/>
+          </a:ln>
+        </p:spPr>
+      </p:pic>
+      <p:pic>
+        <p:nvPicPr>
+          <p:cNvPr id="36" name="" descr=""/>
+          <p:cNvPicPr/>
+          <p:nvPr/>
+        </p:nvPicPr>
+        <p:blipFill>
+          <a:blip r:embed="rId3"/>
+          <a:stretch/>
+        </p:blipFill>
+        <p:spPr>
+          <a:xfrm>
+            <a:off x="9232920" y="7595640"/>
+            <a:ext cx="23595840" cy="18826560"/>
+          </a:xfrm>
+          <a:prstGeom prst="rect">
+            <a:avLst/>
+          </a:prstGeom>
+          <a:ln>
+            <a:noFill/>
+          </a:ln>
+        </p:spPr>
+      </p:pic>
     </p:spTree>
   </p:cSld>
 </p:sldLayout>
@@ -1060,7 +962,7 @@
       </p:grpSpPr>
       <p:sp>
         <p:nvSpPr>
-          <p:cNvPr id="2" name="PlaceHolder 1"/>
+          <p:cNvPr id="3" name="PlaceHolder 1"/>
           <p:cNvSpPr>
             <a:spLocks noGrp="1"/>
           </p:cNvSpPr>
@@ -1071,7 +973,7 @@
         <p:spPr>
           <a:xfrm>
             <a:off x="3154680" y="10083960"/>
-            <a:ext cx="35752320" cy="6957360"/>
+            <a:ext cx="35751960" cy="6957000"/>
           </a:xfrm>
           <a:prstGeom prst="rect">
             <a:avLst/>
@@ -1090,14 +992,14 @@
                   <a:srgbClr val="ffffff"/>
                 </a:solidFill>
               </a:uFill>
-              <a:latin typeface="Nimbus Sans"/>
+              <a:latin typeface="Arial"/>
             </a:endParaRPr>
           </a:p>
         </p:txBody>
       </p:sp>
       <p:sp>
         <p:nvSpPr>
-          <p:cNvPr id="3" name="PlaceHolder 2"/>
+          <p:cNvPr id="4" name="PlaceHolder 2"/>
           <p:cNvSpPr>
             <a:spLocks noGrp="1"/>
           </p:cNvSpPr>
@@ -1108,7 +1010,7 @@
         <p:spPr>
           <a:xfrm>
             <a:off x="2103120" y="7595640"/>
-            <a:ext cx="37855800" cy="18826920"/>
+            <a:ext cx="37855440" cy="18826560"/>
           </a:xfrm>
           <a:prstGeom prst="rect">
             <a:avLst/>
@@ -1127,7 +1029,7 @@
                   <a:srgbClr val="ffffff"/>
                 </a:solidFill>
               </a:uFill>
-              <a:latin typeface="Nimbus Sans"/>
+              <a:latin typeface="Arial"/>
             </a:endParaRPr>
           </a:p>
         </p:txBody>
@@ -1156,7 +1058,7 @@
       </p:grpSpPr>
       <p:sp>
         <p:nvSpPr>
-          <p:cNvPr id="4" name="PlaceHolder 1"/>
+          <p:cNvPr id="5" name="PlaceHolder 1"/>
           <p:cNvSpPr>
             <a:spLocks noGrp="1"/>
           </p:cNvSpPr>
@@ -1167,7 +1069,7 @@
         <p:spPr>
           <a:xfrm>
             <a:off x="3154680" y="10083960"/>
-            <a:ext cx="35752320" cy="6957360"/>
+            <a:ext cx="35751960" cy="6957000"/>
           </a:xfrm>
           <a:prstGeom prst="rect">
             <a:avLst/>
@@ -1186,14 +1088,14 @@
                   <a:srgbClr val="ffffff"/>
                 </a:solidFill>
               </a:uFill>
-              <a:latin typeface="Nimbus Sans"/>
+              <a:latin typeface="Arial"/>
             </a:endParaRPr>
           </a:p>
         </p:txBody>
       </p:sp>
       <p:sp>
         <p:nvSpPr>
-          <p:cNvPr id="5" name="PlaceHolder 2"/>
+          <p:cNvPr id="6" name="PlaceHolder 2"/>
           <p:cNvSpPr>
             <a:spLocks noGrp="1"/>
           </p:cNvSpPr>
@@ -1204,7 +1106,7 @@
         <p:spPr>
           <a:xfrm>
             <a:off x="2103120" y="7595640"/>
-            <a:ext cx="37855800" cy="18826920"/>
+            <a:ext cx="37855440" cy="18826560"/>
           </a:xfrm>
           <a:prstGeom prst="rect">
             <a:avLst/>
@@ -1222,7 +1124,7 @@
                   <a:srgbClr val="ffffff"/>
                 </a:solidFill>
               </a:uFill>
-              <a:latin typeface="Nimbus Sans"/>
+              <a:latin typeface="Arial"/>
             </a:endParaRPr>
           </a:p>
         </p:txBody>
@@ -1251,7 +1153,7 @@
       </p:grpSpPr>
       <p:sp>
         <p:nvSpPr>
-          <p:cNvPr id="6" name="PlaceHolder 1"/>
+          <p:cNvPr id="7" name="PlaceHolder 1"/>
           <p:cNvSpPr>
             <a:spLocks noGrp="1"/>
           </p:cNvSpPr>
@@ -1262,7 +1164,7 @@
         <p:spPr>
           <a:xfrm>
             <a:off x="3154680" y="10083960"/>
-            <a:ext cx="35752320" cy="6957360"/>
+            <a:ext cx="35751960" cy="6957000"/>
           </a:xfrm>
           <a:prstGeom prst="rect">
             <a:avLst/>
@@ -1281,14 +1183,14 @@
                   <a:srgbClr val="ffffff"/>
                 </a:solidFill>
               </a:uFill>
-              <a:latin typeface="Nimbus Sans"/>
+              <a:latin typeface="Arial"/>
             </a:endParaRPr>
           </a:p>
         </p:txBody>
       </p:sp>
       <p:sp>
         <p:nvSpPr>
-          <p:cNvPr id="7" name="PlaceHolder 2"/>
+          <p:cNvPr id="8" name="PlaceHolder 2"/>
           <p:cNvSpPr>
             <a:spLocks noGrp="1"/>
           </p:cNvSpPr>
@@ -1299,7 +1201,7 @@
         <p:spPr>
           <a:xfrm>
             <a:off x="2103120" y="7595640"/>
-            <a:ext cx="18473400" cy="18826920"/>
+            <a:ext cx="18473400" cy="18826560"/>
           </a:xfrm>
           <a:prstGeom prst="rect">
             <a:avLst/>
@@ -1317,14 +1219,14 @@
                   <a:srgbClr val="ffffff"/>
                 </a:solidFill>
               </a:uFill>
-              <a:latin typeface="Nimbus Sans"/>
+              <a:latin typeface="Arial"/>
             </a:endParaRPr>
           </a:p>
         </p:txBody>
       </p:sp>
       <p:sp>
         <p:nvSpPr>
-          <p:cNvPr id="8" name="PlaceHolder 3"/>
+          <p:cNvPr id="9" name="PlaceHolder 3"/>
           <p:cNvSpPr>
             <a:spLocks noGrp="1"/>
           </p:cNvSpPr>
@@ -1335,7 +1237,7 @@
         <p:spPr>
           <a:xfrm>
             <a:off x="21500640" y="7595640"/>
-            <a:ext cx="18473400" cy="18826920"/>
+            <a:ext cx="18473400" cy="18826560"/>
           </a:xfrm>
           <a:prstGeom prst="rect">
             <a:avLst/>
@@ -1353,7 +1255,7 @@
                   <a:srgbClr val="ffffff"/>
                 </a:solidFill>
               </a:uFill>
-              <a:latin typeface="Nimbus Sans"/>
+              <a:latin typeface="Arial"/>
             </a:endParaRPr>
           </a:p>
         </p:txBody>
@@ -1382,7 +1284,7 @@
       </p:grpSpPr>
       <p:sp>
         <p:nvSpPr>
-          <p:cNvPr id="9" name="PlaceHolder 1"/>
+          <p:cNvPr id="10" name="PlaceHolder 1"/>
           <p:cNvSpPr>
             <a:spLocks noGrp="1"/>
           </p:cNvSpPr>
@@ -1393,7 +1295,7 @@
         <p:spPr>
           <a:xfrm>
             <a:off x="3154680" y="10083960"/>
-            <a:ext cx="35752320" cy="6957360"/>
+            <a:ext cx="35751960" cy="6957000"/>
           </a:xfrm>
           <a:prstGeom prst="rect">
             <a:avLst/>
@@ -1412,7 +1314,7 @@
                   <a:srgbClr val="ffffff"/>
                 </a:solidFill>
               </a:uFill>
-              <a:latin typeface="Nimbus Sans"/>
+              <a:latin typeface="Arial"/>
             </a:endParaRPr>
           </a:p>
         </p:txBody>
@@ -1441,7 +1343,7 @@
       </p:grpSpPr>
       <p:sp>
         <p:nvSpPr>
-          <p:cNvPr id="10" name="PlaceHolder 1"/>
+          <p:cNvPr id="11" name="PlaceHolder 1"/>
           <p:cNvSpPr>
             <a:spLocks noGrp="1"/>
           </p:cNvSpPr>
@@ -1452,7 +1354,7 @@
         <p:spPr>
           <a:xfrm>
             <a:off x="3154680" y="10083960"/>
-            <a:ext cx="35752320" cy="32251320"/>
+            <a:ext cx="35751960" cy="32249880"/>
           </a:xfrm>
           <a:prstGeom prst="rect">
             <a:avLst/>
@@ -1471,7 +1373,7 @@
                   <a:srgbClr val="ffffff"/>
                 </a:solidFill>
               </a:uFill>
-              <a:latin typeface="Nimbus Sans"/>
+              <a:latin typeface="Arial"/>
             </a:endParaRPr>
           </a:p>
         </p:txBody>
@@ -1500,7 +1402,7 @@
       </p:grpSpPr>
       <p:sp>
         <p:nvSpPr>
-          <p:cNvPr id="11" name="PlaceHolder 1"/>
+          <p:cNvPr id="12" name="PlaceHolder 1"/>
           <p:cNvSpPr>
             <a:spLocks noGrp="1"/>
           </p:cNvSpPr>
@@ -1511,7 +1413,7 @@
         <p:spPr>
           <a:xfrm>
             <a:off x="3154680" y="10083960"/>
-            <a:ext cx="35752320" cy="6957360"/>
+            <a:ext cx="35751960" cy="6957000"/>
           </a:xfrm>
           <a:prstGeom prst="rect">
             <a:avLst/>
@@ -1530,14 +1432,14 @@
                   <a:srgbClr val="ffffff"/>
                 </a:solidFill>
               </a:uFill>
-              <a:latin typeface="Nimbus Sans"/>
+              <a:latin typeface="Arial"/>
             </a:endParaRPr>
           </a:p>
         </p:txBody>
       </p:sp>
       <p:sp>
         <p:nvSpPr>
-          <p:cNvPr id="12" name="PlaceHolder 2"/>
+          <p:cNvPr id="13" name="PlaceHolder 2"/>
           <p:cNvSpPr>
             <a:spLocks noGrp="1"/>
           </p:cNvSpPr>
@@ -1566,14 +1468,14 @@
                   <a:srgbClr val="ffffff"/>
                 </a:solidFill>
               </a:uFill>
-              <a:latin typeface="Nimbus Sans"/>
+              <a:latin typeface="Arial"/>
             </a:endParaRPr>
           </a:p>
         </p:txBody>
       </p:sp>
       <p:sp>
         <p:nvSpPr>
-          <p:cNvPr id="13" name="PlaceHolder 3"/>
+          <p:cNvPr id="14" name="PlaceHolder 3"/>
           <p:cNvSpPr>
             <a:spLocks noGrp="1"/>
           </p:cNvSpPr>
@@ -1602,14 +1504,14 @@
                   <a:srgbClr val="ffffff"/>
                 </a:solidFill>
               </a:uFill>
-              <a:latin typeface="Nimbus Sans"/>
+              <a:latin typeface="Arial"/>
             </a:endParaRPr>
           </a:p>
         </p:txBody>
       </p:sp>
       <p:sp>
         <p:nvSpPr>
-          <p:cNvPr id="14" name="PlaceHolder 4"/>
+          <p:cNvPr id="15" name="PlaceHolder 4"/>
           <p:cNvSpPr>
             <a:spLocks noGrp="1"/>
           </p:cNvSpPr>
@@ -1620,7 +1522,7 @@
         <p:spPr>
           <a:xfrm>
             <a:off x="21500640" y="7595640"/>
-            <a:ext cx="18473400" cy="18826920"/>
+            <a:ext cx="18473400" cy="18826560"/>
           </a:xfrm>
           <a:prstGeom prst="rect">
             <a:avLst/>
@@ -1638,7 +1540,7 @@
                   <a:srgbClr val="ffffff"/>
                 </a:solidFill>
               </a:uFill>
-              <a:latin typeface="Nimbus Sans"/>
+              <a:latin typeface="Arial"/>
             </a:endParaRPr>
           </a:p>
         </p:txBody>
@@ -1667,7 +1569,7 @@
       </p:grpSpPr>
       <p:sp>
         <p:nvSpPr>
-          <p:cNvPr id="15" name="PlaceHolder 1"/>
+          <p:cNvPr id="16" name="PlaceHolder 1"/>
           <p:cNvSpPr>
             <a:spLocks noGrp="1"/>
           </p:cNvSpPr>
@@ -1678,7 +1580,7 @@
         <p:spPr>
           <a:xfrm>
             <a:off x="3154680" y="10083960"/>
-            <a:ext cx="35752320" cy="6957360"/>
+            <a:ext cx="35751960" cy="6957000"/>
           </a:xfrm>
           <a:prstGeom prst="rect">
             <a:avLst/>
@@ -1697,14 +1599,14 @@
                   <a:srgbClr val="ffffff"/>
                 </a:solidFill>
               </a:uFill>
-              <a:latin typeface="Nimbus Sans"/>
+              <a:latin typeface="Arial"/>
             </a:endParaRPr>
           </a:p>
         </p:txBody>
       </p:sp>
       <p:sp>
         <p:nvSpPr>
-          <p:cNvPr id="16" name="PlaceHolder 2"/>
+          <p:cNvPr id="17" name="PlaceHolder 2"/>
           <p:cNvSpPr>
             <a:spLocks noGrp="1"/>
           </p:cNvSpPr>
@@ -1715,7 +1617,7 @@
         <p:spPr>
           <a:xfrm>
             <a:off x="2103120" y="7595640"/>
-            <a:ext cx="18473400" cy="18826920"/>
+            <a:ext cx="18473400" cy="18826560"/>
           </a:xfrm>
           <a:prstGeom prst="rect">
             <a:avLst/>
@@ -1733,14 +1635,14 @@
                   <a:srgbClr val="ffffff"/>
                 </a:solidFill>
               </a:uFill>
-              <a:latin typeface="Nimbus Sans"/>
+              <a:latin typeface="Arial"/>
             </a:endParaRPr>
           </a:p>
         </p:txBody>
       </p:sp>
       <p:sp>
         <p:nvSpPr>
-          <p:cNvPr id="17" name="PlaceHolder 3"/>
+          <p:cNvPr id="18" name="PlaceHolder 3"/>
           <p:cNvSpPr>
             <a:spLocks noGrp="1"/>
           </p:cNvSpPr>
@@ -1769,14 +1671,14 @@
                   <a:srgbClr val="ffffff"/>
                 </a:solidFill>
               </a:uFill>
-              <a:latin typeface="Nimbus Sans"/>
+              <a:latin typeface="Arial"/>
             </a:endParaRPr>
           </a:p>
         </p:txBody>
       </p:sp>
       <p:sp>
         <p:nvSpPr>
-          <p:cNvPr id="18" name="PlaceHolder 4"/>
+          <p:cNvPr id="19" name="PlaceHolder 4"/>
           <p:cNvSpPr>
             <a:spLocks noGrp="1"/>
           </p:cNvSpPr>
@@ -1805,7 +1707,7 @@
                   <a:srgbClr val="ffffff"/>
                 </a:solidFill>
               </a:uFill>
-              <a:latin typeface="Nimbus Sans"/>
+              <a:latin typeface="Arial"/>
             </a:endParaRPr>
           </a:p>
         </p:txBody>
@@ -1834,7 +1736,7 @@
       </p:grpSpPr>
       <p:sp>
         <p:nvSpPr>
-          <p:cNvPr id="19" name="PlaceHolder 1"/>
+          <p:cNvPr id="20" name="PlaceHolder 1"/>
           <p:cNvSpPr>
             <a:spLocks noGrp="1"/>
           </p:cNvSpPr>
@@ -1845,7 +1747,7 @@
         <p:spPr>
           <a:xfrm>
             <a:off x="3154680" y="10083960"/>
-            <a:ext cx="35752320" cy="6957360"/>
+            <a:ext cx="35751960" cy="6957000"/>
           </a:xfrm>
           <a:prstGeom prst="rect">
             <a:avLst/>
@@ -1864,14 +1766,14 @@
                   <a:srgbClr val="ffffff"/>
                 </a:solidFill>
               </a:uFill>
-              <a:latin typeface="Nimbus Sans"/>
+              <a:latin typeface="Arial"/>
             </a:endParaRPr>
           </a:p>
         </p:txBody>
       </p:sp>
       <p:sp>
         <p:nvSpPr>
-          <p:cNvPr id="20" name="PlaceHolder 2"/>
+          <p:cNvPr id="21" name="PlaceHolder 2"/>
           <p:cNvSpPr>
             <a:spLocks noGrp="1"/>
           </p:cNvSpPr>
@@ -1900,14 +1802,14 @@
                   <a:srgbClr val="ffffff"/>
                 </a:solidFill>
               </a:uFill>
-              <a:latin typeface="Nimbus Sans"/>
+              <a:latin typeface="Arial"/>
             </a:endParaRPr>
           </a:p>
         </p:txBody>
       </p:sp>
       <p:sp>
         <p:nvSpPr>
-          <p:cNvPr id="21" name="PlaceHolder 3"/>
+          <p:cNvPr id="22" name="PlaceHolder 3"/>
           <p:cNvSpPr>
             <a:spLocks noGrp="1"/>
           </p:cNvSpPr>
@@ -1936,14 +1838,14 @@
                   <a:srgbClr val="ffffff"/>
                 </a:solidFill>
               </a:uFill>
-              <a:latin typeface="Nimbus Sans"/>
+              <a:latin typeface="Arial"/>
             </a:endParaRPr>
           </a:p>
         </p:txBody>
       </p:sp>
       <p:sp>
         <p:nvSpPr>
-          <p:cNvPr id="22" name="PlaceHolder 4"/>
+          <p:cNvPr id="23" name="PlaceHolder 4"/>
           <p:cNvSpPr>
             <a:spLocks noGrp="1"/>
           </p:cNvSpPr>
@@ -1954,7 +1856,7 @@
         <p:spPr>
           <a:xfrm>
             <a:off x="2103120" y="17429400"/>
-            <a:ext cx="37855800" cy="8980200"/>
+            <a:ext cx="37855440" cy="8980200"/>
           </a:xfrm>
           <a:prstGeom prst="rect">
             <a:avLst/>
@@ -1972,7 +1874,7 @@
                   <a:srgbClr val="ffffff"/>
                 </a:solidFill>
               </a:uFill>
-              <a:latin typeface="Nimbus Sans"/>
+              <a:latin typeface="Arial"/>
             </a:endParaRPr>
           </a:p>
         </p:txBody>
@@ -2019,7 +1921,7 @@
         <p:spPr>
           <a:xfrm>
             <a:off x="0" y="0"/>
-            <a:ext cx="42061680" cy="32460480"/>
+            <a:ext cx="42061320" cy="32460120"/>
           </a:xfrm>
           <a:prstGeom prst="rect">
             <a:avLst/>
@@ -2042,7 +1944,7 @@
         <p:spPr>
           <a:xfrm>
             <a:off x="3154680" y="10083960"/>
-            <a:ext cx="35752320" cy="6957360"/>
+            <a:ext cx="35751960" cy="6957000"/>
           </a:xfrm>
           <a:prstGeom prst="rect">
             <a:avLst/>
@@ -2051,6 +1953,51 @@
         <p:txBody>
           <a:bodyPr lIns="0" rIns="0" tIns="0" bIns="0" anchor="ctr"/>
           <a:p>
+            <a:pPr algn="ctr"/>
+            <a:endParaRPr b="0" lang="en-US" sz="4400" spc="-1" strike="noStrike">
+              <a:solidFill>
+                <a:srgbClr val="000000"/>
+              </a:solidFill>
+              <a:uFill>
+                <a:solidFill>
+                  <a:srgbClr val="ffffff"/>
+                </a:solidFill>
+              </a:uFill>
+              <a:latin typeface="Arial"/>
+            </a:endParaRPr>
+          </a:p>
+        </p:txBody>
+      </p:sp>
+      <p:sp>
+        <p:nvSpPr>
+          <p:cNvPr id="2" name="PlaceHolder 2"/>
+          <p:cNvSpPr>
+            <a:spLocks noGrp="1"/>
+          </p:cNvSpPr>
+          <p:nvPr>
+            <p:ph type="body"/>
+          </p:nvPr>
+        </p:nvSpPr>
+        <p:spPr>
+          <a:xfrm>
+            <a:off x="2103120" y="7595640"/>
+            <a:ext cx="37855440" cy="18826560"/>
+          </a:xfrm>
+          <a:prstGeom prst="rect">
+            <a:avLst/>
+          </a:prstGeom>
+        </p:spPr>
+        <p:txBody>
+          <a:bodyPr lIns="0" rIns="0" tIns="0" bIns="0"/>
+          <a:p>
+            <a:pPr marL="432000" indent="-324000">
+              <a:buClr>
+                <a:srgbClr val="000000"/>
+              </a:buClr>
+              <a:buSzPct val="45000"/>
+              <a:buFont typeface="Wingdings" charset="2"/>
+              <a:buChar char=""/>
+            </a:pPr>
             <a:r>
               <a:rPr b="0" lang="en-US" sz="1800" spc="-1" strike="noStrike">
                 <a:solidFill>
@@ -2061,20 +2008,230 @@
                     <a:srgbClr val="ffffff"/>
                   </a:solidFill>
                 </a:uFill>
-                <a:latin typeface="Nimbus Sans"/>
-              </a:rPr>
-              <a:t>Click to edit the title text format</a:t>
-            </a:r>
-            <a:endParaRPr b="0" lang="en-US" sz="1800" spc="-1" strike="noStrike">
-              <a:solidFill>
-                <a:srgbClr val="000000"/>
-              </a:solidFill>
-              <a:uFill>
-                <a:solidFill>
-                  <a:srgbClr val="ffffff"/>
-                </a:solidFill>
-              </a:uFill>
-              <a:latin typeface="Nimbus Sans"/>
+                <a:latin typeface="Arial"/>
+              </a:rPr>
+              <a:t>Click to edit the outline text format</a:t>
+            </a:r>
+            <a:endParaRPr b="0" lang="en-US" sz="1800" spc="-1" strike="noStrike">
+              <a:solidFill>
+                <a:srgbClr val="000000"/>
+              </a:solidFill>
+              <a:uFill>
+                <a:solidFill>
+                  <a:srgbClr val="ffffff"/>
+                </a:solidFill>
+              </a:uFill>
+              <a:latin typeface="Arial"/>
+            </a:endParaRPr>
+          </a:p>
+          <a:p>
+            <a:pPr lvl="1" marL="864000" indent="-324000">
+              <a:buClr>
+                <a:srgbClr val="000000"/>
+              </a:buClr>
+              <a:buSzPct val="75000"/>
+              <a:buFont typeface="Symbol" charset="2"/>
+              <a:buChar char=""/>
+            </a:pPr>
+            <a:r>
+              <a:rPr b="0" lang="en-US" sz="1800" spc="-1" strike="noStrike">
+                <a:solidFill>
+                  <a:srgbClr val="000000"/>
+                </a:solidFill>
+                <a:uFill>
+                  <a:solidFill>
+                    <a:srgbClr val="ffffff"/>
+                  </a:solidFill>
+                </a:uFill>
+                <a:latin typeface="Arial"/>
+              </a:rPr>
+              <a:t>Second Outline Level</a:t>
+            </a:r>
+            <a:endParaRPr b="0" lang="en-US" sz="1800" spc="-1" strike="noStrike">
+              <a:solidFill>
+                <a:srgbClr val="000000"/>
+              </a:solidFill>
+              <a:uFill>
+                <a:solidFill>
+                  <a:srgbClr val="ffffff"/>
+                </a:solidFill>
+              </a:uFill>
+              <a:latin typeface="Arial"/>
+            </a:endParaRPr>
+          </a:p>
+          <a:p>
+            <a:pPr lvl="2" marL="1296000" indent="-288000">
+              <a:buClr>
+                <a:srgbClr val="000000"/>
+              </a:buClr>
+              <a:buSzPct val="45000"/>
+              <a:buFont typeface="Wingdings" charset="2"/>
+              <a:buChar char=""/>
+            </a:pPr>
+            <a:r>
+              <a:rPr b="0" lang="en-US" sz="1800" spc="-1" strike="noStrike">
+                <a:solidFill>
+                  <a:srgbClr val="000000"/>
+                </a:solidFill>
+                <a:uFill>
+                  <a:solidFill>
+                    <a:srgbClr val="ffffff"/>
+                  </a:solidFill>
+                </a:uFill>
+                <a:latin typeface="Arial"/>
+              </a:rPr>
+              <a:t>Third Outline Level</a:t>
+            </a:r>
+            <a:endParaRPr b="0" lang="en-US" sz="1800" spc="-1" strike="noStrike">
+              <a:solidFill>
+                <a:srgbClr val="000000"/>
+              </a:solidFill>
+              <a:uFill>
+                <a:solidFill>
+                  <a:srgbClr val="ffffff"/>
+                </a:solidFill>
+              </a:uFill>
+              <a:latin typeface="Arial"/>
+            </a:endParaRPr>
+          </a:p>
+          <a:p>
+            <a:pPr lvl="3" marL="1728000" indent="-216000">
+              <a:buClr>
+                <a:srgbClr val="000000"/>
+              </a:buClr>
+              <a:buSzPct val="75000"/>
+              <a:buFont typeface="Symbol" charset="2"/>
+              <a:buChar char=""/>
+            </a:pPr>
+            <a:r>
+              <a:rPr b="0" lang="en-US" sz="1800" spc="-1" strike="noStrike">
+                <a:solidFill>
+                  <a:srgbClr val="000000"/>
+                </a:solidFill>
+                <a:uFill>
+                  <a:solidFill>
+                    <a:srgbClr val="ffffff"/>
+                  </a:solidFill>
+                </a:uFill>
+                <a:latin typeface="Arial"/>
+              </a:rPr>
+              <a:t>Fourth Outline Level</a:t>
+            </a:r>
+            <a:endParaRPr b="0" lang="en-US" sz="1800" spc="-1" strike="noStrike">
+              <a:solidFill>
+                <a:srgbClr val="000000"/>
+              </a:solidFill>
+              <a:uFill>
+                <a:solidFill>
+                  <a:srgbClr val="ffffff"/>
+                </a:solidFill>
+              </a:uFill>
+              <a:latin typeface="Arial"/>
+            </a:endParaRPr>
+          </a:p>
+          <a:p>
+            <a:pPr lvl="4" marL="2160000" indent="-216000">
+              <a:buClr>
+                <a:srgbClr val="000000"/>
+              </a:buClr>
+              <a:buSzPct val="45000"/>
+              <a:buFont typeface="Wingdings" charset="2"/>
+              <a:buChar char=""/>
+            </a:pPr>
+            <a:r>
+              <a:rPr b="0" lang="en-US" sz="1800" spc="-1" strike="noStrike">
+                <a:solidFill>
+                  <a:srgbClr val="000000"/>
+                </a:solidFill>
+                <a:uFill>
+                  <a:solidFill>
+                    <a:srgbClr val="ffffff"/>
+                  </a:solidFill>
+                </a:uFill>
+                <a:latin typeface="Arial"/>
+              </a:rPr>
+              <a:t>Fifth Outline Level</a:t>
+            </a:r>
+            <a:endParaRPr b="0" lang="en-US" sz="1800" spc="-1" strike="noStrike">
+              <a:solidFill>
+                <a:srgbClr val="000000"/>
+              </a:solidFill>
+              <a:uFill>
+                <a:solidFill>
+                  <a:srgbClr val="ffffff"/>
+                </a:solidFill>
+              </a:uFill>
+              <a:latin typeface="Arial"/>
+            </a:endParaRPr>
+          </a:p>
+          <a:p>
+            <a:pPr lvl="5" marL="2592000" indent="-216000">
+              <a:buClr>
+                <a:srgbClr val="000000"/>
+              </a:buClr>
+              <a:buSzPct val="45000"/>
+              <a:buFont typeface="Wingdings" charset="2"/>
+              <a:buChar char=""/>
+            </a:pPr>
+            <a:r>
+              <a:rPr b="0" lang="en-US" sz="1800" spc="-1" strike="noStrike">
+                <a:solidFill>
+                  <a:srgbClr val="000000"/>
+                </a:solidFill>
+                <a:uFill>
+                  <a:solidFill>
+                    <a:srgbClr val="ffffff"/>
+                  </a:solidFill>
+                </a:uFill>
+                <a:latin typeface="Arial"/>
+              </a:rPr>
+              <a:t>Sixth Outline Level</a:t>
+            </a:r>
+            <a:endParaRPr b="0" lang="en-US" sz="1800" spc="-1" strike="noStrike">
+              <a:solidFill>
+                <a:srgbClr val="000000"/>
+              </a:solidFill>
+              <a:uFill>
+                <a:solidFill>
+                  <a:srgbClr val="ffffff"/>
+                </a:solidFill>
+              </a:uFill>
+              <a:latin typeface="Arial"/>
+            </a:endParaRPr>
+          </a:p>
+          <a:p>
+            <a:pPr lvl="6" marL="3024000" indent="-216000">
+              <a:buClr>
+                <a:srgbClr val="000000"/>
+              </a:buClr>
+              <a:buSzPct val="45000"/>
+              <a:buFont typeface="Wingdings" charset="2"/>
+              <a:buChar char=""/>
+            </a:pPr>
+            <a:r>
+              <a:rPr b="0" lang="en-US" sz="1800" spc="-1" strike="noStrike">
+                <a:solidFill>
+                  <a:srgbClr val="000000"/>
+                </a:solidFill>
+                <a:uFill>
+                  <a:solidFill>
+                    <a:srgbClr val="ffffff"/>
+                  </a:solidFill>
+                </a:uFill>
+                <a:latin typeface="Arial"/>
+              </a:rPr>
+              <a:t>Seventh Outline Level</a:t>
+            </a:r>
+            <a:endParaRPr b="0" lang="en-US" sz="1800" spc="-1" strike="noStrike">
+              <a:solidFill>
+                <a:srgbClr val="000000"/>
+              </a:solidFill>
+              <a:uFill>
+                <a:solidFill>
+                  <a:srgbClr val="ffffff"/>
+                </a:solidFill>
+              </a:uFill>
+              <a:latin typeface="Arial"/>
             </a:endParaRPr>
           </a:p>
         </p:txBody>
@@ -2118,14 +2275,14 @@
       </p:grpSpPr>
       <p:sp>
         <p:nvSpPr>
-          <p:cNvPr id="43" name="CustomShape 1"/>
+          <p:cNvPr id="42" name="CustomShape 1"/>
           <p:cNvSpPr/>
           <p:nvPr/>
         </p:nvSpPr>
         <p:spPr>
           <a:xfrm>
             <a:off x="11545560" y="2503080"/>
-            <a:ext cx="18951120" cy="1365120"/>
+            <a:ext cx="18950760" cy="1364760"/>
           </a:xfrm>
           <a:prstGeom prst="rect">
             <a:avLst/>
@@ -2160,6 +2317,7 @@
                   </a:solidFill>
                 </a:uFill>
                 <a:latin typeface="Trebuchet MS"/>
+                <a:ea typeface="DejaVu Sans"/>
               </a:rPr>
               <a:t>BREW.AI</a:t>
             </a:r>
@@ -2172,21 +2330,21 @@
                   <a:srgbClr val="ffffff"/>
                 </a:solidFill>
               </a:uFill>
-              <a:latin typeface="Nimbus Sans"/>
+              <a:latin typeface="Arial"/>
             </a:endParaRPr>
           </a:p>
         </p:txBody>
       </p:sp>
       <p:sp>
         <p:nvSpPr>
-          <p:cNvPr id="44" name="CustomShape 2"/>
+          <p:cNvPr id="43" name="CustomShape 2"/>
           <p:cNvSpPr/>
           <p:nvPr/>
         </p:nvSpPr>
         <p:spPr>
           <a:xfrm>
             <a:off x="11545560" y="3868920"/>
-            <a:ext cx="18951120" cy="1990800"/>
+            <a:ext cx="18950760" cy="1990440"/>
           </a:xfrm>
           <a:prstGeom prst="rect">
             <a:avLst/>
@@ -2221,6 +2379,7 @@
                   </a:solidFill>
                 </a:uFill>
                 <a:latin typeface="Trebuchet MS"/>
+                <a:ea typeface="DejaVu Sans"/>
               </a:rPr>
               <a:t>The adaptive brewing solution</a:t>
             </a:r>
@@ -2233,21 +2392,21 @@
                   <a:srgbClr val="ffffff"/>
                 </a:solidFill>
               </a:uFill>
-              <a:latin typeface="Nimbus Sans"/>
+              <a:latin typeface="Arial"/>
             </a:endParaRPr>
           </a:p>
         </p:txBody>
       </p:sp>
       <p:sp>
         <p:nvSpPr>
-          <p:cNvPr id="45" name="CustomShape 3"/>
+          <p:cNvPr id="44" name="CustomShape 3"/>
           <p:cNvSpPr/>
           <p:nvPr/>
         </p:nvSpPr>
         <p:spPr>
           <a:xfrm>
             <a:off x="11521440" y="13533120"/>
-            <a:ext cx="9221760" cy="20170800"/>
+            <a:ext cx="9221400" cy="20170440"/>
           </a:xfrm>
           <a:prstGeom prst="rect">
             <a:avLst/>
@@ -2295,7 +2454,7 @@
                   <a:srgbClr val="ffffff"/>
                 </a:solidFill>
               </a:uFill>
-              <a:latin typeface="Nimbus Sans"/>
+              <a:latin typeface="Arial"/>
             </a:endParaRPr>
           </a:p>
           <a:p>
@@ -2343,7 +2502,7 @@
                   <a:srgbClr val="ffffff"/>
                 </a:solidFill>
               </a:uFill>
-              <a:latin typeface="Nimbus Sans"/>
+              <a:latin typeface="Arial"/>
             </a:endParaRPr>
           </a:p>
           <a:p>
@@ -2361,21 +2520,21 @@
                   <a:srgbClr val="ffffff"/>
                 </a:solidFill>
               </a:uFill>
-              <a:latin typeface="Nimbus Sans"/>
+              <a:latin typeface="Arial"/>
             </a:endParaRPr>
           </a:p>
         </p:txBody>
       </p:sp>
       <p:sp>
         <p:nvSpPr>
-          <p:cNvPr id="46" name="CustomShape 4"/>
+          <p:cNvPr id="45" name="CustomShape 4"/>
           <p:cNvSpPr/>
           <p:nvPr/>
         </p:nvSpPr>
         <p:spPr>
           <a:xfrm>
             <a:off x="21305520" y="5486400"/>
-            <a:ext cx="9221760" cy="19439640"/>
+            <a:ext cx="9221400" cy="19439280"/>
           </a:xfrm>
           <a:prstGeom prst="rect">
             <a:avLst/>
@@ -2423,11 +2582,11 @@
                   <a:srgbClr val="ffffff"/>
                 </a:solidFill>
               </a:uFill>
-              <a:latin typeface="Nimbus Sans"/>
-            </a:endParaRPr>
-          </a:p>
-          <a:p>
-            <a:pPr marL="457200" indent="-456480">
+              <a:latin typeface="Arial"/>
+            </a:endParaRPr>
+          </a:p>
+          <a:p>
+            <a:pPr marL="457200" indent="-456120">
               <a:lnSpc>
                 <a:spcPct val="100000"/>
               </a:lnSpc>
@@ -2450,22 +2609,22 @@
                 <a:latin typeface="Trebuchet MS"/>
                 <a:ea typeface="DejaVu Sans"/>
               </a:rPr>
-              <a:t>Nullam vehicula luctus augue, rutrum faucibus massa pharetra eu. Nulla facilisi. </a:t>
-            </a:r>
-            <a:endParaRPr b="0" lang="en-US" sz="1800" spc="-1" strike="noStrike">
-              <a:solidFill>
-                <a:srgbClr val="000000"/>
-              </a:solidFill>
-              <a:uFill>
-                <a:solidFill>
-                  <a:srgbClr val="ffffff"/>
-                </a:solidFill>
-              </a:uFill>
-              <a:latin typeface="Nimbus Sans"/>
-            </a:endParaRPr>
-          </a:p>
-          <a:p>
-            <a:pPr marL="457200" indent="-456480">
+              <a:t>Reenforcement Learning Using the Keras Library</a:t>
+            </a:r>
+            <a:endParaRPr b="0" lang="en-US" sz="1800" spc="-1" strike="noStrike">
+              <a:solidFill>
+                <a:srgbClr val="000000"/>
+              </a:solidFill>
+              <a:uFill>
+                <a:solidFill>
+                  <a:srgbClr val="ffffff"/>
+                </a:solidFill>
+              </a:uFill>
+              <a:latin typeface="Arial"/>
+            </a:endParaRPr>
+          </a:p>
+          <a:p>
+            <a:pPr marL="457200" indent="-456120">
               <a:lnSpc>
                 <a:spcPct val="100000"/>
               </a:lnSpc>
@@ -2488,22 +2647,22 @@
                 <a:latin typeface="Trebuchet MS"/>
                 <a:ea typeface="DejaVu Sans"/>
               </a:rPr>
-              <a:t>Sed posuere gravida felis, sed pulvinar urna suscipit et. Suspendisse diam tortor, mollis eu accumsan eget, elementum id justo. </a:t>
-            </a:r>
-            <a:endParaRPr b="0" lang="en-US" sz="1800" spc="-1" strike="noStrike">
-              <a:solidFill>
-                <a:srgbClr val="000000"/>
-              </a:solidFill>
-              <a:uFill>
-                <a:solidFill>
-                  <a:srgbClr val="ffffff"/>
-                </a:solidFill>
-              </a:uFill>
-              <a:latin typeface="Nimbus Sans"/>
-            </a:endParaRPr>
-          </a:p>
-          <a:p>
-            <a:pPr marL="457200" indent="-456480">
+              <a:t>Python and Java Codebase</a:t>
+            </a:r>
+            <a:endParaRPr b="0" lang="en-US" sz="1800" spc="-1" strike="noStrike">
+              <a:solidFill>
+                <a:srgbClr val="000000"/>
+              </a:solidFill>
+              <a:uFill>
+                <a:solidFill>
+                  <a:srgbClr val="ffffff"/>
+                </a:solidFill>
+              </a:uFill>
+              <a:latin typeface="Arial"/>
+            </a:endParaRPr>
+          </a:p>
+          <a:p>
+            <a:pPr marL="457200" indent="-456120">
               <a:lnSpc>
                 <a:spcPct val="100000"/>
               </a:lnSpc>
@@ -2526,22 +2685,22 @@
                 <a:latin typeface="Trebuchet MS"/>
                 <a:ea typeface="DejaVu Sans"/>
               </a:rPr>
-              <a:t>Vivamus pulvinar varius lacus, vel egestas ligula gravida volutpat. </a:t>
-            </a:r>
-            <a:endParaRPr b="0" lang="en-US" sz="1800" spc="-1" strike="noStrike">
-              <a:solidFill>
-                <a:srgbClr val="000000"/>
-              </a:solidFill>
-              <a:uFill>
-                <a:solidFill>
-                  <a:srgbClr val="ffffff"/>
-                </a:solidFill>
-              </a:uFill>
-              <a:latin typeface="Nimbus Sans"/>
-            </a:endParaRPr>
-          </a:p>
-          <a:p>
-            <a:pPr marL="457200" indent="-456480">
+              <a:t>Raspberry Pi Device Controller</a:t>
+            </a:r>
+            <a:endParaRPr b="0" lang="en-US" sz="1800" spc="-1" strike="noStrike">
+              <a:solidFill>
+                <a:srgbClr val="000000"/>
+              </a:solidFill>
+              <a:uFill>
+                <a:solidFill>
+                  <a:srgbClr val="ffffff"/>
+                </a:solidFill>
+              </a:uFill>
+              <a:latin typeface="Arial"/>
+            </a:endParaRPr>
+          </a:p>
+          <a:p>
+            <a:pPr marL="457200" indent="-456120">
               <a:lnSpc>
                 <a:spcPct val="100000"/>
               </a:lnSpc>
@@ -2564,22 +2723,22 @@
                 <a:latin typeface="Trebuchet MS"/>
                 <a:ea typeface="DejaVu Sans"/>
               </a:rPr>
-              <a:t>Aliquam varius augue at dui pulvinar iaculis. Nullam a nisl quam, quis lacinia augue. </a:t>
-            </a:r>
-            <a:endParaRPr b="0" lang="en-US" sz="1800" spc="-1" strike="noStrike">
-              <a:solidFill>
-                <a:srgbClr val="000000"/>
-              </a:solidFill>
-              <a:uFill>
-                <a:solidFill>
-                  <a:srgbClr val="ffffff"/>
-                </a:solidFill>
-              </a:uFill>
-              <a:latin typeface="Nimbus Sans"/>
-            </a:endParaRPr>
-          </a:p>
-          <a:p>
-            <a:pPr marL="457200" indent="-456480">
+              <a:t>Android App Interface</a:t>
+            </a:r>
+            <a:endParaRPr b="0" lang="en-US" sz="1800" spc="-1" strike="noStrike">
+              <a:solidFill>
+                <a:srgbClr val="000000"/>
+              </a:solidFill>
+              <a:uFill>
+                <a:solidFill>
+                  <a:srgbClr val="ffffff"/>
+                </a:solidFill>
+              </a:uFill>
+              <a:latin typeface="Arial"/>
+            </a:endParaRPr>
+          </a:p>
+          <a:p>
+            <a:pPr marL="457200" indent="-456120">
               <a:lnSpc>
                 <a:spcPct val="100000"/>
               </a:lnSpc>
@@ -2602,18 +2761,208 @@
                 <a:latin typeface="Trebuchet MS"/>
                 <a:ea typeface="DejaVu Sans"/>
               </a:rPr>
-              <a:t>Nam tristique porttitor quam, in consequat urna condimentum eu. </a:t>
-            </a:r>
-            <a:endParaRPr b="0" lang="en-US" sz="1800" spc="-1" strike="noStrike">
-              <a:solidFill>
-                <a:srgbClr val="000000"/>
-              </a:solidFill>
-              <a:uFill>
-                <a:solidFill>
-                  <a:srgbClr val="ffffff"/>
-                </a:solidFill>
-              </a:uFill>
-              <a:latin typeface="Nimbus Sans"/>
+              <a:t>Raspberry Pi to Android Bluetooth Connection</a:t>
+            </a:r>
+            <a:endParaRPr b="0" lang="en-US" sz="1800" spc="-1" strike="noStrike">
+              <a:solidFill>
+                <a:srgbClr val="000000"/>
+              </a:solidFill>
+              <a:uFill>
+                <a:solidFill>
+                  <a:srgbClr val="ffffff"/>
+                </a:solidFill>
+              </a:uFill>
+              <a:latin typeface="Arial"/>
+            </a:endParaRPr>
+          </a:p>
+          <a:p>
+            <a:pPr marL="457200" indent="-456120">
+              <a:lnSpc>
+                <a:spcPct val="100000"/>
+              </a:lnSpc>
+              <a:buClr>
+                <a:srgbClr val="000000"/>
+              </a:buClr>
+              <a:buFont typeface="Arial"/>
+              <a:buChar char="•"/>
+            </a:pPr>
+            <a:r>
+              <a:rPr b="0" lang="en-US" sz="4400" spc="-1" strike="noStrike">
+                <a:solidFill>
+                  <a:srgbClr val="000000"/>
+                </a:solidFill>
+                <a:uFill>
+                  <a:solidFill>
+                    <a:srgbClr val="ffffff"/>
+                  </a:solidFill>
+                </a:uFill>
+                <a:latin typeface="Trebuchet MS"/>
+                <a:ea typeface="DejaVu Sans"/>
+              </a:rPr>
+              <a:t>Bluez Module for Controller Bluetooth Connection</a:t>
+            </a:r>
+            <a:endParaRPr b="0" lang="en-US" sz="1800" spc="-1" strike="noStrike">
+              <a:solidFill>
+                <a:srgbClr val="000000"/>
+              </a:solidFill>
+              <a:uFill>
+                <a:solidFill>
+                  <a:srgbClr val="ffffff"/>
+                </a:solidFill>
+              </a:uFill>
+              <a:latin typeface="Arial"/>
+            </a:endParaRPr>
+          </a:p>
+          <a:p>
+            <a:pPr marL="457200" indent="-456120">
+              <a:lnSpc>
+                <a:spcPct val="100000"/>
+              </a:lnSpc>
+              <a:buClr>
+                <a:srgbClr val="000000"/>
+              </a:buClr>
+              <a:buFont typeface="Arial"/>
+              <a:buChar char="•"/>
+            </a:pPr>
+            <a:r>
+              <a:rPr b="0" lang="en-US" sz="4400" spc="-1" strike="noStrike">
+                <a:solidFill>
+                  <a:srgbClr val="000000"/>
+                </a:solidFill>
+                <a:uFill>
+                  <a:solidFill>
+                    <a:srgbClr val="ffffff"/>
+                  </a:solidFill>
+                </a:uFill>
+                <a:latin typeface="Trebuchet MS"/>
+                <a:ea typeface="DejaVu Sans"/>
+              </a:rPr>
+              <a:t>Measurement of CO2, Temperature, Specific Gravity Data During Brewing</a:t>
+            </a:r>
+            <a:endParaRPr b="0" lang="en-US" sz="1800" spc="-1" strike="noStrike">
+              <a:solidFill>
+                <a:srgbClr val="000000"/>
+              </a:solidFill>
+              <a:uFill>
+                <a:solidFill>
+                  <a:srgbClr val="ffffff"/>
+                </a:solidFill>
+              </a:uFill>
+              <a:latin typeface="Arial"/>
+            </a:endParaRPr>
+          </a:p>
+          <a:p>
+            <a:pPr marL="457200" indent="-456120">
+              <a:lnSpc>
+                <a:spcPct val="100000"/>
+              </a:lnSpc>
+              <a:buClr>
+                <a:srgbClr val="000000"/>
+              </a:buClr>
+              <a:buFont typeface="Arial"/>
+              <a:buChar char="•"/>
+            </a:pPr>
+            <a:r>
+              <a:rPr b="0" lang="en-US" sz="4400" spc="-1" strike="noStrike">
+                <a:solidFill>
+                  <a:srgbClr val="000000"/>
+                </a:solidFill>
+                <a:uFill>
+                  <a:solidFill>
+                    <a:srgbClr val="ffffff"/>
+                  </a:solidFill>
+                </a:uFill>
+                <a:latin typeface="Trebuchet MS"/>
+                <a:ea typeface="DejaVu Sans"/>
+              </a:rPr>
+              <a:t>Sores Batch Data in sqlite3 database</a:t>
+            </a:r>
+            <a:endParaRPr b="0" lang="en-US" sz="1800" spc="-1" strike="noStrike">
+              <a:solidFill>
+                <a:srgbClr val="000000"/>
+              </a:solidFill>
+              <a:uFill>
+                <a:solidFill>
+                  <a:srgbClr val="ffffff"/>
+                </a:solidFill>
+              </a:uFill>
+              <a:latin typeface="Arial"/>
+            </a:endParaRPr>
+          </a:p>
+          <a:p>
+            <a:pPr marL="457200" indent="-456120">
+              <a:lnSpc>
+                <a:spcPct val="100000"/>
+              </a:lnSpc>
+              <a:buClr>
+                <a:srgbClr val="000000"/>
+              </a:buClr>
+              <a:buFont typeface="Arial"/>
+              <a:buChar char="•"/>
+            </a:pPr>
+            <a:r>
+              <a:rPr b="0" lang="en-US" sz="4400" spc="-1" strike="noStrike">
+                <a:solidFill>
+                  <a:srgbClr val="000000"/>
+                </a:solidFill>
+                <a:uFill>
+                  <a:solidFill>
+                    <a:srgbClr val="ffffff"/>
+                  </a:solidFill>
+                </a:uFill>
+                <a:latin typeface="Trebuchet MS"/>
+                <a:ea typeface="DejaVu Sans"/>
+              </a:rPr>
+              <a:t>Stirring and Heating Capabilities</a:t>
+            </a:r>
+            <a:endParaRPr b="0" lang="en-US" sz="1800" spc="-1" strike="noStrike">
+              <a:solidFill>
+                <a:srgbClr val="000000"/>
+              </a:solidFill>
+              <a:uFill>
+                <a:solidFill>
+                  <a:srgbClr val="ffffff"/>
+                </a:solidFill>
+              </a:uFill>
+              <a:latin typeface="Arial"/>
+            </a:endParaRPr>
+          </a:p>
+          <a:p>
+            <a:pPr marL="457200" indent="-456120">
+              <a:lnSpc>
+                <a:spcPct val="100000"/>
+              </a:lnSpc>
+              <a:buClr>
+                <a:srgbClr val="000000"/>
+              </a:buClr>
+              <a:buFont typeface="Arial"/>
+              <a:buChar char="•"/>
+            </a:pPr>
+            <a:r>
+              <a:rPr b="0" lang="en-US" sz="4400" spc="-1" strike="noStrike">
+                <a:solidFill>
+                  <a:srgbClr val="000000"/>
+                </a:solidFill>
+                <a:uFill>
+                  <a:solidFill>
+                    <a:srgbClr val="ffffff"/>
+                  </a:solidFill>
+                </a:uFill>
+                <a:latin typeface="Trebuchet MS"/>
+                <a:ea typeface="DejaVu Sans"/>
+              </a:rPr>
+              <a:t> </a:t>
+            </a:r>
+            <a:endParaRPr b="0" lang="en-US" sz="1800" spc="-1" strike="noStrike">
+              <a:solidFill>
+                <a:srgbClr val="000000"/>
+              </a:solidFill>
+              <a:uFill>
+                <a:solidFill>
+                  <a:srgbClr val="ffffff"/>
+                </a:solidFill>
+              </a:uFill>
+              <a:latin typeface="Arial"/>
             </a:endParaRPr>
           </a:p>
           <a:p>
@@ -2631,21 +2980,39 @@
                   <a:srgbClr val="ffffff"/>
                 </a:solidFill>
               </a:uFill>
-              <a:latin typeface="Nimbus Sans"/>
+              <a:latin typeface="Arial"/>
+            </a:endParaRPr>
+          </a:p>
+          <a:p>
+            <a:pPr>
+              <a:lnSpc>
+                <a:spcPct val="100000"/>
+              </a:lnSpc>
+            </a:pPr>
+            <a:endParaRPr b="0" lang="en-US" sz="1800" spc="-1" strike="noStrike">
+              <a:solidFill>
+                <a:srgbClr val="000000"/>
+              </a:solidFill>
+              <a:uFill>
+                <a:solidFill>
+                  <a:srgbClr val="ffffff"/>
+                </a:solidFill>
+              </a:uFill>
+              <a:latin typeface="Arial"/>
             </a:endParaRPr>
           </a:p>
         </p:txBody>
       </p:sp>
       <p:sp>
         <p:nvSpPr>
-          <p:cNvPr id="47" name="CustomShape 5"/>
+          <p:cNvPr id="46" name="CustomShape 5"/>
           <p:cNvSpPr/>
           <p:nvPr/>
         </p:nvSpPr>
         <p:spPr>
           <a:xfrm>
             <a:off x="970200" y="4330800"/>
-            <a:ext cx="8562600" cy="27032760"/>
+            <a:ext cx="8562240" cy="27032400"/>
           </a:xfrm>
           <a:prstGeom prst="rect">
             <a:avLst/>
@@ -2693,7 +3060,7 @@
                   <a:srgbClr val="ffffff"/>
                 </a:solidFill>
               </a:uFill>
-              <a:latin typeface="Nimbus Sans"/>
+              <a:latin typeface="Arial"/>
             </a:endParaRPr>
           </a:p>
           <a:p>
@@ -2726,18 +3093,18 @@
                   <a:srgbClr val="ffffff"/>
                 </a:solidFill>
               </a:uFill>
-              <a:latin typeface="Nimbus Sans"/>
-            </a:endParaRPr>
-          </a:p>
-          <a:p>
-            <a:pPr marL="216000" indent="-216000">
+              <a:latin typeface="Arial"/>
+            </a:endParaRPr>
+          </a:p>
+          <a:p>
+            <a:pPr marL="216000" indent="-215640">
               <a:lnSpc>
                 <a:spcPct val="100000"/>
               </a:lnSpc>
               <a:buClr>
                 <a:srgbClr val="000000"/>
               </a:buClr>
-              <a:buFont typeface="Symbol" charset="2"/>
+              <a:buFont typeface="Symbol"/>
               <a:buChar char=""/>
             </a:pPr>
             <a:r>
@@ -2779,18 +3146,18 @@
                   <a:srgbClr val="ffffff"/>
                 </a:solidFill>
               </a:uFill>
-              <a:latin typeface="Nimbus Sans"/>
-            </a:endParaRPr>
-          </a:p>
-          <a:p>
-            <a:pPr marL="216000" indent="-216000">
+              <a:latin typeface="Arial"/>
+            </a:endParaRPr>
+          </a:p>
+          <a:p>
+            <a:pPr marL="216000" indent="-215640">
               <a:lnSpc>
                 <a:spcPct val="100000"/>
               </a:lnSpc>
               <a:buClr>
                 <a:srgbClr val="000000"/>
               </a:buClr>
-              <a:buFont typeface="Symbol" charset="2"/>
+              <a:buFont typeface="Symbol"/>
               <a:buChar char=""/>
             </a:pPr>
             <a:r>
@@ -2832,18 +3199,18 @@
                   <a:srgbClr val="ffffff"/>
                 </a:solidFill>
               </a:uFill>
-              <a:latin typeface="Nimbus Sans"/>
-            </a:endParaRPr>
-          </a:p>
-          <a:p>
-            <a:pPr marL="216000" indent="-216000">
+              <a:latin typeface="Arial"/>
+            </a:endParaRPr>
+          </a:p>
+          <a:p>
+            <a:pPr marL="216000" indent="-215640">
               <a:lnSpc>
                 <a:spcPct val="100000"/>
               </a:lnSpc>
               <a:buClr>
                 <a:srgbClr val="000000"/>
               </a:buClr>
-              <a:buFont typeface="Symbol" charset="2"/>
+              <a:buFont typeface="Symbol"/>
               <a:buChar char=""/>
             </a:pPr>
             <a:r>
@@ -2885,7 +3252,7 @@
                   <a:srgbClr val="ffffff"/>
                 </a:solidFill>
               </a:uFill>
-              <a:latin typeface="Nimbus Sans"/>
+              <a:latin typeface="Arial"/>
             </a:endParaRPr>
           </a:p>
           <a:p>
@@ -2903,7 +3270,7 @@
                   <a:srgbClr val="ffffff"/>
                 </a:solidFill>
               </a:uFill>
-              <a:latin typeface="Nimbus Sans"/>
+              <a:latin typeface="Arial"/>
             </a:endParaRPr>
           </a:p>
           <a:p>
@@ -2921,7 +3288,7 @@
                   <a:srgbClr val="ffffff"/>
                 </a:solidFill>
               </a:uFill>
-              <a:latin typeface="Nimbus Sans"/>
+              <a:latin typeface="Arial"/>
             </a:endParaRPr>
           </a:p>
           <a:p>
@@ -2939,7 +3306,7 @@
                   <a:srgbClr val="ffffff"/>
                 </a:solidFill>
               </a:uFill>
-              <a:latin typeface="Nimbus Sans"/>
+              <a:latin typeface="Arial"/>
             </a:endParaRPr>
           </a:p>
           <a:p>
@@ -2957,7 +3324,7 @@
                   <a:srgbClr val="ffffff"/>
                 </a:solidFill>
               </a:uFill>
-              <a:latin typeface="Nimbus Sans"/>
+              <a:latin typeface="Arial"/>
             </a:endParaRPr>
           </a:p>
           <a:p>
@@ -2975,7 +3342,7 @@
                   <a:srgbClr val="ffffff"/>
                 </a:solidFill>
               </a:uFill>
-              <a:latin typeface="Nimbus Sans"/>
+              <a:latin typeface="Arial"/>
             </a:endParaRPr>
           </a:p>
           <a:p>
@@ -2993,7 +3360,7 @@
                   <a:srgbClr val="ffffff"/>
                 </a:solidFill>
               </a:uFill>
-              <a:latin typeface="Nimbus Sans"/>
+              <a:latin typeface="Arial"/>
             </a:endParaRPr>
           </a:p>
           <a:p>
@@ -3011,7 +3378,7 @@
                   <a:srgbClr val="ffffff"/>
                 </a:solidFill>
               </a:uFill>
-              <a:latin typeface="Nimbus Sans"/>
+              <a:latin typeface="Arial"/>
             </a:endParaRPr>
           </a:p>
           <a:p>
@@ -3029,7 +3396,7 @@
                   <a:srgbClr val="ffffff"/>
                 </a:solidFill>
               </a:uFill>
-              <a:latin typeface="Nimbus Sans"/>
+              <a:latin typeface="Arial"/>
             </a:endParaRPr>
           </a:p>
           <a:p>
@@ -3047,7 +3414,7 @@
                   <a:srgbClr val="ffffff"/>
                 </a:solidFill>
               </a:uFill>
-              <a:latin typeface="Nimbus Sans"/>
+              <a:latin typeface="Arial"/>
             </a:endParaRPr>
           </a:p>
           <a:p>
@@ -3065,7 +3432,7 @@
                   <a:srgbClr val="ffffff"/>
                 </a:solidFill>
               </a:uFill>
-              <a:latin typeface="Nimbus Sans"/>
+              <a:latin typeface="Arial"/>
             </a:endParaRPr>
           </a:p>
           <a:p>
@@ -3083,7 +3450,7 @@
                   <a:srgbClr val="ffffff"/>
                 </a:solidFill>
               </a:uFill>
-              <a:latin typeface="Nimbus Sans"/>
+              <a:latin typeface="Arial"/>
             </a:endParaRPr>
           </a:p>
           <a:p>
@@ -3101,7 +3468,7 @@
                   <a:srgbClr val="ffffff"/>
                 </a:solidFill>
               </a:uFill>
-              <a:latin typeface="Nimbus Sans"/>
+              <a:latin typeface="Arial"/>
             </a:endParaRPr>
           </a:p>
           <a:p>
@@ -3119,7 +3486,7 @@
                   <a:srgbClr val="ffffff"/>
                 </a:solidFill>
               </a:uFill>
-              <a:latin typeface="Nimbus Sans"/>
+              <a:latin typeface="Arial"/>
             </a:endParaRPr>
           </a:p>
           <a:p>
@@ -3137,7 +3504,7 @@
                   <a:srgbClr val="ffffff"/>
                 </a:solidFill>
               </a:uFill>
-              <a:latin typeface="Nimbus Sans"/>
+              <a:latin typeface="Arial"/>
             </a:endParaRPr>
           </a:p>
           <a:p>
@@ -3155,7 +3522,7 @@
                   <a:srgbClr val="ffffff"/>
                 </a:solidFill>
               </a:uFill>
-              <a:latin typeface="Nimbus Sans"/>
+              <a:latin typeface="Arial"/>
             </a:endParaRPr>
           </a:p>
           <a:p>
@@ -3173,7 +3540,7 @@
                   <a:srgbClr val="ffffff"/>
                 </a:solidFill>
               </a:uFill>
-              <a:latin typeface="Nimbus Sans"/>
+              <a:latin typeface="Arial"/>
             </a:endParaRPr>
           </a:p>
           <a:p>
@@ -3191,7 +3558,7 @@
                   <a:srgbClr val="ffffff"/>
                 </a:solidFill>
               </a:uFill>
-              <a:latin typeface="Nimbus Sans"/>
+              <a:latin typeface="Arial"/>
             </a:endParaRPr>
           </a:p>
           <a:p>
@@ -3209,7 +3576,7 @@
                   <a:srgbClr val="ffffff"/>
                 </a:solidFill>
               </a:uFill>
-              <a:latin typeface="Nimbus Sans"/>
+              <a:latin typeface="Arial"/>
             </a:endParaRPr>
           </a:p>
           <a:p>
@@ -3227,7 +3594,7 @@
                   <a:srgbClr val="ffffff"/>
                 </a:solidFill>
               </a:uFill>
-              <a:latin typeface="Nimbus Sans"/>
+              <a:latin typeface="Arial"/>
             </a:endParaRPr>
           </a:p>
           <a:p>
@@ -3245,7 +3612,7 @@
                   <a:srgbClr val="ffffff"/>
                 </a:solidFill>
               </a:uFill>
-              <a:latin typeface="Nimbus Sans"/>
+              <a:latin typeface="Arial"/>
             </a:endParaRPr>
           </a:p>
           <a:p>
@@ -3278,7 +3645,7 @@
                   <a:srgbClr val="ffffff"/>
                 </a:solidFill>
               </a:uFill>
-              <a:latin typeface="Nimbus Sans"/>
+              <a:latin typeface="Arial"/>
             </a:endParaRPr>
           </a:p>
           <a:p>
@@ -3300,8 +3667,31 @@
                 <a:latin typeface="Trebuchet MS"/>
                 <a:ea typeface="DejaVu Sans"/>
               </a:rPr>
-              <a:t>To</a:t>
-            </a:r>
+              <a:t>To handle these constraints, we employed </a:t>
+            </a:r>
+            <a:endParaRPr b="0" lang="en-US" sz="1800" spc="-1" strike="noStrike">
+              <a:solidFill>
+                <a:srgbClr val="000000"/>
+              </a:solidFill>
+              <a:uFill>
+                <a:solidFill>
+                  <a:srgbClr val="ffffff"/>
+                </a:solidFill>
+              </a:uFill>
+              <a:latin typeface="Arial"/>
+            </a:endParaRPr>
+          </a:p>
+          <a:p>
+            <a:pPr marL="216000" indent="-215640">
+              <a:lnSpc>
+                <a:spcPct val="100000"/>
+              </a:lnSpc>
+              <a:buClr>
+                <a:srgbClr val="000000"/>
+              </a:buClr>
+              <a:buFont typeface="Symbol"/>
+              <a:buChar char=""/>
+            </a:pPr>
             <a:r>
               <a:rPr b="0" lang="en-US" sz="4000" spc="-1" strike="noStrike">
                 <a:solidFill>
@@ -3315,31 +3705,8 @@
                 <a:latin typeface="Trebuchet MS"/>
                 <a:ea typeface="DejaVu Sans"/>
               </a:rPr>
-              <a:t> handle these constraints, we employed </a:t>
-            </a:r>
-            <a:endParaRPr b="0" lang="en-US" sz="1800" spc="-1" strike="noStrike">
-              <a:solidFill>
-                <a:srgbClr val="000000"/>
-              </a:solidFill>
-              <a:uFill>
-                <a:solidFill>
-                  <a:srgbClr val="ffffff"/>
-                </a:solidFill>
-              </a:uFill>
-              <a:latin typeface="Nimbus Sans"/>
-            </a:endParaRPr>
-          </a:p>
-          <a:p>
-            <a:pPr marL="216000" indent="-216000">
-              <a:lnSpc>
-                <a:spcPct val="100000"/>
-              </a:lnSpc>
-              <a:buClr>
-                <a:srgbClr val="000000"/>
-              </a:buClr>
-              <a:buFont typeface="Symbol" charset="2"/>
-              <a:buChar char=""/>
-            </a:pPr>
+              <a:t> </a:t>
+            </a:r>
             <a:r>
               <a:rPr b="0" lang="en-US" sz="4000" spc="-1" strike="noStrike">
                 <a:solidFill>
@@ -3353,8 +3720,31 @@
                 <a:latin typeface="Trebuchet MS"/>
                 <a:ea typeface="DejaVu Sans"/>
               </a:rPr>
-              <a:t> </a:t>
-            </a:r>
+              <a:t>A state action design, so the AI makes decisions about what action to take at a given time step.</a:t>
+            </a:r>
+            <a:endParaRPr b="0" lang="en-US" sz="1800" spc="-1" strike="noStrike">
+              <a:solidFill>
+                <a:srgbClr val="000000"/>
+              </a:solidFill>
+              <a:uFill>
+                <a:solidFill>
+                  <a:srgbClr val="ffffff"/>
+                </a:solidFill>
+              </a:uFill>
+              <a:latin typeface="Arial"/>
+            </a:endParaRPr>
+          </a:p>
+          <a:p>
+            <a:pPr marL="216000" indent="-215640">
+              <a:lnSpc>
+                <a:spcPct val="100000"/>
+              </a:lnSpc>
+              <a:buClr>
+                <a:srgbClr val="000000"/>
+              </a:buClr>
+              <a:buFont typeface="Symbol"/>
+              <a:buChar char=""/>
+            </a:pPr>
             <a:r>
               <a:rPr b="0" lang="en-US" sz="4000" spc="-1" strike="noStrike">
                 <a:solidFill>
@@ -3368,31 +3758,8 @@
                 <a:latin typeface="Trebuchet MS"/>
                 <a:ea typeface="DejaVu Sans"/>
               </a:rPr>
-              <a:t>A state action design, so the AI makes decisions about what action to take at a given time step.</a:t>
-            </a:r>
-            <a:endParaRPr b="0" lang="en-US" sz="1800" spc="-1" strike="noStrike">
-              <a:solidFill>
-                <a:srgbClr val="000000"/>
-              </a:solidFill>
-              <a:uFill>
-                <a:solidFill>
-                  <a:srgbClr val="ffffff"/>
-                </a:solidFill>
-              </a:uFill>
-              <a:latin typeface="Nimbus Sans"/>
-            </a:endParaRPr>
-          </a:p>
-          <a:p>
-            <a:pPr marL="216000" indent="-216000">
-              <a:lnSpc>
-                <a:spcPct val="100000"/>
-              </a:lnSpc>
-              <a:buClr>
-                <a:srgbClr val="000000"/>
-              </a:buClr>
-              <a:buFont typeface="Symbol" charset="2"/>
-              <a:buChar char=""/>
-            </a:pPr>
+              <a:t> </a:t>
+            </a:r>
             <a:r>
               <a:rPr b="0" lang="en-US" sz="4000" spc="-1" strike="noStrike">
                 <a:solidFill>
@@ -3406,8 +3773,31 @@
                 <a:latin typeface="Trebuchet MS"/>
                 <a:ea typeface="DejaVu Sans"/>
               </a:rPr>
-              <a:t> </a:t>
-            </a:r>
+              <a:t>Reinforcement learning to incorporate the user’s rating of the final product into the learning process</a:t>
+            </a:r>
+            <a:endParaRPr b="0" lang="en-US" sz="1800" spc="-1" strike="noStrike">
+              <a:solidFill>
+                <a:srgbClr val="000000"/>
+              </a:solidFill>
+              <a:uFill>
+                <a:solidFill>
+                  <a:srgbClr val="ffffff"/>
+                </a:solidFill>
+              </a:uFill>
+              <a:latin typeface="Arial"/>
+            </a:endParaRPr>
+          </a:p>
+          <a:p>
+            <a:pPr marL="216000" indent="-215640">
+              <a:lnSpc>
+                <a:spcPct val="100000"/>
+              </a:lnSpc>
+              <a:buClr>
+                <a:srgbClr val="000000"/>
+              </a:buClr>
+              <a:buFont typeface="Symbol"/>
+              <a:buChar char=""/>
+            </a:pPr>
             <a:r>
               <a:rPr b="0" lang="en-US" sz="4000" spc="-1" strike="noStrike">
                 <a:solidFill>
@@ -3421,31 +3811,8 @@
                 <a:latin typeface="Trebuchet MS"/>
                 <a:ea typeface="DejaVu Sans"/>
               </a:rPr>
-              <a:t>Reinforcement learning to incorporate the user’s rating of the final product into the learning process</a:t>
-            </a:r>
-            <a:endParaRPr b="0" lang="en-US" sz="1800" spc="-1" strike="noStrike">
-              <a:solidFill>
-                <a:srgbClr val="000000"/>
-              </a:solidFill>
-              <a:uFill>
-                <a:solidFill>
-                  <a:srgbClr val="ffffff"/>
-                </a:solidFill>
-              </a:uFill>
-              <a:latin typeface="Nimbus Sans"/>
-            </a:endParaRPr>
-          </a:p>
-          <a:p>
-            <a:pPr marL="216000" indent="-216000">
-              <a:lnSpc>
-                <a:spcPct val="100000"/>
-              </a:lnSpc>
-              <a:buClr>
-                <a:srgbClr val="000000"/>
-              </a:buClr>
-              <a:buFont typeface="Symbol" charset="2"/>
-              <a:buChar char=""/>
-            </a:pPr>
+              <a:t> </a:t>
+            </a:r>
             <a:r>
               <a:rPr b="0" lang="en-US" sz="4000" spc="-1" strike="noStrike">
                 <a:solidFill>
@@ -3459,8 +3826,26 @@
                 <a:latin typeface="Trebuchet MS"/>
                 <a:ea typeface="DejaVu Sans"/>
               </a:rPr>
-              <a:t> </a:t>
-            </a:r>
+              <a:t>A neural network solution, to void strict dimension issues with a static design</a:t>
+            </a:r>
+            <a:endParaRPr b="0" lang="en-US" sz="1800" spc="-1" strike="noStrike">
+              <a:solidFill>
+                <a:srgbClr val="000000"/>
+              </a:solidFill>
+              <a:uFill>
+                <a:solidFill>
+                  <a:srgbClr val="ffffff"/>
+                </a:solidFill>
+              </a:uFill>
+              <a:latin typeface="Arial"/>
+            </a:endParaRPr>
+          </a:p>
+          <a:p>
+            <a:pPr>
+              <a:lnSpc>
+                <a:spcPct val="100000"/>
+              </a:lnSpc>
+            </a:pPr>
             <a:r>
               <a:rPr b="0" lang="en-US" sz="4000" spc="-1" strike="noStrike">
                 <a:solidFill>
@@ -3474,18 +3859,18 @@
                 <a:latin typeface="Trebuchet MS"/>
                 <a:ea typeface="DejaVu Sans"/>
               </a:rPr>
-              <a:t>A neural network solution, to void strict dimension issues with a static design</a:t>
-            </a:r>
-            <a:endParaRPr b="0" lang="en-US" sz="1800" spc="-1" strike="noStrike">
-              <a:solidFill>
-                <a:srgbClr val="000000"/>
-              </a:solidFill>
-              <a:uFill>
-                <a:solidFill>
-                  <a:srgbClr val="ffffff"/>
-                </a:solidFill>
-              </a:uFill>
-              <a:latin typeface="Nimbus Sans"/>
+              <a:t>This led to a general Q-Learning agent which approximates the Q-table in the neural network.</a:t>
+            </a:r>
+            <a:endParaRPr b="0" lang="en-US" sz="1800" spc="-1" strike="noStrike">
+              <a:solidFill>
+                <a:srgbClr val="000000"/>
+              </a:solidFill>
+              <a:uFill>
+                <a:solidFill>
+                  <a:srgbClr val="ffffff"/>
+                </a:solidFill>
+              </a:uFill>
+              <a:latin typeface="Arial"/>
             </a:endParaRPr>
           </a:p>
           <a:p>
@@ -3494,63 +3879,30 @@
                 <a:spcPct val="100000"/>
               </a:lnSpc>
             </a:pPr>
-            <a:r>
-              <a:rPr b="0" lang="en-US" sz="4000" spc="-1" strike="noStrike">
-                <a:solidFill>
-                  <a:srgbClr val="000000"/>
-                </a:solidFill>
-                <a:uFill>
-                  <a:solidFill>
-                    <a:srgbClr val="ffffff"/>
-                  </a:solidFill>
-                </a:uFill>
-                <a:latin typeface="Trebuchet MS"/>
-                <a:ea typeface="DejaVu Sans"/>
-              </a:rPr>
-              <a:t>This led to a general Q-Learning agent which approximates the Q-table in the neural network.</a:t>
-            </a:r>
-            <a:endParaRPr b="0" lang="en-US" sz="1800" spc="-1" strike="noStrike">
-              <a:solidFill>
-                <a:srgbClr val="000000"/>
-              </a:solidFill>
-              <a:uFill>
-                <a:solidFill>
-                  <a:srgbClr val="ffffff"/>
-                </a:solidFill>
-              </a:uFill>
-              <a:latin typeface="Nimbus Sans"/>
-            </a:endParaRPr>
-          </a:p>
-          <a:p>
-            <a:pPr>
-              <a:lnSpc>
-                <a:spcPct val="100000"/>
-              </a:lnSpc>
-            </a:pPr>
-            <a:endParaRPr b="0" lang="en-US" sz="1800" spc="-1" strike="noStrike">
-              <a:solidFill>
-                <a:srgbClr val="000000"/>
-              </a:solidFill>
-              <a:uFill>
-                <a:solidFill>
-                  <a:srgbClr val="ffffff"/>
-                </a:solidFill>
-              </a:uFill>
-              <a:latin typeface="Nimbus Sans"/>
+            <a:endParaRPr b="0" lang="en-US" sz="1800" spc="-1" strike="noStrike">
+              <a:solidFill>
+                <a:srgbClr val="000000"/>
+              </a:solidFill>
+              <a:uFill>
+                <a:solidFill>
+                  <a:srgbClr val="ffffff"/>
+                </a:solidFill>
+              </a:uFill>
+              <a:latin typeface="Arial"/>
             </a:endParaRPr>
           </a:p>
         </p:txBody>
       </p:sp>
       <p:sp>
         <p:nvSpPr>
-          <p:cNvPr id="48" name="CustomShape 6"/>
+          <p:cNvPr id="47" name="CustomShape 6"/>
           <p:cNvSpPr/>
           <p:nvPr/>
         </p:nvSpPr>
         <p:spPr>
           <a:xfrm>
             <a:off x="982800" y="2820960"/>
-            <a:ext cx="8550000" cy="2103480"/>
+            <a:ext cx="8549640" cy="2103120"/>
           </a:xfrm>
           <a:prstGeom prst="rect">
             <a:avLst/>
@@ -3598,21 +3950,21 @@
                   <a:srgbClr val="ffffff"/>
                 </a:solidFill>
               </a:uFill>
-              <a:latin typeface="Nimbus Sans"/>
+              <a:latin typeface="Arial"/>
             </a:endParaRPr>
           </a:p>
         </p:txBody>
       </p:sp>
       <p:sp>
         <p:nvSpPr>
-          <p:cNvPr id="49" name="CustomShape 7"/>
+          <p:cNvPr id="48" name="CustomShape 7"/>
           <p:cNvSpPr/>
           <p:nvPr/>
         </p:nvSpPr>
         <p:spPr>
           <a:xfrm>
             <a:off x="32527800" y="14371560"/>
-            <a:ext cx="8551800" cy="2145960"/>
+            <a:ext cx="8551440" cy="2145600"/>
           </a:xfrm>
           <a:prstGeom prst="rect">
             <a:avLst/>
@@ -3631,14 +3983,14 @@
       </p:sp>
       <p:sp>
         <p:nvSpPr>
-          <p:cNvPr id="50" name="CustomShape 8"/>
+          <p:cNvPr id="49" name="CustomShape 8"/>
           <p:cNvSpPr/>
           <p:nvPr/>
         </p:nvSpPr>
         <p:spPr>
           <a:xfrm>
             <a:off x="32527800" y="14904720"/>
-            <a:ext cx="8551800" cy="10090800"/>
+            <a:ext cx="8551440" cy="10090440"/>
           </a:xfrm>
           <a:prstGeom prst="rect">
             <a:avLst/>
@@ -3686,11 +4038,11 @@
                   <a:srgbClr val="ffffff"/>
                 </a:solidFill>
               </a:uFill>
-              <a:latin typeface="Nimbus Sans"/>
-            </a:endParaRPr>
-          </a:p>
-          <a:p>
-            <a:pPr marL="457200" indent="-456480">
+              <a:latin typeface="Arial"/>
+            </a:endParaRPr>
+          </a:p>
+          <a:p>
+            <a:pPr marL="457200" indent="-456120">
               <a:lnSpc>
                 <a:spcPct val="100000"/>
               </a:lnSpc>
@@ -3724,11 +4076,11 @@
                   <a:srgbClr val="ffffff"/>
                 </a:solidFill>
               </a:uFill>
-              <a:latin typeface="Nimbus Sans"/>
-            </a:endParaRPr>
-          </a:p>
-          <a:p>
-            <a:pPr marL="457200" indent="-456480">
+              <a:latin typeface="Arial"/>
+            </a:endParaRPr>
+          </a:p>
+          <a:p>
+            <a:pPr marL="457200" indent="-456120">
               <a:lnSpc>
                 <a:spcPct val="100000"/>
               </a:lnSpc>
@@ -3762,11 +4114,11 @@
                   <a:srgbClr val="ffffff"/>
                 </a:solidFill>
               </a:uFill>
-              <a:latin typeface="Nimbus Sans"/>
-            </a:endParaRPr>
-          </a:p>
-          <a:p>
-            <a:pPr marL="457200" indent="-456480">
+              <a:latin typeface="Arial"/>
+            </a:endParaRPr>
+          </a:p>
+          <a:p>
+            <a:pPr marL="457200" indent="-456120">
               <a:lnSpc>
                 <a:spcPct val="100000"/>
               </a:lnSpc>
@@ -3800,11 +4152,11 @@
                   <a:srgbClr val="ffffff"/>
                 </a:solidFill>
               </a:uFill>
-              <a:latin typeface="Nimbus Sans"/>
-            </a:endParaRPr>
-          </a:p>
-          <a:p>
-            <a:pPr marL="457200" indent="-456480">
+              <a:latin typeface="Arial"/>
+            </a:endParaRPr>
+          </a:p>
+          <a:p>
+            <a:pPr marL="457200" indent="-456120">
               <a:lnSpc>
                 <a:spcPct val="100000"/>
               </a:lnSpc>
@@ -3838,7 +4190,7 @@
                   <a:srgbClr val="ffffff"/>
                 </a:solidFill>
               </a:uFill>
-              <a:latin typeface="Nimbus Sans"/>
+              <a:latin typeface="Arial"/>
             </a:endParaRPr>
           </a:p>
           <a:p>
@@ -3856,21 +4208,21 @@
                   <a:srgbClr val="ffffff"/>
                 </a:solidFill>
               </a:uFill>
-              <a:latin typeface="Nimbus Sans"/>
+              <a:latin typeface="Arial"/>
             </a:endParaRPr>
           </a:p>
         </p:txBody>
       </p:sp>
       <p:sp>
         <p:nvSpPr>
-          <p:cNvPr id="51" name="CustomShape 9"/>
+          <p:cNvPr id="50" name="CustomShape 9"/>
           <p:cNvSpPr/>
           <p:nvPr/>
         </p:nvSpPr>
         <p:spPr>
           <a:xfrm>
             <a:off x="11260440" y="5221440"/>
-            <a:ext cx="9221760" cy="7579800"/>
+            <a:ext cx="9221400" cy="7579440"/>
           </a:xfrm>
           <a:prstGeom prst="rect">
             <a:avLst/>
@@ -3931,21 +4283,21 @@
                   <a:srgbClr val="ffffff"/>
                 </a:solidFill>
               </a:uFill>
-              <a:latin typeface="Nimbus Sans"/>
+              <a:latin typeface="Arial"/>
             </a:endParaRPr>
           </a:p>
         </p:txBody>
       </p:sp>
       <p:sp>
         <p:nvSpPr>
-          <p:cNvPr id="52" name="CustomShape 10"/>
+          <p:cNvPr id="51" name="CustomShape 10"/>
           <p:cNvSpPr/>
           <p:nvPr/>
         </p:nvSpPr>
         <p:spPr>
           <a:xfrm>
             <a:off x="21227400" y="22503600"/>
-            <a:ext cx="9221760" cy="7579800"/>
+            <a:ext cx="9221400" cy="7579440"/>
           </a:xfrm>
           <a:prstGeom prst="rect">
             <a:avLst/>
@@ -4006,21 +4358,21 @@
                   <a:srgbClr val="ffffff"/>
                 </a:solidFill>
               </a:uFill>
-              <a:latin typeface="Nimbus Sans"/>
+              <a:latin typeface="Arial"/>
             </a:endParaRPr>
           </a:p>
         </p:txBody>
       </p:sp>
       <p:sp>
         <p:nvSpPr>
-          <p:cNvPr id="53" name="CustomShape 11"/>
+          <p:cNvPr id="52" name="CustomShape 11"/>
           <p:cNvSpPr/>
           <p:nvPr/>
         </p:nvSpPr>
         <p:spPr>
           <a:xfrm>
             <a:off x="32735520" y="3200400"/>
-            <a:ext cx="8229240" cy="10240920"/>
+            <a:ext cx="8228880" cy="10240560"/>
           </a:xfrm>
           <a:prstGeom prst="rect">
             <a:avLst/>
@@ -4043,14 +4395,14 @@
       </p:sp>
       <p:sp>
         <p:nvSpPr>
-          <p:cNvPr id="54" name="CustomShape 12"/>
+          <p:cNvPr id="53" name="CustomShape 12"/>
           <p:cNvSpPr/>
           <p:nvPr/>
         </p:nvSpPr>
         <p:spPr>
           <a:xfrm>
             <a:off x="33320160" y="7955280"/>
-            <a:ext cx="7223400" cy="5209200"/>
+            <a:ext cx="7223040" cy="5208840"/>
           </a:xfrm>
           <a:prstGeom prst="rect">
             <a:avLst/>
@@ -4080,6 +4432,7 @@
                   </a:solidFill>
                 </a:uFill>
                 <a:latin typeface="Arial"/>
+                <a:ea typeface="DejaVu Sans"/>
               </a:rPr>
               <a:t>TEAM MEMBERS</a:t>
             </a:r>
@@ -4092,7 +4445,7 @@
                   <a:srgbClr val="ffffff"/>
                 </a:solidFill>
               </a:uFill>
-              <a:latin typeface="Nimbus Sans"/>
+              <a:latin typeface="Arial"/>
             </a:endParaRPr>
           </a:p>
           <a:p>
@@ -4107,6 +4460,7 @@
                   </a:solidFill>
                 </a:uFill>
                 <a:latin typeface="Arial"/>
+                <a:ea typeface="DejaVu Sans"/>
               </a:rPr>
               <a:t>Cody Holliday</a:t>
             </a:r>
@@ -4119,7 +4473,7 @@
                   <a:srgbClr val="ffffff"/>
                 </a:solidFill>
               </a:uFill>
-              <a:latin typeface="Nimbus Sans"/>
+              <a:latin typeface="Arial"/>
             </a:endParaRPr>
           </a:p>
           <a:p>
@@ -4134,6 +4488,7 @@
                   </a:solidFill>
                 </a:uFill>
                 <a:latin typeface="Arial"/>
+                <a:ea typeface="DejaVu Sans"/>
               </a:rPr>
               <a:t>Aravind Parasurama</a:t>
             </a:r>
@@ -4146,7 +4501,7 @@
                   <a:srgbClr val="ffffff"/>
                 </a:solidFill>
               </a:uFill>
-              <a:latin typeface="Nimbus Sans"/>
+              <a:latin typeface="Arial"/>
             </a:endParaRPr>
           </a:p>
           <a:p>
@@ -4161,6 +4516,7 @@
                   </a:solidFill>
                 </a:uFill>
                 <a:latin typeface="Arial"/>
+                <a:ea typeface="DejaVu Sans"/>
               </a:rPr>
               <a:t>parsura</a:t>
             </a:r>
@@ -4173,7 +4529,7 @@
                   <a:srgbClr val="ffffff"/>
                 </a:solidFill>
               </a:uFill>
-              <a:latin typeface="Nimbus Sans"/>
+              <a:latin typeface="Arial"/>
             </a:endParaRPr>
           </a:p>
           <a:p>
@@ -4188,6 +4544,7 @@
                   </a:solidFill>
                 </a:uFill>
                 <a:latin typeface="Arial"/>
+                <a:ea typeface="DejaVu Sans"/>
               </a:rPr>
               <a:t>Connor Yates</a:t>
             </a:r>
@@ -4200,7 +4557,7 @@
                   <a:srgbClr val="ffffff"/>
                 </a:solidFill>
               </a:uFill>
-              <a:latin typeface="Nimbus Sans"/>
+              <a:latin typeface="Arial"/>
             </a:endParaRPr>
           </a:p>
           <a:p>
@@ -4215,6 +4572,7 @@
                   </a:solidFill>
                 </a:uFill>
                 <a:latin typeface="Arial"/>
+                <a:ea typeface="DejaVu Sans"/>
               </a:rPr>
               <a:t>yatesco@oregonstate.edu</a:t>
             </a:r>
@@ -4227,20 +4585,20 @@
                   <a:srgbClr val="ffffff"/>
                 </a:solidFill>
               </a:uFill>
-              <a:latin typeface="Nimbus Sans"/>
-            </a:endParaRPr>
-          </a:p>
-          <a:p>
-            <a:endParaRPr b="0" lang="en-US" sz="1800" spc="-1" strike="noStrike">
-              <a:solidFill>
-                <a:srgbClr val="000000"/>
-              </a:solidFill>
-              <a:uFill>
-                <a:solidFill>
-                  <a:srgbClr val="ffffff"/>
-                </a:solidFill>
-              </a:uFill>
-              <a:latin typeface="Nimbus Sans"/>
+              <a:latin typeface="Arial"/>
+            </a:endParaRPr>
+          </a:p>
+          <a:p>
+            <a:endParaRPr b="0" lang="en-US" sz="1800" spc="-1" strike="noStrike">
+              <a:solidFill>
+                <a:srgbClr val="000000"/>
+              </a:solidFill>
+              <a:uFill>
+                <a:solidFill>
+                  <a:srgbClr val="ffffff"/>
+                </a:solidFill>
+              </a:uFill>
+              <a:latin typeface="Arial"/>
             </a:endParaRPr>
           </a:p>
           <a:p>
@@ -4255,6 +4613,7 @@
                   </a:solidFill>
                 </a:uFill>
                 <a:latin typeface="Arial"/>
+                <a:ea typeface="DejaVu Sans"/>
               </a:rPr>
               <a:t>PROJECT MENTOR</a:t>
             </a:r>
@@ -4267,7 +4626,7 @@
                   <a:srgbClr val="ffffff"/>
                 </a:solidFill>
               </a:uFill>
-              <a:latin typeface="Nimbus Sans"/>
+              <a:latin typeface="Arial"/>
             </a:endParaRPr>
           </a:p>
           <a:p>
@@ -4282,6 +4641,7 @@
                   </a:solidFill>
                 </a:uFill>
                 <a:latin typeface="Arial"/>
+                <a:ea typeface="DejaVu Sans"/>
               </a:rPr>
               <a:t>Dale McCauley</a:t>
             </a:r>
@@ -4294,20 +4654,20 @@
                   <a:srgbClr val="ffffff"/>
                 </a:solidFill>
               </a:uFill>
-              <a:latin typeface="Nimbus Sans"/>
-            </a:endParaRPr>
-          </a:p>
-          <a:p>
-            <a:endParaRPr b="0" lang="en-US" sz="1800" spc="-1" strike="noStrike">
-              <a:solidFill>
-                <a:srgbClr val="000000"/>
-              </a:solidFill>
-              <a:uFill>
-                <a:solidFill>
-                  <a:srgbClr val="ffffff"/>
-                </a:solidFill>
-              </a:uFill>
-              <a:latin typeface="Nimbus Sans"/>
+              <a:latin typeface="Arial"/>
+            </a:endParaRPr>
+          </a:p>
+          <a:p>
+            <a:endParaRPr b="0" lang="en-US" sz="1800" spc="-1" strike="noStrike">
+              <a:solidFill>
+                <a:srgbClr val="000000"/>
+              </a:solidFill>
+              <a:uFill>
+                <a:solidFill>
+                  <a:srgbClr val="ffffff"/>
+                </a:solidFill>
+              </a:uFill>
+              <a:latin typeface="Arial"/>
             </a:endParaRPr>
           </a:p>
           <a:p>
@@ -4322,6 +4682,7 @@
                   </a:solidFill>
                 </a:uFill>
                 <a:latin typeface="Arial"/>
+                <a:ea typeface="DejaVu Sans"/>
               </a:rPr>
               <a:t>SPONSOR</a:t>
             </a:r>
@@ -4334,7 +4695,7 @@
                   <a:srgbClr val="ffffff"/>
                 </a:solidFill>
               </a:uFill>
-              <a:latin typeface="Nimbus Sans"/>
+              <a:latin typeface="Arial"/>
             </a:endParaRPr>
           </a:p>
           <a:p>
@@ -4349,6 +4710,7 @@
                   </a:solidFill>
                 </a:uFill>
                 <a:latin typeface="Arial"/>
+                <a:ea typeface="DejaVu Sans"/>
               </a:rPr>
               <a:t>College of Business InnovationX</a:t>
             </a:r>
@@ -4361,21 +4723,21 @@
                   <a:srgbClr val="ffffff"/>
                 </a:solidFill>
               </a:uFill>
-              <a:latin typeface="Nimbus Sans"/>
+              <a:latin typeface="Arial"/>
             </a:endParaRPr>
           </a:p>
         </p:txBody>
       </p:sp>
       <p:sp>
         <p:nvSpPr>
-          <p:cNvPr id="55" name="CustomShape 13"/>
+          <p:cNvPr id="54" name="CustomShape 13"/>
           <p:cNvSpPr/>
           <p:nvPr/>
         </p:nvSpPr>
         <p:spPr>
           <a:xfrm>
             <a:off x="33375600" y="5088240"/>
-            <a:ext cx="6949080" cy="855000"/>
+            <a:ext cx="6948720" cy="854640"/>
           </a:xfrm>
           <a:prstGeom prst="rect">
             <a:avLst/>
@@ -4405,6 +4767,7 @@
                   </a:solidFill>
                 </a:uFill>
                 <a:latin typeface="Arial"/>
+                <a:ea typeface="DejaVu Sans"/>
               </a:rPr>
               <a:t>TEAM PICTURE</a:t>
             </a:r>
@@ -4417,14 +4780,14 @@
                   <a:srgbClr val="ffffff"/>
                 </a:solidFill>
               </a:uFill>
-              <a:latin typeface="Nimbus Sans"/>
+              <a:latin typeface="Arial"/>
             </a:endParaRPr>
           </a:p>
         </p:txBody>
       </p:sp>
       <p:pic>
         <p:nvPicPr>
-          <p:cNvPr id="56" name="" descr=""/>
+          <p:cNvPr id="55" name="" descr=""/>
           <p:cNvPicPr/>
           <p:nvPr/>
         </p:nvPicPr>
@@ -4435,7 +4798,7 @@
         <p:spPr>
           <a:xfrm>
             <a:off x="279000" y="10515600"/>
-            <a:ext cx="10236600" cy="7680960"/>
+            <a:ext cx="10236240" cy="7680600"/>
           </a:xfrm>
           <a:prstGeom prst="rect">
             <a:avLst/>
@@ -4447,14 +4810,14 @@
       </p:pic>
       <p:sp>
         <p:nvSpPr>
-          <p:cNvPr id="57" name="TextShape 14"/>
-          <p:cNvSpPr txBox="1"/>
+          <p:cNvPr id="56" name="CustomShape 14"/>
+          <p:cNvSpPr/>
           <p:nvPr/>
         </p:nvSpPr>
         <p:spPr>
           <a:xfrm>
             <a:off x="1005840" y="18430920"/>
-            <a:ext cx="8778240" cy="1228680"/>
+            <a:ext cx="8777880" cy="1228320"/>
           </a:xfrm>
           <a:prstGeom prst="rect">
             <a:avLst/>
@@ -4464,6 +4827,12 @@
             <a:noFill/>
           </a:ln>
         </p:spPr>
+        <p:style>
+          <a:lnRef idx="0"/>
+          <a:fillRef idx="0"/>
+          <a:effectRef idx="0"/>
+          <a:fontRef idx="minor"/>
+        </p:style>
         <p:txBody>
           <a:bodyPr lIns="90000" rIns="90000" tIns="45000" bIns="45000"/>
           <a:p>
@@ -4481,16 +4850,16 @@
               </a:rPr>
               <a:t>Figure 1: A flowchart providing a high-level description on how the user feedback is incorporated into the decision-making process.</a:t>
             </a:r>
-            <a:endParaRPr b="0" lang="en-US" sz="3000" spc="-1" strike="noStrike">
-              <a:solidFill>
-                <a:srgbClr val="000000"/>
-              </a:solidFill>
-              <a:uFill>
-                <a:solidFill>
-                  <a:srgbClr val="ffffff"/>
-                </a:solidFill>
-              </a:uFill>
-              <a:latin typeface="Nimbus Sans"/>
+            <a:endParaRPr b="0" lang="en-US" sz="1800" spc="-1" strike="noStrike">
+              <a:solidFill>
+                <a:srgbClr val="000000"/>
+              </a:solidFill>
+              <a:uFill>
+                <a:solidFill>
+                  <a:srgbClr val="ffffff"/>
+                </a:solidFill>
+              </a:uFill>
+              <a:latin typeface="Arial"/>
             </a:endParaRPr>
           </a:p>
         </p:txBody>

--- a/docs/expo_poster/ResearchShowcasePoster_EECS_2017.pptx
+++ b/docs/expo_poster/ResearchShowcasePoster_EECS_2017.pptx
@@ -34,7 +34,7 @@
       </p:grpSpPr>
       <p:sp>
         <p:nvSpPr>
-          <p:cNvPr id="37" name="PlaceHolder 1"/>
+          <p:cNvPr id="35" name="PlaceHolder 1"/>
           <p:cNvSpPr>
             <a:spLocks noGrp="1"/>
           </p:cNvSpPr>
@@ -84,7 +84,7 @@
       </p:sp>
       <p:sp>
         <p:nvSpPr>
-          <p:cNvPr id="38" name="PlaceHolder 2"/>
+          <p:cNvPr id="36" name="PlaceHolder 2"/>
           <p:cNvSpPr>
             <a:spLocks noGrp="1"/>
           </p:cNvSpPr>
@@ -116,7 +116,7 @@
                 </a:uFill>
                 <a:latin typeface="Times New Roman"/>
               </a:rPr>
-              <a:t> </a:t>
+              <a:t>&lt;header&gt;</a:t>
             </a:r>
             <a:endParaRPr b="0" lang="en-US" sz="1400" spc="-1" strike="noStrike">
               <a:solidFill>
@@ -134,7 +134,7 @@
       </p:sp>
       <p:sp>
         <p:nvSpPr>
-          <p:cNvPr id="39" name="PlaceHolder 3"/>
+          <p:cNvPr id="37" name="PlaceHolder 3"/>
           <p:cNvSpPr>
             <a:spLocks noGrp="1"/>
           </p:cNvSpPr>
@@ -167,7 +167,7 @@
                 </a:uFill>
                 <a:latin typeface="Times New Roman"/>
               </a:rPr>
-              <a:t> </a:t>
+              <a:t>&lt;date/time&gt;</a:t>
             </a:r>
             <a:endParaRPr b="0" lang="en-US" sz="1400" spc="-1" strike="noStrike">
               <a:solidFill>
@@ -185,7 +185,7 @@
       </p:sp>
       <p:sp>
         <p:nvSpPr>
-          <p:cNvPr id="40" name="PlaceHolder 4"/>
+          <p:cNvPr id="38" name="PlaceHolder 4"/>
           <p:cNvSpPr>
             <a:spLocks noGrp="1"/>
           </p:cNvSpPr>
@@ -217,7 +217,7 @@
                 </a:uFill>
                 <a:latin typeface="Times New Roman"/>
               </a:rPr>
-              <a:t> </a:t>
+              <a:t>&lt;footer&gt;</a:t>
             </a:r>
             <a:endParaRPr b="0" lang="en-US" sz="1400" spc="-1" strike="noStrike">
               <a:solidFill>
@@ -235,7 +235,7 @@
       </p:sp>
       <p:sp>
         <p:nvSpPr>
-          <p:cNvPr id="41" name="PlaceHolder 5"/>
+          <p:cNvPr id="39" name="PlaceHolder 5"/>
           <p:cNvSpPr>
             <a:spLocks noGrp="1"/>
           </p:cNvSpPr>
@@ -256,7 +256,7 @@
           <a:bodyPr lIns="0" rIns="0" tIns="0" bIns="0" anchor="b"/>
           <a:p>
             <a:pPr algn="r"/>
-            <a:fld id="{364CF29C-95F4-401C-ADDA-54B59962B006}" type="slidenum">
+            <a:fld id="{61897F4A-B468-473E-98F0-31073A2792AE}" type="slidenum">
               <a:rPr b="0" lang="en-US" sz="1400" spc="-1" strike="noStrike">
                 <a:solidFill>
                   <a:srgbClr val="000000"/>
@@ -268,7 +268,7 @@
                 </a:uFill>
                 <a:latin typeface="Times New Roman"/>
               </a:rPr>
-              <a:t>1</a:t>
+              <a:t>&lt;number&gt;</a:t>
             </a:fld>
             <a:endParaRPr b="0" lang="en-US" sz="1400" spc="-1" strike="noStrike">
               <a:solidFill>
@@ -309,7 +309,7 @@
       </p:grpSpPr>
       <p:sp>
         <p:nvSpPr>
-          <p:cNvPr id="57" name="PlaceHolder 1"/>
+          <p:cNvPr id="55" name="PlaceHolder 1"/>
           <p:cNvSpPr>
             <a:spLocks noGrp="1"/>
           </p:cNvSpPr>
@@ -320,7 +320,7 @@
         <p:spPr>
           <a:xfrm>
             <a:off x="685800" y="4343400"/>
-            <a:ext cx="5485320" cy="4113720"/>
+            <a:ext cx="5484960" cy="4113360"/>
           </a:xfrm>
           <a:prstGeom prst="rect">
             <a:avLst/>
@@ -345,14 +345,14 @@
       </p:sp>
       <p:sp>
         <p:nvSpPr>
-          <p:cNvPr id="58" name="CustomShape 2"/>
+          <p:cNvPr id="56" name="CustomShape 2"/>
           <p:cNvSpPr/>
           <p:nvPr/>
         </p:nvSpPr>
         <p:spPr>
           <a:xfrm>
             <a:off x="3884760" y="8685360"/>
-            <a:ext cx="2970720" cy="456120"/>
+            <a:ext cx="2970360" cy="455760"/>
           </a:xfrm>
           <a:prstGeom prst="rect">
             <a:avLst/>
@@ -376,7 +376,7 @@
                 <a:spcPct val="100000"/>
               </a:lnSpc>
             </a:pPr>
-            <a:fld id="{561CC6EF-1F79-4EF8-9AB6-A2AEE090934D}" type="slidenum">
+            <a:fld id="{196FEED4-2DE0-4417-84B7-02963F22F5D8}" type="slidenum">
               <a:rPr b="0" lang="en-US" sz="1200" spc="-1" strike="noStrike">
                 <a:solidFill>
                   <a:srgbClr val="000000"/>
@@ -451,7 +451,7 @@
       </p:grpSpPr>
       <p:sp>
         <p:nvSpPr>
-          <p:cNvPr id="24" name="PlaceHolder 1"/>
+          <p:cNvPr id="22" name="PlaceHolder 1"/>
           <p:cNvSpPr>
             <a:spLocks noGrp="1"/>
           </p:cNvSpPr>
@@ -461,8 +461,8 @@
         </p:nvSpPr>
         <p:spPr>
           <a:xfrm>
-            <a:off x="3154680" y="10083960"/>
-            <a:ext cx="35751960" cy="6957000"/>
+            <a:off x="2103120" y="1294920"/>
+            <a:ext cx="37855800" cy="5420520"/>
           </a:xfrm>
           <a:prstGeom prst="rect">
             <a:avLst/>
@@ -488,7 +488,7 @@
       </p:sp>
       <p:sp>
         <p:nvSpPr>
-          <p:cNvPr id="25" name="PlaceHolder 2"/>
+          <p:cNvPr id="23" name="PlaceHolder 2"/>
           <p:cNvSpPr>
             <a:spLocks noGrp="1"/>
           </p:cNvSpPr>
@@ -499,7 +499,7 @@
         <p:spPr>
           <a:xfrm>
             <a:off x="2103120" y="7595640"/>
-            <a:ext cx="37855440" cy="8980200"/>
+            <a:ext cx="37855800" cy="8980200"/>
           </a:xfrm>
           <a:prstGeom prst="rect">
             <a:avLst/>
@@ -524,7 +524,7 @@
       </p:sp>
       <p:sp>
         <p:nvSpPr>
-          <p:cNvPr id="26" name="PlaceHolder 3"/>
+          <p:cNvPr id="24" name="PlaceHolder 3"/>
           <p:cNvSpPr>
             <a:spLocks noGrp="1"/>
           </p:cNvSpPr>
@@ -535,7 +535,7 @@
         <p:spPr>
           <a:xfrm>
             <a:off x="2103120" y="17429400"/>
-            <a:ext cx="37855440" cy="8980200"/>
+            <a:ext cx="37855800" cy="8980200"/>
           </a:xfrm>
           <a:prstGeom prst="rect">
             <a:avLst/>
@@ -582,7 +582,7 @@
       </p:grpSpPr>
       <p:sp>
         <p:nvSpPr>
-          <p:cNvPr id="27" name="PlaceHolder 1"/>
+          <p:cNvPr id="25" name="PlaceHolder 1"/>
           <p:cNvSpPr>
             <a:spLocks noGrp="1"/>
           </p:cNvSpPr>
@@ -592,8 +592,8 @@
         </p:nvSpPr>
         <p:spPr>
           <a:xfrm>
-            <a:off x="3154680" y="10083960"/>
-            <a:ext cx="35751960" cy="6957000"/>
+            <a:off x="2103120" y="1294920"/>
+            <a:ext cx="37855800" cy="5420520"/>
           </a:xfrm>
           <a:prstGeom prst="rect">
             <a:avLst/>
@@ -619,7 +619,7 @@
       </p:sp>
       <p:sp>
         <p:nvSpPr>
-          <p:cNvPr id="28" name="PlaceHolder 2"/>
+          <p:cNvPr id="26" name="PlaceHolder 2"/>
           <p:cNvSpPr>
             <a:spLocks noGrp="1"/>
           </p:cNvSpPr>
@@ -655,7 +655,7 @@
       </p:sp>
       <p:sp>
         <p:nvSpPr>
-          <p:cNvPr id="29" name="PlaceHolder 3"/>
+          <p:cNvPr id="27" name="PlaceHolder 3"/>
           <p:cNvSpPr>
             <a:spLocks noGrp="1"/>
           </p:cNvSpPr>
@@ -691,7 +691,7 @@
       </p:sp>
       <p:sp>
         <p:nvSpPr>
-          <p:cNvPr id="30" name="PlaceHolder 4"/>
+          <p:cNvPr id="28" name="PlaceHolder 4"/>
           <p:cNvSpPr>
             <a:spLocks noGrp="1"/>
           </p:cNvSpPr>
@@ -727,7 +727,7 @@
       </p:sp>
       <p:sp>
         <p:nvSpPr>
-          <p:cNvPr id="31" name="PlaceHolder 5"/>
+          <p:cNvPr id="29" name="PlaceHolder 5"/>
           <p:cNvSpPr>
             <a:spLocks noGrp="1"/>
           </p:cNvSpPr>
@@ -785,7 +785,7 @@
       </p:grpSpPr>
       <p:sp>
         <p:nvSpPr>
-          <p:cNvPr id="32" name="PlaceHolder 1"/>
+          <p:cNvPr id="30" name="PlaceHolder 1"/>
           <p:cNvSpPr>
             <a:spLocks noGrp="1"/>
           </p:cNvSpPr>
@@ -795,8 +795,8 @@
         </p:nvSpPr>
         <p:spPr>
           <a:xfrm>
-            <a:off x="3154680" y="10083960"/>
-            <a:ext cx="35751960" cy="6957000"/>
+            <a:off x="2103120" y="1294920"/>
+            <a:ext cx="37855800" cy="5420520"/>
           </a:xfrm>
           <a:prstGeom prst="rect">
             <a:avLst/>
@@ -822,7 +822,7 @@
       </p:sp>
       <p:sp>
         <p:nvSpPr>
-          <p:cNvPr id="33" name="PlaceHolder 2"/>
+          <p:cNvPr id="31" name="PlaceHolder 2"/>
           <p:cNvSpPr>
             <a:spLocks noGrp="1"/>
           </p:cNvSpPr>
@@ -833,7 +833,7 @@
         <p:spPr>
           <a:xfrm>
             <a:off x="2103120" y="7595640"/>
-            <a:ext cx="37855440" cy="18826560"/>
+            <a:ext cx="37855800" cy="18826920"/>
           </a:xfrm>
           <a:prstGeom prst="rect">
             <a:avLst/>
@@ -858,7 +858,7 @@
       </p:sp>
       <p:sp>
         <p:nvSpPr>
-          <p:cNvPr id="34" name="PlaceHolder 3"/>
+          <p:cNvPr id="32" name="PlaceHolder 3"/>
           <p:cNvSpPr>
             <a:spLocks noGrp="1"/>
           </p:cNvSpPr>
@@ -869,7 +869,7 @@
         <p:spPr>
           <a:xfrm>
             <a:off x="2103120" y="7595640"/>
-            <a:ext cx="37855440" cy="18826560"/>
+            <a:ext cx="37855800" cy="18826920"/>
           </a:xfrm>
           <a:prstGeom prst="rect">
             <a:avLst/>
@@ -894,7 +894,7 @@
       </p:sp>
       <p:pic>
         <p:nvPicPr>
-          <p:cNvPr id="35" name="" descr=""/>
+          <p:cNvPr id="33" name="" descr=""/>
           <p:cNvPicPr/>
           <p:nvPr/>
         </p:nvPicPr>
@@ -904,8 +904,8 @@
         </p:blipFill>
         <p:spPr>
           <a:xfrm>
-            <a:off x="9232920" y="7595640"/>
-            <a:ext cx="23595840" cy="18826560"/>
+            <a:off x="9232560" y="7595280"/>
+            <a:ext cx="23596200" cy="18826920"/>
           </a:xfrm>
           <a:prstGeom prst="rect">
             <a:avLst/>
@@ -917,7 +917,7 @@
       </p:pic>
       <p:pic>
         <p:nvPicPr>
-          <p:cNvPr id="36" name="" descr=""/>
+          <p:cNvPr id="34" name="" descr=""/>
           <p:cNvPicPr/>
           <p:nvPr/>
         </p:nvPicPr>
@@ -927,8 +927,8 @@
         </p:blipFill>
         <p:spPr>
           <a:xfrm>
-            <a:off x="9232920" y="7595640"/>
-            <a:ext cx="23595840" cy="18826560"/>
+            <a:off x="9232560" y="7595280"/>
+            <a:ext cx="23596200" cy="18826920"/>
           </a:xfrm>
           <a:prstGeom prst="rect">
             <a:avLst/>
@@ -962,7 +962,7 @@
       </p:grpSpPr>
       <p:sp>
         <p:nvSpPr>
-          <p:cNvPr id="3" name="PlaceHolder 1"/>
+          <p:cNvPr id="1" name="PlaceHolder 1"/>
           <p:cNvSpPr>
             <a:spLocks noGrp="1"/>
           </p:cNvSpPr>
@@ -972,8 +972,8 @@
         </p:nvSpPr>
         <p:spPr>
           <a:xfrm>
-            <a:off x="3154680" y="10083960"/>
-            <a:ext cx="35751960" cy="6957000"/>
+            <a:off x="2103120" y="1294920"/>
+            <a:ext cx="37855800" cy="5420520"/>
           </a:xfrm>
           <a:prstGeom prst="rect">
             <a:avLst/>
@@ -999,7 +999,7 @@
       </p:sp>
       <p:sp>
         <p:nvSpPr>
-          <p:cNvPr id="4" name="PlaceHolder 2"/>
+          <p:cNvPr id="2" name="PlaceHolder 2"/>
           <p:cNvSpPr>
             <a:spLocks noGrp="1"/>
           </p:cNvSpPr>
@@ -1010,7 +1010,7 @@
         <p:spPr>
           <a:xfrm>
             <a:off x="2103120" y="7595640"/>
-            <a:ext cx="37855440" cy="18826560"/>
+            <a:ext cx="37855800" cy="18826920"/>
           </a:xfrm>
           <a:prstGeom prst="rect">
             <a:avLst/>
@@ -1058,7 +1058,7 @@
       </p:grpSpPr>
       <p:sp>
         <p:nvSpPr>
-          <p:cNvPr id="5" name="PlaceHolder 1"/>
+          <p:cNvPr id="3" name="PlaceHolder 1"/>
           <p:cNvSpPr>
             <a:spLocks noGrp="1"/>
           </p:cNvSpPr>
@@ -1068,8 +1068,8 @@
         </p:nvSpPr>
         <p:spPr>
           <a:xfrm>
-            <a:off x="3154680" y="10083960"/>
-            <a:ext cx="35751960" cy="6957000"/>
+            <a:off x="2103120" y="1294920"/>
+            <a:ext cx="37855800" cy="5420520"/>
           </a:xfrm>
           <a:prstGeom prst="rect">
             <a:avLst/>
@@ -1095,7 +1095,7 @@
       </p:sp>
       <p:sp>
         <p:nvSpPr>
-          <p:cNvPr id="6" name="PlaceHolder 2"/>
+          <p:cNvPr id="4" name="PlaceHolder 2"/>
           <p:cNvSpPr>
             <a:spLocks noGrp="1"/>
           </p:cNvSpPr>
@@ -1106,7 +1106,7 @@
         <p:spPr>
           <a:xfrm>
             <a:off x="2103120" y="7595640"/>
-            <a:ext cx="37855440" cy="18826560"/>
+            <a:ext cx="37855800" cy="18826920"/>
           </a:xfrm>
           <a:prstGeom prst="rect">
             <a:avLst/>
@@ -1153,7 +1153,7 @@
       </p:grpSpPr>
       <p:sp>
         <p:nvSpPr>
-          <p:cNvPr id="7" name="PlaceHolder 1"/>
+          <p:cNvPr id="5" name="PlaceHolder 1"/>
           <p:cNvSpPr>
             <a:spLocks noGrp="1"/>
           </p:cNvSpPr>
@@ -1163,8 +1163,8 @@
         </p:nvSpPr>
         <p:spPr>
           <a:xfrm>
-            <a:off x="3154680" y="10083960"/>
-            <a:ext cx="35751960" cy="6957000"/>
+            <a:off x="2103120" y="1294920"/>
+            <a:ext cx="37855800" cy="5420520"/>
           </a:xfrm>
           <a:prstGeom prst="rect">
             <a:avLst/>
@@ -1190,7 +1190,7 @@
       </p:sp>
       <p:sp>
         <p:nvSpPr>
-          <p:cNvPr id="8" name="PlaceHolder 2"/>
+          <p:cNvPr id="6" name="PlaceHolder 2"/>
           <p:cNvSpPr>
             <a:spLocks noGrp="1"/>
           </p:cNvSpPr>
@@ -1201,7 +1201,7 @@
         <p:spPr>
           <a:xfrm>
             <a:off x="2103120" y="7595640"/>
-            <a:ext cx="18473400" cy="18826560"/>
+            <a:ext cx="18473400" cy="18826920"/>
           </a:xfrm>
           <a:prstGeom prst="rect">
             <a:avLst/>
@@ -1226,7 +1226,7 @@
       </p:sp>
       <p:sp>
         <p:nvSpPr>
-          <p:cNvPr id="9" name="PlaceHolder 3"/>
+          <p:cNvPr id="7" name="PlaceHolder 3"/>
           <p:cNvSpPr>
             <a:spLocks noGrp="1"/>
           </p:cNvSpPr>
@@ -1237,7 +1237,7 @@
         <p:spPr>
           <a:xfrm>
             <a:off x="21500640" y="7595640"/>
-            <a:ext cx="18473400" cy="18826560"/>
+            <a:ext cx="18473400" cy="18826920"/>
           </a:xfrm>
           <a:prstGeom prst="rect">
             <a:avLst/>
@@ -1284,7 +1284,7 @@
       </p:grpSpPr>
       <p:sp>
         <p:nvSpPr>
-          <p:cNvPr id="10" name="PlaceHolder 1"/>
+          <p:cNvPr id="8" name="PlaceHolder 1"/>
           <p:cNvSpPr>
             <a:spLocks noGrp="1"/>
           </p:cNvSpPr>
@@ -1294,8 +1294,8 @@
         </p:nvSpPr>
         <p:spPr>
           <a:xfrm>
-            <a:off x="3154680" y="10083960"/>
-            <a:ext cx="35751960" cy="6957000"/>
+            <a:off x="2103120" y="1294920"/>
+            <a:ext cx="37855800" cy="5420520"/>
           </a:xfrm>
           <a:prstGeom prst="rect">
             <a:avLst/>
@@ -1343,7 +1343,7 @@
       </p:grpSpPr>
       <p:sp>
         <p:nvSpPr>
-          <p:cNvPr id="11" name="PlaceHolder 1"/>
+          <p:cNvPr id="9" name="PlaceHolder 1"/>
           <p:cNvSpPr>
             <a:spLocks noGrp="1"/>
           </p:cNvSpPr>
@@ -1353,8 +1353,8 @@
         </p:nvSpPr>
         <p:spPr>
           <a:xfrm>
-            <a:off x="3154680" y="10083960"/>
-            <a:ext cx="35751960" cy="32249880"/>
+            <a:off x="2103120" y="1294920"/>
+            <a:ext cx="37855800" cy="25127640"/>
           </a:xfrm>
           <a:prstGeom prst="rect">
             <a:avLst/>
@@ -1402,7 +1402,7 @@
       </p:grpSpPr>
       <p:sp>
         <p:nvSpPr>
-          <p:cNvPr id="12" name="PlaceHolder 1"/>
+          <p:cNvPr id="10" name="PlaceHolder 1"/>
           <p:cNvSpPr>
             <a:spLocks noGrp="1"/>
           </p:cNvSpPr>
@@ -1412,8 +1412,8 @@
         </p:nvSpPr>
         <p:spPr>
           <a:xfrm>
-            <a:off x="3154680" y="10083960"/>
-            <a:ext cx="35751960" cy="6957000"/>
+            <a:off x="2103120" y="1294920"/>
+            <a:ext cx="37855800" cy="5420520"/>
           </a:xfrm>
           <a:prstGeom prst="rect">
             <a:avLst/>
@@ -1439,7 +1439,7 @@
       </p:sp>
       <p:sp>
         <p:nvSpPr>
-          <p:cNvPr id="13" name="PlaceHolder 2"/>
+          <p:cNvPr id="11" name="PlaceHolder 2"/>
           <p:cNvSpPr>
             <a:spLocks noGrp="1"/>
           </p:cNvSpPr>
@@ -1475,7 +1475,7 @@
       </p:sp>
       <p:sp>
         <p:nvSpPr>
-          <p:cNvPr id="14" name="PlaceHolder 3"/>
+          <p:cNvPr id="12" name="PlaceHolder 3"/>
           <p:cNvSpPr>
             <a:spLocks noGrp="1"/>
           </p:cNvSpPr>
@@ -1511,7 +1511,7 @@
       </p:sp>
       <p:sp>
         <p:nvSpPr>
-          <p:cNvPr id="15" name="PlaceHolder 4"/>
+          <p:cNvPr id="13" name="PlaceHolder 4"/>
           <p:cNvSpPr>
             <a:spLocks noGrp="1"/>
           </p:cNvSpPr>
@@ -1522,7 +1522,7 @@
         <p:spPr>
           <a:xfrm>
             <a:off x="21500640" y="7595640"/>
-            <a:ext cx="18473400" cy="18826560"/>
+            <a:ext cx="18473400" cy="18826920"/>
           </a:xfrm>
           <a:prstGeom prst="rect">
             <a:avLst/>
@@ -1569,7 +1569,7 @@
       </p:grpSpPr>
       <p:sp>
         <p:nvSpPr>
-          <p:cNvPr id="16" name="PlaceHolder 1"/>
+          <p:cNvPr id="14" name="PlaceHolder 1"/>
           <p:cNvSpPr>
             <a:spLocks noGrp="1"/>
           </p:cNvSpPr>
@@ -1579,8 +1579,8 @@
         </p:nvSpPr>
         <p:spPr>
           <a:xfrm>
-            <a:off x="3154680" y="10083960"/>
-            <a:ext cx="35751960" cy="6957000"/>
+            <a:off x="2103120" y="1294920"/>
+            <a:ext cx="37855800" cy="5420520"/>
           </a:xfrm>
           <a:prstGeom prst="rect">
             <a:avLst/>
@@ -1606,7 +1606,7 @@
       </p:sp>
       <p:sp>
         <p:nvSpPr>
-          <p:cNvPr id="17" name="PlaceHolder 2"/>
+          <p:cNvPr id="15" name="PlaceHolder 2"/>
           <p:cNvSpPr>
             <a:spLocks noGrp="1"/>
           </p:cNvSpPr>
@@ -1617,7 +1617,7 @@
         <p:spPr>
           <a:xfrm>
             <a:off x="2103120" y="7595640"/>
-            <a:ext cx="18473400" cy="18826560"/>
+            <a:ext cx="18473400" cy="18826920"/>
           </a:xfrm>
           <a:prstGeom prst="rect">
             <a:avLst/>
@@ -1642,7 +1642,7 @@
       </p:sp>
       <p:sp>
         <p:nvSpPr>
-          <p:cNvPr id="18" name="PlaceHolder 3"/>
+          <p:cNvPr id="16" name="PlaceHolder 3"/>
           <p:cNvSpPr>
             <a:spLocks noGrp="1"/>
           </p:cNvSpPr>
@@ -1678,7 +1678,7 @@
       </p:sp>
       <p:sp>
         <p:nvSpPr>
-          <p:cNvPr id="19" name="PlaceHolder 4"/>
+          <p:cNvPr id="17" name="PlaceHolder 4"/>
           <p:cNvSpPr>
             <a:spLocks noGrp="1"/>
           </p:cNvSpPr>
@@ -1736,7 +1736,7 @@
       </p:grpSpPr>
       <p:sp>
         <p:nvSpPr>
-          <p:cNvPr id="20" name="PlaceHolder 1"/>
+          <p:cNvPr id="18" name="PlaceHolder 1"/>
           <p:cNvSpPr>
             <a:spLocks noGrp="1"/>
           </p:cNvSpPr>
@@ -1746,8 +1746,8 @@
         </p:nvSpPr>
         <p:spPr>
           <a:xfrm>
-            <a:off x="3154680" y="10083960"/>
-            <a:ext cx="35751960" cy="6957000"/>
+            <a:off x="2103120" y="1294920"/>
+            <a:ext cx="37855800" cy="5420520"/>
           </a:xfrm>
           <a:prstGeom prst="rect">
             <a:avLst/>
@@ -1773,7 +1773,7 @@
       </p:sp>
       <p:sp>
         <p:nvSpPr>
-          <p:cNvPr id="21" name="PlaceHolder 2"/>
+          <p:cNvPr id="19" name="PlaceHolder 2"/>
           <p:cNvSpPr>
             <a:spLocks noGrp="1"/>
           </p:cNvSpPr>
@@ -1809,7 +1809,7 @@
       </p:sp>
       <p:sp>
         <p:nvSpPr>
-          <p:cNvPr id="22" name="PlaceHolder 3"/>
+          <p:cNvPr id="20" name="PlaceHolder 3"/>
           <p:cNvSpPr>
             <a:spLocks noGrp="1"/>
           </p:cNvSpPr>
@@ -1845,7 +1845,7 @@
       </p:sp>
       <p:sp>
         <p:nvSpPr>
-          <p:cNvPr id="23" name="PlaceHolder 4"/>
+          <p:cNvPr id="21" name="PlaceHolder 4"/>
           <p:cNvSpPr>
             <a:spLocks noGrp="1"/>
           </p:cNvSpPr>
@@ -1856,7 +1856,7 @@
         <p:spPr>
           <a:xfrm>
             <a:off x="2103120" y="17429400"/>
-            <a:ext cx="37855440" cy="8980200"/>
+            <a:ext cx="37855800" cy="8980200"/>
           </a:xfrm>
           <a:prstGeom prst="rect">
             <a:avLst/>
@@ -1921,7 +1921,7 @@
         <p:spPr>
           <a:xfrm>
             <a:off x="0" y="0"/>
-            <a:ext cx="42061320" cy="32460120"/>
+            <a:ext cx="42060960" cy="32459760"/>
           </a:xfrm>
           <a:prstGeom prst="rect">
             <a:avLst/>
@@ -1931,311 +1931,6 @@
           </a:ln>
         </p:spPr>
       </p:pic>
-      <p:sp>
-        <p:nvSpPr>
-          <p:cNvPr id="1" name="PlaceHolder 1"/>
-          <p:cNvSpPr>
-            <a:spLocks noGrp="1"/>
-          </p:cNvSpPr>
-          <p:nvPr>
-            <p:ph type="title"/>
-          </p:nvPr>
-        </p:nvSpPr>
-        <p:spPr>
-          <a:xfrm>
-            <a:off x="3154680" y="10083960"/>
-            <a:ext cx="35751960" cy="6957000"/>
-          </a:xfrm>
-          <a:prstGeom prst="rect">
-            <a:avLst/>
-          </a:prstGeom>
-        </p:spPr>
-        <p:txBody>
-          <a:bodyPr lIns="0" rIns="0" tIns="0" bIns="0" anchor="ctr"/>
-          <a:p>
-            <a:pPr algn="ctr"/>
-            <a:endParaRPr b="0" lang="en-US" sz="4400" spc="-1" strike="noStrike">
-              <a:solidFill>
-                <a:srgbClr val="000000"/>
-              </a:solidFill>
-              <a:uFill>
-                <a:solidFill>
-                  <a:srgbClr val="ffffff"/>
-                </a:solidFill>
-              </a:uFill>
-              <a:latin typeface="Arial"/>
-            </a:endParaRPr>
-          </a:p>
-        </p:txBody>
-      </p:sp>
-      <p:sp>
-        <p:nvSpPr>
-          <p:cNvPr id="2" name="PlaceHolder 2"/>
-          <p:cNvSpPr>
-            <a:spLocks noGrp="1"/>
-          </p:cNvSpPr>
-          <p:nvPr>
-            <p:ph type="body"/>
-          </p:nvPr>
-        </p:nvSpPr>
-        <p:spPr>
-          <a:xfrm>
-            <a:off x="2103120" y="7595640"/>
-            <a:ext cx="37855440" cy="18826560"/>
-          </a:xfrm>
-          <a:prstGeom prst="rect">
-            <a:avLst/>
-          </a:prstGeom>
-        </p:spPr>
-        <p:txBody>
-          <a:bodyPr lIns="0" rIns="0" tIns="0" bIns="0"/>
-          <a:p>
-            <a:pPr marL="432000" indent="-324000">
-              <a:buClr>
-                <a:srgbClr val="000000"/>
-              </a:buClr>
-              <a:buSzPct val="45000"/>
-              <a:buFont typeface="Wingdings" charset="2"/>
-              <a:buChar char=""/>
-            </a:pPr>
-            <a:r>
-              <a:rPr b="0" lang="en-US" sz="1800" spc="-1" strike="noStrike">
-                <a:solidFill>
-                  <a:srgbClr val="000000"/>
-                </a:solidFill>
-                <a:uFill>
-                  <a:solidFill>
-                    <a:srgbClr val="ffffff"/>
-                  </a:solidFill>
-                </a:uFill>
-                <a:latin typeface="Arial"/>
-              </a:rPr>
-              <a:t>Click to edit the outline text format</a:t>
-            </a:r>
-            <a:endParaRPr b="0" lang="en-US" sz="1800" spc="-1" strike="noStrike">
-              <a:solidFill>
-                <a:srgbClr val="000000"/>
-              </a:solidFill>
-              <a:uFill>
-                <a:solidFill>
-                  <a:srgbClr val="ffffff"/>
-                </a:solidFill>
-              </a:uFill>
-              <a:latin typeface="Arial"/>
-            </a:endParaRPr>
-          </a:p>
-          <a:p>
-            <a:pPr lvl="1" marL="864000" indent="-324000">
-              <a:buClr>
-                <a:srgbClr val="000000"/>
-              </a:buClr>
-              <a:buSzPct val="75000"/>
-              <a:buFont typeface="Symbol" charset="2"/>
-              <a:buChar char=""/>
-            </a:pPr>
-            <a:r>
-              <a:rPr b="0" lang="en-US" sz="1800" spc="-1" strike="noStrike">
-                <a:solidFill>
-                  <a:srgbClr val="000000"/>
-                </a:solidFill>
-                <a:uFill>
-                  <a:solidFill>
-                    <a:srgbClr val="ffffff"/>
-                  </a:solidFill>
-                </a:uFill>
-                <a:latin typeface="Arial"/>
-              </a:rPr>
-              <a:t>Second Outline Level</a:t>
-            </a:r>
-            <a:endParaRPr b="0" lang="en-US" sz="1800" spc="-1" strike="noStrike">
-              <a:solidFill>
-                <a:srgbClr val="000000"/>
-              </a:solidFill>
-              <a:uFill>
-                <a:solidFill>
-                  <a:srgbClr val="ffffff"/>
-                </a:solidFill>
-              </a:uFill>
-              <a:latin typeface="Arial"/>
-            </a:endParaRPr>
-          </a:p>
-          <a:p>
-            <a:pPr lvl="2" marL="1296000" indent="-288000">
-              <a:buClr>
-                <a:srgbClr val="000000"/>
-              </a:buClr>
-              <a:buSzPct val="45000"/>
-              <a:buFont typeface="Wingdings" charset="2"/>
-              <a:buChar char=""/>
-            </a:pPr>
-            <a:r>
-              <a:rPr b="0" lang="en-US" sz="1800" spc="-1" strike="noStrike">
-                <a:solidFill>
-                  <a:srgbClr val="000000"/>
-                </a:solidFill>
-                <a:uFill>
-                  <a:solidFill>
-                    <a:srgbClr val="ffffff"/>
-                  </a:solidFill>
-                </a:uFill>
-                <a:latin typeface="Arial"/>
-              </a:rPr>
-              <a:t>Third Outline Level</a:t>
-            </a:r>
-            <a:endParaRPr b="0" lang="en-US" sz="1800" spc="-1" strike="noStrike">
-              <a:solidFill>
-                <a:srgbClr val="000000"/>
-              </a:solidFill>
-              <a:uFill>
-                <a:solidFill>
-                  <a:srgbClr val="ffffff"/>
-                </a:solidFill>
-              </a:uFill>
-              <a:latin typeface="Arial"/>
-            </a:endParaRPr>
-          </a:p>
-          <a:p>
-            <a:pPr lvl="3" marL="1728000" indent="-216000">
-              <a:buClr>
-                <a:srgbClr val="000000"/>
-              </a:buClr>
-              <a:buSzPct val="75000"/>
-              <a:buFont typeface="Symbol" charset="2"/>
-              <a:buChar char=""/>
-            </a:pPr>
-            <a:r>
-              <a:rPr b="0" lang="en-US" sz="1800" spc="-1" strike="noStrike">
-                <a:solidFill>
-                  <a:srgbClr val="000000"/>
-                </a:solidFill>
-                <a:uFill>
-                  <a:solidFill>
-                    <a:srgbClr val="ffffff"/>
-                  </a:solidFill>
-                </a:uFill>
-                <a:latin typeface="Arial"/>
-              </a:rPr>
-              <a:t>Fourth Outline Level</a:t>
-            </a:r>
-            <a:endParaRPr b="0" lang="en-US" sz="1800" spc="-1" strike="noStrike">
-              <a:solidFill>
-                <a:srgbClr val="000000"/>
-              </a:solidFill>
-              <a:uFill>
-                <a:solidFill>
-                  <a:srgbClr val="ffffff"/>
-                </a:solidFill>
-              </a:uFill>
-              <a:latin typeface="Arial"/>
-            </a:endParaRPr>
-          </a:p>
-          <a:p>
-            <a:pPr lvl="4" marL="2160000" indent="-216000">
-              <a:buClr>
-                <a:srgbClr val="000000"/>
-              </a:buClr>
-              <a:buSzPct val="45000"/>
-              <a:buFont typeface="Wingdings" charset="2"/>
-              <a:buChar char=""/>
-            </a:pPr>
-            <a:r>
-              <a:rPr b="0" lang="en-US" sz="1800" spc="-1" strike="noStrike">
-                <a:solidFill>
-                  <a:srgbClr val="000000"/>
-                </a:solidFill>
-                <a:uFill>
-                  <a:solidFill>
-                    <a:srgbClr val="ffffff"/>
-                  </a:solidFill>
-                </a:uFill>
-                <a:latin typeface="Arial"/>
-              </a:rPr>
-              <a:t>Fifth Outline Level</a:t>
-            </a:r>
-            <a:endParaRPr b="0" lang="en-US" sz="1800" spc="-1" strike="noStrike">
-              <a:solidFill>
-                <a:srgbClr val="000000"/>
-              </a:solidFill>
-              <a:uFill>
-                <a:solidFill>
-                  <a:srgbClr val="ffffff"/>
-                </a:solidFill>
-              </a:uFill>
-              <a:latin typeface="Arial"/>
-            </a:endParaRPr>
-          </a:p>
-          <a:p>
-            <a:pPr lvl="5" marL="2592000" indent="-216000">
-              <a:buClr>
-                <a:srgbClr val="000000"/>
-              </a:buClr>
-              <a:buSzPct val="45000"/>
-              <a:buFont typeface="Wingdings" charset="2"/>
-              <a:buChar char=""/>
-            </a:pPr>
-            <a:r>
-              <a:rPr b="0" lang="en-US" sz="1800" spc="-1" strike="noStrike">
-                <a:solidFill>
-                  <a:srgbClr val="000000"/>
-                </a:solidFill>
-                <a:uFill>
-                  <a:solidFill>
-                    <a:srgbClr val="ffffff"/>
-                  </a:solidFill>
-                </a:uFill>
-                <a:latin typeface="Arial"/>
-              </a:rPr>
-              <a:t>Sixth Outline Level</a:t>
-            </a:r>
-            <a:endParaRPr b="0" lang="en-US" sz="1800" spc="-1" strike="noStrike">
-              <a:solidFill>
-                <a:srgbClr val="000000"/>
-              </a:solidFill>
-              <a:uFill>
-                <a:solidFill>
-                  <a:srgbClr val="ffffff"/>
-                </a:solidFill>
-              </a:uFill>
-              <a:latin typeface="Arial"/>
-            </a:endParaRPr>
-          </a:p>
-          <a:p>
-            <a:pPr lvl="6" marL="3024000" indent="-216000">
-              <a:buClr>
-                <a:srgbClr val="000000"/>
-              </a:buClr>
-              <a:buSzPct val="45000"/>
-              <a:buFont typeface="Wingdings" charset="2"/>
-              <a:buChar char=""/>
-            </a:pPr>
-            <a:r>
-              <a:rPr b="0" lang="en-US" sz="1800" spc="-1" strike="noStrike">
-                <a:solidFill>
-                  <a:srgbClr val="000000"/>
-                </a:solidFill>
-                <a:uFill>
-                  <a:solidFill>
-                    <a:srgbClr val="ffffff"/>
-                  </a:solidFill>
-                </a:uFill>
-                <a:latin typeface="Arial"/>
-              </a:rPr>
-              <a:t>Seventh Outline Level</a:t>
-            </a:r>
-            <a:endParaRPr b="0" lang="en-US" sz="1800" spc="-1" strike="noStrike">
-              <a:solidFill>
-                <a:srgbClr val="000000"/>
-              </a:solidFill>
-              <a:uFill>
-                <a:solidFill>
-                  <a:srgbClr val="ffffff"/>
-                </a:solidFill>
-              </a:uFill>
-              <a:latin typeface="Arial"/>
-            </a:endParaRPr>
-          </a:p>
-        </p:txBody>
-      </p:sp>
     </p:spTree>
   </p:cSld>
   <p:clrMap bg1="lt1" bg2="lt2" tx1="dk1" tx2="dk2" accent1="accent1" accent2="accent2" accent3="accent3" accent4="accent4" accent5="accent5" accent6="accent6" hlink="hlink" folHlink="folHlink"/>
@@ -2275,14 +1970,14 @@
       </p:grpSpPr>
       <p:sp>
         <p:nvSpPr>
-          <p:cNvPr id="42" name="CustomShape 1"/>
+          <p:cNvPr id="40" name="CustomShape 1"/>
           <p:cNvSpPr/>
           <p:nvPr/>
         </p:nvSpPr>
         <p:spPr>
           <a:xfrm>
             <a:off x="11545560" y="2503080"/>
-            <a:ext cx="18950760" cy="1364760"/>
+            <a:ext cx="18950400" cy="1364400"/>
           </a:xfrm>
           <a:prstGeom prst="rect">
             <a:avLst/>
@@ -2337,14 +2032,14 @@
       </p:sp>
       <p:sp>
         <p:nvSpPr>
-          <p:cNvPr id="43" name="CustomShape 2"/>
+          <p:cNvPr id="41" name="CustomShape 2"/>
           <p:cNvSpPr/>
           <p:nvPr/>
         </p:nvSpPr>
         <p:spPr>
           <a:xfrm>
             <a:off x="11545560" y="3868920"/>
-            <a:ext cx="18950760" cy="1990440"/>
+            <a:ext cx="18950400" cy="1990080"/>
           </a:xfrm>
           <a:prstGeom prst="rect">
             <a:avLst/>
@@ -2399,14 +2094,14 @@
       </p:sp>
       <p:sp>
         <p:nvSpPr>
-          <p:cNvPr id="44" name="CustomShape 3"/>
+          <p:cNvPr id="42" name="CustomShape 3"/>
           <p:cNvSpPr/>
           <p:nvPr/>
         </p:nvSpPr>
         <p:spPr>
           <a:xfrm>
             <a:off x="11521440" y="13533120"/>
-            <a:ext cx="9221400" cy="20170440"/>
+            <a:ext cx="9221040" cy="20170080"/>
           </a:xfrm>
           <a:prstGeom prst="rect">
             <a:avLst/>
@@ -2527,14 +2222,14 @@
       </p:sp>
       <p:sp>
         <p:nvSpPr>
-          <p:cNvPr id="45" name="CustomShape 4"/>
+          <p:cNvPr id="43" name="CustomShape 4"/>
           <p:cNvSpPr/>
           <p:nvPr/>
         </p:nvSpPr>
         <p:spPr>
           <a:xfrm>
             <a:off x="21305520" y="5486400"/>
-            <a:ext cx="9221400" cy="19439280"/>
+            <a:ext cx="9221040" cy="19438920"/>
           </a:xfrm>
           <a:prstGeom prst="rect">
             <a:avLst/>
@@ -2586,7 +2281,7 @@
             </a:endParaRPr>
           </a:p>
           <a:p>
-            <a:pPr marL="457200" indent="-456120">
+            <a:pPr marL="457200" indent="-455760">
               <a:lnSpc>
                 <a:spcPct val="100000"/>
               </a:lnSpc>
@@ -2609,22 +2304,22 @@
                 <a:latin typeface="Trebuchet MS"/>
                 <a:ea typeface="DejaVu Sans"/>
               </a:rPr>
-              <a:t>Reenforcement Learning Using the Keras Library</a:t>
-            </a:r>
-            <a:endParaRPr b="0" lang="en-US" sz="1800" spc="-1" strike="noStrike">
-              <a:solidFill>
-                <a:srgbClr val="000000"/>
-              </a:solidFill>
-              <a:uFill>
-                <a:solidFill>
-                  <a:srgbClr val="ffffff"/>
-                </a:solidFill>
-              </a:uFill>
-              <a:latin typeface="Arial"/>
-            </a:endParaRPr>
-          </a:p>
-          <a:p>
-            <a:pPr marL="457200" indent="-456120">
+              <a:t>Reinforcement Learning Using the Keras Library</a:t>
+            </a:r>
+            <a:endParaRPr b="0" lang="en-US" sz="1800" spc="-1" strike="noStrike">
+              <a:solidFill>
+                <a:srgbClr val="000000"/>
+              </a:solidFill>
+              <a:uFill>
+                <a:solidFill>
+                  <a:srgbClr val="ffffff"/>
+                </a:solidFill>
+              </a:uFill>
+              <a:latin typeface="Arial"/>
+            </a:endParaRPr>
+          </a:p>
+          <a:p>
+            <a:pPr marL="457200" indent="-455760">
               <a:lnSpc>
                 <a:spcPct val="100000"/>
               </a:lnSpc>
@@ -2662,7 +2357,7 @@
             </a:endParaRPr>
           </a:p>
           <a:p>
-            <a:pPr marL="457200" indent="-456120">
+            <a:pPr marL="457200" indent="-455760">
               <a:lnSpc>
                 <a:spcPct val="100000"/>
               </a:lnSpc>
@@ -2700,7 +2395,7 @@
             </a:endParaRPr>
           </a:p>
           <a:p>
-            <a:pPr marL="457200" indent="-456120">
+            <a:pPr marL="457200" indent="-455760">
               <a:lnSpc>
                 <a:spcPct val="100000"/>
               </a:lnSpc>
@@ -2738,7 +2433,7 @@
             </a:endParaRPr>
           </a:p>
           <a:p>
-            <a:pPr marL="457200" indent="-456120">
+            <a:pPr marL="457200" indent="-455760">
               <a:lnSpc>
                 <a:spcPct val="100000"/>
               </a:lnSpc>
@@ -2776,7 +2471,7 @@
             </a:endParaRPr>
           </a:p>
           <a:p>
-            <a:pPr marL="457200" indent="-456120">
+            <a:pPr marL="457200" indent="-455760">
               <a:lnSpc>
                 <a:spcPct val="100000"/>
               </a:lnSpc>
@@ -2814,7 +2509,7 @@
             </a:endParaRPr>
           </a:p>
           <a:p>
-            <a:pPr marL="457200" indent="-456120">
+            <a:pPr marL="457200" indent="-455760">
               <a:lnSpc>
                 <a:spcPct val="100000"/>
               </a:lnSpc>
@@ -2852,7 +2547,7 @@
             </a:endParaRPr>
           </a:p>
           <a:p>
-            <a:pPr marL="457200" indent="-456120">
+            <a:pPr marL="457200" indent="-455760">
               <a:lnSpc>
                 <a:spcPct val="100000"/>
               </a:lnSpc>
@@ -2875,22 +2570,22 @@
                 <a:latin typeface="Trebuchet MS"/>
                 <a:ea typeface="DejaVu Sans"/>
               </a:rPr>
-              <a:t>Sores Batch Data in sqlite3 database</a:t>
-            </a:r>
-            <a:endParaRPr b="0" lang="en-US" sz="1800" spc="-1" strike="noStrike">
-              <a:solidFill>
-                <a:srgbClr val="000000"/>
-              </a:solidFill>
-              <a:uFill>
-                <a:solidFill>
-                  <a:srgbClr val="ffffff"/>
-                </a:solidFill>
-              </a:uFill>
-              <a:latin typeface="Arial"/>
-            </a:endParaRPr>
-          </a:p>
-          <a:p>
-            <a:pPr marL="457200" indent="-456120">
+              <a:t>Stores Batch Data in sqlite3 database</a:t>
+            </a:r>
+            <a:endParaRPr b="0" lang="en-US" sz="1800" spc="-1" strike="noStrike">
+              <a:solidFill>
+                <a:srgbClr val="000000"/>
+              </a:solidFill>
+              <a:uFill>
+                <a:solidFill>
+                  <a:srgbClr val="ffffff"/>
+                </a:solidFill>
+              </a:uFill>
+              <a:latin typeface="Arial"/>
+            </a:endParaRPr>
+          </a:p>
+          <a:p>
+            <a:pPr marL="457200" indent="-455760">
               <a:lnSpc>
                 <a:spcPct val="100000"/>
               </a:lnSpc>
@@ -2928,44 +2623,6 @@
             </a:endParaRPr>
           </a:p>
           <a:p>
-            <a:pPr marL="457200" indent="-456120">
-              <a:lnSpc>
-                <a:spcPct val="100000"/>
-              </a:lnSpc>
-              <a:buClr>
-                <a:srgbClr val="000000"/>
-              </a:buClr>
-              <a:buFont typeface="Arial"/>
-              <a:buChar char="•"/>
-            </a:pPr>
-            <a:r>
-              <a:rPr b="0" lang="en-US" sz="4400" spc="-1" strike="noStrike">
-                <a:solidFill>
-                  <a:srgbClr val="000000"/>
-                </a:solidFill>
-                <a:uFill>
-                  <a:solidFill>
-                    <a:srgbClr val="ffffff"/>
-                  </a:solidFill>
-                </a:uFill>
-                <a:latin typeface="Trebuchet MS"/>
-                <a:ea typeface="DejaVu Sans"/>
-              </a:rPr>
-              <a:t> </a:t>
-            </a:r>
-            <a:endParaRPr b="0" lang="en-US" sz="1800" spc="-1" strike="noStrike">
-              <a:solidFill>
-                <a:srgbClr val="000000"/>
-              </a:solidFill>
-              <a:uFill>
-                <a:solidFill>
-                  <a:srgbClr val="ffffff"/>
-                </a:solidFill>
-              </a:uFill>
-              <a:latin typeface="Arial"/>
-            </a:endParaRPr>
-          </a:p>
-          <a:p>
             <a:pPr>
               <a:lnSpc>
                 <a:spcPct val="100000"/>
@@ -3005,14 +2662,14 @@
       </p:sp>
       <p:sp>
         <p:nvSpPr>
-          <p:cNvPr id="46" name="CustomShape 5"/>
+          <p:cNvPr id="44" name="CustomShape 5"/>
           <p:cNvSpPr/>
           <p:nvPr/>
         </p:nvSpPr>
         <p:spPr>
           <a:xfrm>
             <a:off x="970200" y="4330800"/>
-            <a:ext cx="8562240" cy="27032400"/>
+            <a:ext cx="8561880" cy="27032040"/>
           </a:xfrm>
           <a:prstGeom prst="rect">
             <a:avLst/>
@@ -3097,7 +2754,7 @@
             </a:endParaRPr>
           </a:p>
           <a:p>
-            <a:pPr marL="216000" indent="-215640">
+            <a:pPr marL="216000" indent="-215280">
               <a:lnSpc>
                 <a:spcPct val="100000"/>
               </a:lnSpc>
@@ -3150,7 +2807,7 @@
             </a:endParaRPr>
           </a:p>
           <a:p>
-            <a:pPr marL="216000" indent="-215640">
+            <a:pPr marL="216000" indent="-215280">
               <a:lnSpc>
                 <a:spcPct val="100000"/>
               </a:lnSpc>
@@ -3203,7 +2860,7 @@
             </a:endParaRPr>
           </a:p>
           <a:p>
-            <a:pPr marL="216000" indent="-215640">
+            <a:pPr marL="216000" indent="-215280">
               <a:lnSpc>
                 <a:spcPct val="100000"/>
               </a:lnSpc>
@@ -3682,7 +3339,7 @@
             </a:endParaRPr>
           </a:p>
           <a:p>
-            <a:pPr marL="216000" indent="-215640">
+            <a:pPr marL="216000" indent="-215280">
               <a:lnSpc>
                 <a:spcPct val="100000"/>
               </a:lnSpc>
@@ -3735,7 +3392,7 @@
             </a:endParaRPr>
           </a:p>
           <a:p>
-            <a:pPr marL="216000" indent="-215640">
+            <a:pPr marL="216000" indent="-215280">
               <a:lnSpc>
                 <a:spcPct val="100000"/>
               </a:lnSpc>
@@ -3788,7 +3445,7 @@
             </a:endParaRPr>
           </a:p>
           <a:p>
-            <a:pPr marL="216000" indent="-215640">
+            <a:pPr marL="216000" indent="-215280">
               <a:lnSpc>
                 <a:spcPct val="100000"/>
               </a:lnSpc>
@@ -3895,14 +3552,14 @@
       </p:sp>
       <p:sp>
         <p:nvSpPr>
-          <p:cNvPr id="47" name="CustomShape 6"/>
+          <p:cNvPr id="45" name="CustomShape 6"/>
           <p:cNvSpPr/>
           <p:nvPr/>
         </p:nvSpPr>
         <p:spPr>
           <a:xfrm>
             <a:off x="982800" y="2820960"/>
-            <a:ext cx="8549640" cy="2103120"/>
+            <a:ext cx="8549280" cy="2102760"/>
           </a:xfrm>
           <a:prstGeom prst="rect">
             <a:avLst/>
@@ -3957,14 +3614,14 @@
       </p:sp>
       <p:sp>
         <p:nvSpPr>
-          <p:cNvPr id="48" name="CustomShape 7"/>
+          <p:cNvPr id="46" name="CustomShape 7"/>
           <p:cNvSpPr/>
           <p:nvPr/>
         </p:nvSpPr>
         <p:spPr>
           <a:xfrm>
             <a:off x="32527800" y="14371560"/>
-            <a:ext cx="8551440" cy="2145600"/>
+            <a:ext cx="8551080" cy="2145240"/>
           </a:xfrm>
           <a:prstGeom prst="rect">
             <a:avLst/>
@@ -3983,14 +3640,14 @@
       </p:sp>
       <p:sp>
         <p:nvSpPr>
-          <p:cNvPr id="49" name="CustomShape 8"/>
+          <p:cNvPr id="47" name="CustomShape 8"/>
           <p:cNvSpPr/>
           <p:nvPr/>
         </p:nvSpPr>
         <p:spPr>
           <a:xfrm>
             <a:off x="32527800" y="14904720"/>
-            <a:ext cx="8551440" cy="10090440"/>
+            <a:ext cx="8551080" cy="10090080"/>
           </a:xfrm>
           <a:prstGeom prst="rect">
             <a:avLst/>
@@ -4042,7 +3699,7 @@
             </a:endParaRPr>
           </a:p>
           <a:p>
-            <a:pPr marL="457200" indent="-456120">
+            <a:pPr marL="457200" indent="-455760">
               <a:lnSpc>
                 <a:spcPct val="100000"/>
               </a:lnSpc>
@@ -4080,7 +3737,7 @@
             </a:endParaRPr>
           </a:p>
           <a:p>
-            <a:pPr marL="457200" indent="-456120">
+            <a:pPr marL="457200" indent="-455760">
               <a:lnSpc>
                 <a:spcPct val="100000"/>
               </a:lnSpc>
@@ -4118,7 +3775,7 @@
             </a:endParaRPr>
           </a:p>
           <a:p>
-            <a:pPr marL="457200" indent="-456120">
+            <a:pPr marL="457200" indent="-455760">
               <a:lnSpc>
                 <a:spcPct val="100000"/>
               </a:lnSpc>
@@ -4156,7 +3813,7 @@
             </a:endParaRPr>
           </a:p>
           <a:p>
-            <a:pPr marL="457200" indent="-456120">
+            <a:pPr marL="457200" indent="-455760">
               <a:lnSpc>
                 <a:spcPct val="100000"/>
               </a:lnSpc>
@@ -4215,14 +3872,14 @@
       </p:sp>
       <p:sp>
         <p:nvSpPr>
-          <p:cNvPr id="50" name="CustomShape 9"/>
+          <p:cNvPr id="48" name="CustomShape 9"/>
           <p:cNvSpPr/>
           <p:nvPr/>
         </p:nvSpPr>
         <p:spPr>
           <a:xfrm>
             <a:off x="11260440" y="5221440"/>
-            <a:ext cx="9221400" cy="7579440"/>
+            <a:ext cx="9221040" cy="7579080"/>
           </a:xfrm>
           <a:prstGeom prst="rect">
             <a:avLst/>
@@ -4290,14 +3947,14 @@
       </p:sp>
       <p:sp>
         <p:nvSpPr>
-          <p:cNvPr id="51" name="CustomShape 10"/>
+          <p:cNvPr id="49" name="CustomShape 10"/>
           <p:cNvSpPr/>
           <p:nvPr/>
         </p:nvSpPr>
         <p:spPr>
           <a:xfrm>
             <a:off x="21227400" y="22503600"/>
-            <a:ext cx="9221400" cy="7579440"/>
+            <a:ext cx="9221040" cy="7579080"/>
           </a:xfrm>
           <a:prstGeom prst="rect">
             <a:avLst/>
@@ -4365,14 +4022,14 @@
       </p:sp>
       <p:sp>
         <p:nvSpPr>
-          <p:cNvPr id="52" name="CustomShape 11"/>
+          <p:cNvPr id="50" name="CustomShape 11"/>
           <p:cNvSpPr/>
           <p:nvPr/>
         </p:nvSpPr>
         <p:spPr>
           <a:xfrm>
             <a:off x="32735520" y="3200400"/>
-            <a:ext cx="8228880" cy="10240560"/>
+            <a:ext cx="8228520" cy="10240200"/>
           </a:xfrm>
           <a:prstGeom prst="rect">
             <a:avLst/>
@@ -4395,14 +4052,14 @@
       </p:sp>
       <p:sp>
         <p:nvSpPr>
-          <p:cNvPr id="53" name="CustomShape 12"/>
+          <p:cNvPr id="51" name="CustomShape 12"/>
           <p:cNvSpPr/>
           <p:nvPr/>
         </p:nvSpPr>
         <p:spPr>
           <a:xfrm>
             <a:off x="33320160" y="7955280"/>
-            <a:ext cx="7223040" cy="5208840"/>
+            <a:ext cx="7222680" cy="5208480"/>
           </a:xfrm>
           <a:prstGeom prst="rect">
             <a:avLst/>
@@ -4730,14 +4387,14 @@
       </p:sp>
       <p:sp>
         <p:nvSpPr>
-          <p:cNvPr id="54" name="CustomShape 13"/>
+          <p:cNvPr id="52" name="CustomShape 13"/>
           <p:cNvSpPr/>
           <p:nvPr/>
         </p:nvSpPr>
         <p:spPr>
           <a:xfrm>
             <a:off x="33375600" y="5088240"/>
-            <a:ext cx="6948720" cy="854640"/>
+            <a:ext cx="6948360" cy="854280"/>
           </a:xfrm>
           <a:prstGeom prst="rect">
             <a:avLst/>
@@ -4787,7 +4444,7 @@
       </p:sp>
       <p:pic>
         <p:nvPicPr>
-          <p:cNvPr id="55" name="" descr=""/>
+          <p:cNvPr id="53" name="" descr=""/>
           <p:cNvPicPr/>
           <p:nvPr/>
         </p:nvPicPr>
@@ -4798,7 +4455,7 @@
         <p:spPr>
           <a:xfrm>
             <a:off x="279000" y="10515600"/>
-            <a:ext cx="10236240" cy="7680600"/>
+            <a:ext cx="10235880" cy="7680240"/>
           </a:xfrm>
           <a:prstGeom prst="rect">
             <a:avLst/>
@@ -4810,14 +4467,14 @@
       </p:pic>
       <p:sp>
         <p:nvSpPr>
-          <p:cNvPr id="56" name="CustomShape 14"/>
+          <p:cNvPr id="54" name="CustomShape 14"/>
           <p:cNvSpPr/>
           <p:nvPr/>
         </p:nvSpPr>
         <p:spPr>
           <a:xfrm>
             <a:off x="1005840" y="18430920"/>
-            <a:ext cx="8777880" cy="1228320"/>
+            <a:ext cx="8777520" cy="1227960"/>
           </a:xfrm>
           <a:prstGeom prst="rect">
             <a:avLst/>
@@ -4847,6 +4504,7 @@
                   </a:solidFill>
                 </a:uFill>
                 <a:latin typeface="Nimbus Sans"/>
+                <a:ea typeface="DejaVu Sans"/>
               </a:rPr>
               <a:t>Figure 1: A flowchart providing a high-level description on how the user feedback is incorporated into the decision-making process.</a:t>
             </a:r>
